--- a/Presentation/TPU.pptx
+++ b/Presentation/TPU.pptx
@@ -28,29 +28,29 @@
     <p:sldId id="380" r:id="rId19"/>
     <p:sldId id="381" r:id="rId20"/>
     <p:sldId id="382" r:id="rId21"/>
-    <p:sldId id="383" r:id="rId22"/>
-    <p:sldId id="384" r:id="rId23"/>
-    <p:sldId id="386" r:id="rId24"/>
-    <p:sldId id="387" r:id="rId25"/>
-    <p:sldId id="388" r:id="rId26"/>
-    <p:sldId id="389" r:id="rId27"/>
-    <p:sldId id="390" r:id="rId28"/>
-    <p:sldId id="391" r:id="rId29"/>
-    <p:sldId id="392" r:id="rId30"/>
-    <p:sldId id="393" r:id="rId31"/>
-    <p:sldId id="399" r:id="rId32"/>
-    <p:sldId id="371" r:id="rId33"/>
-    <p:sldId id="407" r:id="rId34"/>
-    <p:sldId id="408" r:id="rId35"/>
-    <p:sldId id="409" r:id="rId36"/>
-    <p:sldId id="410" r:id="rId37"/>
-    <p:sldId id="411" r:id="rId38"/>
+    <p:sldId id="384" r:id="rId22"/>
+    <p:sldId id="386" r:id="rId23"/>
+    <p:sldId id="387" r:id="rId24"/>
+    <p:sldId id="388" r:id="rId25"/>
+    <p:sldId id="389" r:id="rId26"/>
+    <p:sldId id="390" r:id="rId27"/>
+    <p:sldId id="391" r:id="rId28"/>
+    <p:sldId id="392" r:id="rId29"/>
+    <p:sldId id="393" r:id="rId30"/>
+    <p:sldId id="399" r:id="rId31"/>
+    <p:sldId id="371" r:id="rId32"/>
+    <p:sldId id="407" r:id="rId33"/>
+    <p:sldId id="408" r:id="rId34"/>
+    <p:sldId id="409" r:id="rId35"/>
+    <p:sldId id="410" r:id="rId36"/>
+    <p:sldId id="411" r:id="rId37"/>
+    <p:sldId id="412" r:id="rId38"/>
     <p:sldId id="301" r:id="rId39"/>
-    <p:sldId id="370" r:id="rId40"/>
-    <p:sldId id="366" r:id="rId41"/>
-    <p:sldId id="367" r:id="rId42"/>
-    <p:sldId id="368" r:id="rId43"/>
-    <p:sldId id="369" r:id="rId44"/>
+    <p:sldId id="366" r:id="rId40"/>
+    <p:sldId id="367" r:id="rId41"/>
+    <p:sldId id="368" r:id="rId42"/>
+    <p:sldId id="369" r:id="rId43"/>
+    <p:sldId id="413" r:id="rId44"/>
   </p:sldIdLst>
   <p:sldSz cx="12192000" cy="6858000"/>
   <p:notesSz cx="6881813" cy="9296400"/>
@@ -239,7 +239,7 @@
           <a:p>
             <a:fld id="{A8AD9518-848B-4D4B-B844-C9A140F2B20A}" type="datetimeFigureOut">
               <a:rPr lang="en-US" smtClean="0"/>
-              <a:t>5/20/2018</a:t>
+              <a:t>5/21/2018</a:t>
             </a:fld>
             <a:endParaRPr lang="en-US"/>
           </a:p>
@@ -550,7 +550,34 @@
           <a:bodyPr/>
           <a:lstStyle/>
           <a:p>
-            <a:endParaRPr lang="en-US" dirty="0"/>
+            <a:pPr marL="171450" indent="-171450">
+              <a:buFontTx/>
+              <a:buChar char="-"/>
+            </a:pPr>
+            <a:r>
+              <a:rPr lang="en-US" dirty="0"/>
+              <a:t>Names</a:t>
+            </a:r>
+          </a:p>
+          <a:p>
+            <a:pPr marL="171450" indent="-171450">
+              <a:buFontTx/>
+              <a:buChar char="-"/>
+            </a:pPr>
+            <a:r>
+              <a:rPr lang="en-US" dirty="0"/>
+              <a:t>This is our paper</a:t>
+            </a:r>
+          </a:p>
+          <a:p>
+            <a:pPr marL="171450" indent="-171450">
+              <a:buFontTx/>
+              <a:buChar char="-"/>
+            </a:pPr>
+            <a:r>
+              <a:rPr lang="en-US" dirty="0"/>
+              <a:t>Our talk is organized as follows: I will give an overview of the whole TPU project and important things to keep in mind when we talk about the design and the specifics of the TPU which Muhammad will talk to us about. After that I will a little discussion and will hint to few things that are not in the paper but could be interesting. </a:t>
+            </a:r>
           </a:p>
         </p:txBody>
       </p:sp>
@@ -1474,6 +1501,16 @@
           <a:bodyPr/>
           <a:lstStyle/>
           <a:p>
+            <a:r>
+              <a:rPr lang="en-US" i="0" dirty="0"/>
+              <a:t>Since machine learning application is compute intensive and time consuming, people started think of how to accelerate it. There are many options for machine learning accelerators including GPU, FPGA, and ASIC (application specific integrated circuits). TPU is one of these ASIC accelerators developed by Google. The paper we will present will talk about TPU design, evolutions and compare it against other accelerators. In most of this presentation, we are going to talk about the first generation which was deployed in Google data centered in 2015. The second generation was announced in May 2017, and the third generation was announced earlier this month. The major components of this paper is that they built TPU for inference on neural network. They focused on response-time (which you can call the user experience) this is a little different than GPU which is high-</a:t>
+            </a:r>
+            <a:r>
+              <a:rPr lang="en-US" sz="1200" dirty="0">
+                <a:sym typeface="Wingdings" panose="05000000000000000000" pitchFamily="2" charset="2"/>
+              </a:rPr>
+              <a:t>throughput oriented design. The comparison they make was against Intel Haswell and GPU K80 which are now both old architecture but they have good reasons why they compare with them.  The application here are written on TF. In general, TPU is between 15X-30X faster than GPU and CPU and from 30 up to 80 more energy efficient. </a:t>
+            </a:r>
             <a:endParaRPr lang="en-US" i="0" dirty="0"/>
           </a:p>
         </p:txBody>
@@ -1672,7 +1709,7 @@
     </p:spTree>
     <p:extLst>
       <p:ext uri="{BB962C8B-B14F-4D97-AF65-F5344CB8AC3E}">
-        <p14:creationId xmlns:p14="http://schemas.microsoft.com/office/powerpoint/2010/main" val="2234286950"/>
+        <p14:creationId xmlns:p14="http://schemas.microsoft.com/office/powerpoint/2010/main" val="1351371499"/>
       </p:ext>
     </p:extLst>
   </p:cSld>
@@ -1756,7 +1793,7 @@
     </p:spTree>
     <p:extLst>
       <p:ext uri="{BB962C8B-B14F-4D97-AF65-F5344CB8AC3E}">
-        <p14:creationId xmlns:p14="http://schemas.microsoft.com/office/powerpoint/2010/main" val="1351371499"/>
+        <p14:creationId xmlns:p14="http://schemas.microsoft.com/office/powerpoint/2010/main" val="2475922277"/>
       </p:ext>
     </p:extLst>
   </p:cSld>
@@ -1840,7 +1877,7 @@
     </p:spTree>
     <p:extLst>
       <p:ext uri="{BB962C8B-B14F-4D97-AF65-F5344CB8AC3E}">
-        <p14:creationId xmlns:p14="http://schemas.microsoft.com/office/powerpoint/2010/main" val="2475922277"/>
+        <p14:creationId xmlns:p14="http://schemas.microsoft.com/office/powerpoint/2010/main" val="1257626741"/>
       </p:ext>
     </p:extLst>
   </p:cSld>
@@ -1924,7 +1961,7 @@
     </p:spTree>
     <p:extLst>
       <p:ext uri="{BB962C8B-B14F-4D97-AF65-F5344CB8AC3E}">
-        <p14:creationId xmlns:p14="http://schemas.microsoft.com/office/powerpoint/2010/main" val="1257626741"/>
+        <p14:creationId xmlns:p14="http://schemas.microsoft.com/office/powerpoint/2010/main" val="3736028442"/>
       </p:ext>
     </p:extLst>
   </p:cSld>
@@ -1978,7 +2015,10 @@
           <a:bodyPr/>
           <a:lstStyle/>
           <a:p>
-            <a:endParaRPr lang="en-US" i="0" dirty="0"/>
+            <a:r>
+              <a:rPr lang="en-US" i="0" dirty="0"/>
+              <a:t>What is *</a:t>
+            </a:r>
           </a:p>
         </p:txBody>
       </p:sp>
@@ -2008,7 +2048,7 @@
     </p:spTree>
     <p:extLst>
       <p:ext uri="{BB962C8B-B14F-4D97-AF65-F5344CB8AC3E}">
-        <p14:creationId xmlns:p14="http://schemas.microsoft.com/office/powerpoint/2010/main" val="3736028442"/>
+        <p14:creationId xmlns:p14="http://schemas.microsoft.com/office/powerpoint/2010/main" val="3616832219"/>
       </p:ext>
     </p:extLst>
   </p:cSld>
@@ -2095,7 +2135,7 @@
     </p:spTree>
     <p:extLst>
       <p:ext uri="{BB962C8B-B14F-4D97-AF65-F5344CB8AC3E}">
-        <p14:creationId xmlns:p14="http://schemas.microsoft.com/office/powerpoint/2010/main" val="3616832219"/>
+        <p14:creationId xmlns:p14="http://schemas.microsoft.com/office/powerpoint/2010/main" val="51020607"/>
       </p:ext>
     </p:extLst>
   </p:cSld>
@@ -2182,7 +2222,7 @@
     </p:spTree>
     <p:extLst>
       <p:ext uri="{BB962C8B-B14F-4D97-AF65-F5344CB8AC3E}">
-        <p14:creationId xmlns:p14="http://schemas.microsoft.com/office/powerpoint/2010/main" val="51020607"/>
+        <p14:creationId xmlns:p14="http://schemas.microsoft.com/office/powerpoint/2010/main" val="3443292859"/>
       </p:ext>
     </p:extLst>
   </p:cSld>
@@ -2269,7 +2309,7 @@
     </p:spTree>
     <p:extLst>
       <p:ext uri="{BB962C8B-B14F-4D97-AF65-F5344CB8AC3E}">
-        <p14:creationId xmlns:p14="http://schemas.microsoft.com/office/powerpoint/2010/main" val="3443292859"/>
+        <p14:creationId xmlns:p14="http://schemas.microsoft.com/office/powerpoint/2010/main" val="441368687"/>
       </p:ext>
     </p:extLst>
   </p:cSld>
@@ -2356,7 +2396,7 @@
     </p:spTree>
     <p:extLst>
       <p:ext uri="{BB962C8B-B14F-4D97-AF65-F5344CB8AC3E}">
-        <p14:creationId xmlns:p14="http://schemas.microsoft.com/office/powerpoint/2010/main" val="441368687"/>
+        <p14:creationId xmlns:p14="http://schemas.microsoft.com/office/powerpoint/2010/main" val="991332477"/>
       </p:ext>
     </p:extLst>
   </p:cSld>
@@ -2412,7 +2452,13 @@
           <a:p>
             <a:r>
               <a:rPr lang="en-US" i="0" dirty="0"/>
-              <a:t>From software to hardware engineering, to mechanical engineering (for cooling system) to even marketing people  </a:t>
+              <a:t>The paper was presented in the 44th International Symposium on Computer Architecture June last year (which is a little bit weird given that it was deployed and running in Google data-centers since 2015 but maybe they have to be a little secretive for one reason or another) </a:t>
+            </a:r>
+          </a:p>
+          <a:p>
+            <a:r>
+              <a:rPr lang="en-US" i="0" dirty="0"/>
+              <a:t>The paper has more than 70 authors and co-authors. Notable names David Patterson; pioneer computer architect and Jeffery Dean; the head of Google AI. Other are software and hardware engineers. There are also mechanical engineers (I guess they helped with the cooling system). </a:t>
             </a:r>
           </a:p>
         </p:txBody>
@@ -2497,10 +2543,7 @@
           <a:bodyPr/>
           <a:lstStyle/>
           <a:p>
-            <a:r>
-              <a:rPr lang="en-US" i="0" dirty="0"/>
-              <a:t>What is *</a:t>
-            </a:r>
+            <a:endParaRPr lang="en-US" i="0" dirty="0"/>
           </a:p>
         </p:txBody>
       </p:sp>
@@ -2530,7 +2573,7 @@
     </p:spTree>
     <p:extLst>
       <p:ext uri="{BB962C8B-B14F-4D97-AF65-F5344CB8AC3E}">
-        <p14:creationId xmlns:p14="http://schemas.microsoft.com/office/powerpoint/2010/main" val="991332477"/>
+        <p14:creationId xmlns:p14="http://schemas.microsoft.com/office/powerpoint/2010/main" val="148374062"/>
       </p:ext>
     </p:extLst>
   </p:cSld>
@@ -2584,7 +2627,26 @@
           <a:bodyPr/>
           <a:lstStyle/>
           <a:p>
-            <a:endParaRPr lang="en-US" i="0" dirty="0"/>
+            <a:r>
+              <a:rPr lang="en-US" i="0" dirty="0"/>
+              <a:t>In the discussion, the paper David Patterson style in having a set of fallacy and pitfalls that it tries to correct. The first one is NN inference values throughput as much as response time. This is not true. Two years before thinking about TPU, the common belief was that large batches would allow peak performance and everything would work fine and nobody would complain about response time. But now (or at the time of they started thinking of the TPU and future projection of the application back then), the software writers of the applications changed their mind and they cared about the response time. Even the developers who cared about the response time in 2014, 10 </a:t>
+            </a:r>
+            <a:r>
+              <a:rPr lang="en-US" i="0" dirty="0" err="1"/>
+              <a:t>ms</a:t>
+            </a:r>
+            <a:r>
+              <a:rPr lang="en-US" i="0" dirty="0"/>
+              <a:t> was the limit and then it shrank to 7 </a:t>
+            </a:r>
+            <a:r>
+              <a:rPr lang="en-US" i="0" dirty="0" err="1"/>
+              <a:t>ms</a:t>
+            </a:r>
+            <a:r>
+              <a:rPr lang="en-US" i="0" dirty="0"/>
+              <a:t> when the application ported to the TPU. </a:t>
+            </a:r>
           </a:p>
         </p:txBody>
       </p:sp>
@@ -2614,7 +2676,7 @@
     </p:spTree>
     <p:extLst>
       <p:ext uri="{BB962C8B-B14F-4D97-AF65-F5344CB8AC3E}">
-        <p14:creationId xmlns:p14="http://schemas.microsoft.com/office/powerpoint/2010/main" val="148374062"/>
+        <p14:creationId xmlns:p14="http://schemas.microsoft.com/office/powerpoint/2010/main" val="1706074123"/>
       </p:ext>
     </p:extLst>
   </p:cSld>
@@ -2670,23 +2732,7 @@
           <a:p>
             <a:r>
               <a:rPr lang="en-US" i="0" dirty="0"/>
-              <a:t>In the discussion, the paper David Patterson style in having a set of fallacy and pitfalls that it tries to correct. The first one is NN inference values throughput as much as response time. This is not true. Two years before thinking about TPU, the common belief was that large batches would allow peak performance and everything would work fine and nobody would complain about response time. But now (or at the time of they started thinking of the TPU and future projection of the application back then), the software writers of the applications changed their mind and they cared about the response time. Even the developers who cared about the response time in 2014, 10 </a:t>
-            </a:r>
-            <a:r>
-              <a:rPr lang="en-US" i="0" dirty="0" err="1"/>
-              <a:t>ms</a:t>
-            </a:r>
-            <a:r>
-              <a:rPr lang="en-US" i="0" dirty="0"/>
-              <a:t> was the limit and then it shrank to 7 </a:t>
-            </a:r>
-            <a:r>
-              <a:rPr lang="en-US" i="0" dirty="0" err="1"/>
-              <a:t>ms</a:t>
-            </a:r>
-            <a:r>
-              <a:rPr lang="en-US" i="0" dirty="0"/>
-              <a:t> when the application ported to the TPU. </a:t>
+              <a:t>It is a surprise that the GPU is not as good for inference as it is so important for training at least for the K80. However, the GPU is a high-throughput architecture, many threads running in parallel with high bandwidth DRAM. That is why it is faster but than Haswell architecture but still slower than the TPU. They expected  that the next generation for the GPU will try to improve the peak the performance but they were skeptical about this given their throughput-oriented architecture approach while there are plenty of chances for the TPU to improve. </a:t>
             </a:r>
           </a:p>
         </p:txBody>
@@ -2717,7 +2763,7 @@
     </p:spTree>
     <p:extLst>
       <p:ext uri="{BB962C8B-B14F-4D97-AF65-F5344CB8AC3E}">
-        <p14:creationId xmlns:p14="http://schemas.microsoft.com/office/powerpoint/2010/main" val="1706074123"/>
+        <p14:creationId xmlns:p14="http://schemas.microsoft.com/office/powerpoint/2010/main" val="332108237"/>
       </p:ext>
     </p:extLst>
   </p:cSld>
@@ -2773,7 +2819,13 @@
           <a:p>
             <a:r>
               <a:rPr lang="en-US" i="0" dirty="0"/>
-              <a:t>It is a surprise that the GPU is not as good for inference as it is so important for training at least for the K80. However, the GPU is a high-throughput architecture, many threads running in parallel with high bandwidth DRAM. That is why it is faster but than Haswell architecture but still slower than the TPU. They expected  that the next generation for the GPU will try to improve the peak the performance but they were skeptical about this given their throughput-oriented architecture approach while there are plenty of chances for the TPU to improve. </a:t>
+              <a:t>Only one 8-bit DNN application was available on CPU due to the significant work to use AVX2 integer support efficiently. The problem would be to have to present one integer results and the rest would be in floating points which will be confusing and take a lot of space. </a:t>
+            </a:r>
+          </a:p>
+          <a:p>
+            <a:r>
+              <a:rPr lang="en-US" i="0" dirty="0"/>
+              <a:t>But we can do projection using this one application, so the speed up was 3.5X. If we applied to all of the other applications, the perf/Watt will drop from 40-83X to 12-24X which is still a huge number</a:t>
             </a:r>
           </a:p>
         </p:txBody>
@@ -2804,7 +2856,7 @@
     </p:spTree>
     <p:extLst>
       <p:ext uri="{BB962C8B-B14F-4D97-AF65-F5344CB8AC3E}">
-        <p14:creationId xmlns:p14="http://schemas.microsoft.com/office/powerpoint/2010/main" val="332108237"/>
+        <p14:creationId xmlns:p14="http://schemas.microsoft.com/office/powerpoint/2010/main" val="1331100665"/>
       </p:ext>
     </p:extLst>
   </p:cSld>
@@ -2860,13 +2912,16 @@
           <a:p>
             <a:r>
               <a:rPr lang="en-US" i="0" dirty="0"/>
-              <a:t>Only one 8-bit DNN application was available on CPU due to the significant work to use AVX2 integer support efficiently. The problem would be to have to present one integer results and the rest would be in floating points which will be confusing and take a lot of space. </a:t>
-            </a:r>
+              <a:t>The second part of this pitfall is that did they compare to the right GPU/CPU devices? So once device they should have compared against is the P40 with 47 Tera 8-bit ops/sec (which is half the peak performance of TPU). First  because it came out after the TPU (the paper published in 2017 but the story started in 2013 and announced in the first half of 2015). Second which is more important is that the P40 it does not have SECDED which is short for single-error correcting and double error detecting capability. The big picture here in order to put something in the datacenter what you will worry about is if you bought thousands of this devices that error might happened and you will have to debug them so you have to have error correction codes on the internal memory on the chip so you realize when something wrong. Google strictly does not deploy device that doe not have error correcting or detection and the P40 does not have it. Should be deployed in the datacenters in order to know that. </a:t>
+            </a:r>
+          </a:p>
+          <a:p>
+            <a:endParaRPr lang="en-US" i="0" dirty="0"/>
           </a:p>
           <a:p>
             <a:r>
               <a:rPr lang="en-US" i="0" dirty="0"/>
-              <a:t>But we can do projection using this one application, so the speed up was 3.5X. If we applied to all of the other applications, the perf/Watt will drop from 40-83X to 12-24X which is still a huge number</a:t>
+              <a:t>Even though, the P40 needs power at the half peak of TPU and also we do not know what fraction of its peak performance will be delivered in 7ms deadline. </a:t>
             </a:r>
           </a:p>
         </p:txBody>
@@ -2897,7 +2952,7 @@
     </p:spTree>
     <p:extLst>
       <p:ext uri="{BB962C8B-B14F-4D97-AF65-F5344CB8AC3E}">
-        <p14:creationId xmlns:p14="http://schemas.microsoft.com/office/powerpoint/2010/main" val="1331100665"/>
+        <p14:creationId xmlns:p14="http://schemas.microsoft.com/office/powerpoint/2010/main" val="2098752434"/>
       </p:ext>
     </p:extLst>
   </p:cSld>
@@ -2953,16 +3008,7 @@
           <a:p>
             <a:r>
               <a:rPr lang="en-US" i="0" dirty="0"/>
-              <a:t>The second part of this pitfall is that did they compare to the right GPU/CPU devices? So once device they should have compared against is the P40 with 47 Tera 8-bit ops/sec (which is half the peak performance of TPU). First  because it came out after the TPU (the paper published in 2017 but the story started in 2013 and announced in the first half of 2015). Second which is more important is that the P40 it does not have SECDED which is short for single-error correcting and double error detecting capability. The big picture here in order to put something in the datacenter what you will worry about is if you bought thousands of this devices that error might happened and you will have to debug them so you have to have error correction codes on the internal memory on the chip so you realize when something wrong. Google strictly does not deploy device that doe not have error correcting or detection and the P40 does not have it. Should be deployed in the datacenters in order to know that. </a:t>
-            </a:r>
-          </a:p>
-          <a:p>
-            <a:endParaRPr lang="en-US" i="0" dirty="0"/>
-          </a:p>
-          <a:p>
-            <a:r>
-              <a:rPr lang="en-US" i="0" dirty="0"/>
-              <a:t>Even though, the P40 needs power at the half peak of TPU and also we do not know what fraction of its peak performance will be delivered in 7ms deadline. </a:t>
+              <a:t>Deeper batches increased the utilization of the matrix unit. </a:t>
             </a:r>
           </a:p>
         </p:txBody>
@@ -2993,7 +3039,7 @@
     </p:spTree>
     <p:extLst>
       <p:ext uri="{BB962C8B-B14F-4D97-AF65-F5344CB8AC3E}">
-        <p14:creationId xmlns:p14="http://schemas.microsoft.com/office/powerpoint/2010/main" val="2098752434"/>
+        <p14:creationId xmlns:p14="http://schemas.microsoft.com/office/powerpoint/2010/main" val="4140637146"/>
       </p:ext>
     </p:extLst>
   </p:cSld>
@@ -3049,7 +3095,7 @@
           <a:p>
             <a:r>
               <a:rPr lang="en-US" i="0" dirty="0"/>
-              <a:t>Deeper batches increased the utilization of the matrix unit. </a:t>
+              <a:t>IPS is misleading performance metric for NN accelerators </a:t>
             </a:r>
           </a:p>
         </p:txBody>
@@ -3080,7 +3126,7 @@
     </p:spTree>
     <p:extLst>
       <p:ext uri="{BB962C8B-B14F-4D97-AF65-F5344CB8AC3E}">
-        <p14:creationId xmlns:p14="http://schemas.microsoft.com/office/powerpoint/2010/main" val="4140637146"/>
+        <p14:creationId xmlns:p14="http://schemas.microsoft.com/office/powerpoint/2010/main" val="1198418622"/>
       </p:ext>
     </p:extLst>
   </p:cSld>
@@ -3134,10 +3180,7 @@
           <a:bodyPr/>
           <a:lstStyle/>
           <a:p>
-            <a:r>
-              <a:rPr lang="en-US" i="0" dirty="0"/>
-              <a:t>IPS is misleading performance metric for NN accelerators </a:t>
-            </a:r>
+            <a:endParaRPr lang="en-US" i="0" dirty="0"/>
           </a:p>
         </p:txBody>
       </p:sp>
@@ -3167,7 +3210,7 @@
     </p:spTree>
     <p:extLst>
       <p:ext uri="{BB962C8B-B14F-4D97-AF65-F5344CB8AC3E}">
-        <p14:creationId xmlns:p14="http://schemas.microsoft.com/office/powerpoint/2010/main" val="1198418622"/>
+        <p14:creationId xmlns:p14="http://schemas.microsoft.com/office/powerpoint/2010/main" val="682094871"/>
       </p:ext>
     </p:extLst>
   </p:cSld>
@@ -3341,7 +3384,7 @@
     </p:spTree>
     <p:extLst>
       <p:ext uri="{BB962C8B-B14F-4D97-AF65-F5344CB8AC3E}">
-        <p14:creationId xmlns:p14="http://schemas.microsoft.com/office/powerpoint/2010/main" val="1385634148"/>
+        <p14:creationId xmlns:p14="http://schemas.microsoft.com/office/powerpoint/2010/main" val="1131633815"/>
       </p:ext>
     </p:extLst>
   </p:cSld>
@@ -3397,14 +3440,23 @@
           <a:p>
             <a:r>
               <a:rPr lang="en-US" i="0" dirty="0"/>
-              <a:t>It is CPU datacenters </a:t>
-            </a:r>
+              <a:t>Thinking about build accelerator for the inference of Neural Network started around 2013 when Google made the following projection. If all the Android phone users did a voice search for three minutes per day, Google will have to double its whole datacenters fleet in order to run the machine learning models they have. Again, here we are talk about inference.</a:t>
+            </a:r>
+          </a:p>
+          <a:p>
+            <a:endParaRPr lang="en-US" i="0" dirty="0"/>
           </a:p>
           <a:p>
             <a:r>
               <a:rPr lang="en-US" i="0" dirty="0"/>
-              <a:t>The custom HW is for inference, while training is still done using off-the-shelf GPU</a:t>
-            </a:r>
+              <a:t>They saw that the right path is to build a custom hardware. They set the goal to be a reduction of the Total Cost of Ownership for DNN inference phase by 10x vs. GPU. TCO can be thought of the cost of the initial cost of manufacturing plus the cost of running. Meanwhile, the training would still be done on the off-the-shelf GPU. This changed after the second generation which can be used for both inference and training. They had a very short development and design cycle of 15 months. This included designing, prototyping, testing and deploying to the data centers. This affected some of the design decision as we will see later. </a:t>
+            </a:r>
+          </a:p>
+          <a:p>
+            <a:endParaRPr lang="en-US" i="0"/>
+          </a:p>
+          <a:p>
+            <a:endParaRPr lang="en-US" i="0" dirty="0"/>
           </a:p>
         </p:txBody>
       </p:sp>
@@ -3518,7 +3570,7 @@
     </p:spTree>
     <p:extLst>
       <p:ext uri="{BB962C8B-B14F-4D97-AF65-F5344CB8AC3E}">
-        <p14:creationId xmlns:p14="http://schemas.microsoft.com/office/powerpoint/2010/main" val="1131633815"/>
+        <p14:creationId xmlns:p14="http://schemas.microsoft.com/office/powerpoint/2010/main" val="3450042990"/>
       </p:ext>
     </p:extLst>
   </p:cSld>
@@ -3602,7 +3654,7 @@
     </p:spTree>
     <p:extLst>
       <p:ext uri="{BB962C8B-B14F-4D97-AF65-F5344CB8AC3E}">
-        <p14:creationId xmlns:p14="http://schemas.microsoft.com/office/powerpoint/2010/main" val="3450042990"/>
+        <p14:creationId xmlns:p14="http://schemas.microsoft.com/office/powerpoint/2010/main" val="1845881027"/>
       </p:ext>
     </p:extLst>
   </p:cSld>
@@ -3686,7 +3738,7 @@
     </p:spTree>
     <p:extLst>
       <p:ext uri="{BB962C8B-B14F-4D97-AF65-F5344CB8AC3E}">
-        <p14:creationId xmlns:p14="http://schemas.microsoft.com/office/powerpoint/2010/main" val="1845881027"/>
+        <p14:creationId xmlns:p14="http://schemas.microsoft.com/office/powerpoint/2010/main" val="3164114262"/>
       </p:ext>
     </p:extLst>
   </p:cSld>
@@ -3770,7 +3822,7 @@
     </p:spTree>
     <p:extLst>
       <p:ext uri="{BB962C8B-B14F-4D97-AF65-F5344CB8AC3E}">
-        <p14:creationId xmlns:p14="http://schemas.microsoft.com/office/powerpoint/2010/main" val="3164114262"/>
+        <p14:creationId xmlns:p14="http://schemas.microsoft.com/office/powerpoint/2010/main" val="1443465134"/>
       </p:ext>
     </p:extLst>
   </p:cSld>
@@ -3908,7 +3960,10 @@
           <a:bodyPr/>
           <a:lstStyle/>
           <a:p>
-            <a:endParaRPr lang="en-US" i="0" dirty="0"/>
+            <a:r>
+              <a:rPr lang="en-US" i="0" dirty="0"/>
+              <a:t>There are different NN models that one can focus on. In Google datacenters, there are only three models that make up 95% of the workload and the are the MLP and convolutional neural network and one type of recurrent NN which is the LSTM. Because of that all the benchmark results and comparisons will be focused on these three models. </a:t>
+            </a:r>
           </a:p>
         </p:txBody>
       </p:sp>
@@ -3992,7 +4047,10 @@
           <a:bodyPr/>
           <a:lstStyle/>
           <a:p>
-            <a:endParaRPr lang="en-US" i="0" dirty="0"/>
+            <a:r>
+              <a:rPr lang="en-US" i="0" dirty="0"/>
+              <a:t>TPU was designed to be easily programmed by the TensorFlow which make it easier to be deployed. Most of the application are about 100 to 1500 lines of codes. This is the NN coding part which is small pieces of larger application running on the host server of thousands to millions lines of codes. All the application are user facing and this put a vert strict response-time limit because if the user receives the results of the search query after like a 30 seconds, they might go to another search engine. </a:t>
+            </a:r>
           </a:p>
         </p:txBody>
       </p:sp>
@@ -4076,7 +4134,22 @@
           <a:bodyPr/>
           <a:lstStyle/>
           <a:p>
-            <a:endParaRPr lang="en-US" i="0" dirty="0"/>
+            <a:r>
+              <a:rPr lang="en-US" i="0" dirty="0"/>
+              <a:t>In the benchmark, they focused on six applications; two MLP, two LSTM and two CNN. What you should take from this table is the variety of the parameters of these application and how they span a good wide spectrum. For example if you look at the number of layers </a:t>
+            </a:r>
+            <a:r>
+              <a:rPr lang="en-US" i="0" dirty="0">
+                <a:solidFill>
+                  <a:srgbClr val="FF0000"/>
+                </a:solidFill>
+              </a:rPr>
+              <a:t>(RED)</a:t>
+            </a:r>
+            <a:r>
+              <a:rPr lang="en-US" i="0" dirty="0"/>
+              <a:t> MLP1 is about 4 layers and CNN1 89 layers. The weights also vary from 5M to 100M. Batch size for inference is the size of the input for which you are doing the inference. For example, if you have a trained network and want to classify an image, you might instead want to classify more than one image at the same time. The number of images that you want to classify at the same time is called the Batch size. Here we have batch sizes from 8 up to 200. Finally, I guess this is important that more than 60% of the workload on google datacenters is MLP models while CNN models only make up 5%. </a:t>
+            </a:r>
           </a:p>
         </p:txBody>
       </p:sp>
@@ -4331,7 +4404,7 @@
           <a:p>
             <a:fld id="{AA6E839C-B40E-4402-AADE-25A97960D35E}" type="datetimeFigureOut">
               <a:rPr lang="en-US" smtClean="0"/>
-              <a:t>5/20/2018</a:t>
+              <a:t>5/21/2018</a:t>
             </a:fld>
             <a:endParaRPr lang="en-US"/>
           </a:p>
@@ -4501,7 +4574,7 @@
           <a:p>
             <a:fld id="{AA6E839C-B40E-4402-AADE-25A97960D35E}" type="datetimeFigureOut">
               <a:rPr lang="en-US" smtClean="0"/>
-              <a:t>5/20/2018</a:t>
+              <a:t>5/21/2018</a:t>
             </a:fld>
             <a:endParaRPr lang="en-US"/>
           </a:p>
@@ -4681,7 +4754,7 @@
           <a:p>
             <a:fld id="{AA6E839C-B40E-4402-AADE-25A97960D35E}" type="datetimeFigureOut">
               <a:rPr lang="en-US" smtClean="0"/>
-              <a:t>5/20/2018</a:t>
+              <a:t>5/21/2018</a:t>
             </a:fld>
             <a:endParaRPr lang="en-US"/>
           </a:p>
@@ -4851,7 +4924,7 @@
           <a:p>
             <a:fld id="{AA6E839C-B40E-4402-AADE-25A97960D35E}" type="datetimeFigureOut">
               <a:rPr lang="en-US" smtClean="0"/>
-              <a:t>5/20/2018</a:t>
+              <a:t>5/21/2018</a:t>
             </a:fld>
             <a:endParaRPr lang="en-US"/>
           </a:p>
@@ -5097,7 +5170,7 @@
           <a:p>
             <a:fld id="{AA6E839C-B40E-4402-AADE-25A97960D35E}" type="datetimeFigureOut">
               <a:rPr lang="en-US" smtClean="0"/>
-              <a:t>5/20/2018</a:t>
+              <a:t>5/21/2018</a:t>
             </a:fld>
             <a:endParaRPr lang="en-US"/>
           </a:p>
@@ -5329,7 +5402,7 @@
           <a:p>
             <a:fld id="{AA6E839C-B40E-4402-AADE-25A97960D35E}" type="datetimeFigureOut">
               <a:rPr lang="en-US" smtClean="0"/>
-              <a:t>5/20/2018</a:t>
+              <a:t>5/21/2018</a:t>
             </a:fld>
             <a:endParaRPr lang="en-US"/>
           </a:p>
@@ -5696,7 +5769,7 @@
           <a:p>
             <a:fld id="{AA6E839C-B40E-4402-AADE-25A97960D35E}" type="datetimeFigureOut">
               <a:rPr lang="en-US" smtClean="0"/>
-              <a:t>5/20/2018</a:t>
+              <a:t>5/21/2018</a:t>
             </a:fld>
             <a:endParaRPr lang="en-US"/>
           </a:p>
@@ -5814,7 +5887,7 @@
           <a:p>
             <a:fld id="{AA6E839C-B40E-4402-AADE-25A97960D35E}" type="datetimeFigureOut">
               <a:rPr lang="en-US" smtClean="0"/>
-              <a:t>5/20/2018</a:t>
+              <a:t>5/21/2018</a:t>
             </a:fld>
             <a:endParaRPr lang="en-US"/>
           </a:p>
@@ -5909,7 +5982,7 @@
           <a:p>
             <a:fld id="{AA6E839C-B40E-4402-AADE-25A97960D35E}" type="datetimeFigureOut">
               <a:rPr lang="en-US" smtClean="0"/>
-              <a:t>5/20/2018</a:t>
+              <a:t>5/21/2018</a:t>
             </a:fld>
             <a:endParaRPr lang="en-US"/>
           </a:p>
@@ -6186,7 +6259,7 @@
           <a:p>
             <a:fld id="{AA6E839C-B40E-4402-AADE-25A97960D35E}" type="datetimeFigureOut">
               <a:rPr lang="en-US" smtClean="0"/>
-              <a:t>5/20/2018</a:t>
+              <a:t>5/21/2018</a:t>
             </a:fld>
             <a:endParaRPr lang="en-US"/>
           </a:p>
@@ -6443,7 +6516,7 @@
           <a:p>
             <a:fld id="{AA6E839C-B40E-4402-AADE-25A97960D35E}" type="datetimeFigureOut">
               <a:rPr lang="en-US" smtClean="0"/>
-              <a:t>5/20/2018</a:t>
+              <a:t>5/21/2018</a:t>
             </a:fld>
             <a:endParaRPr lang="en-US"/>
           </a:p>
@@ -6656,7 +6729,7 @@
           <a:p>
             <a:fld id="{AA6E839C-B40E-4402-AADE-25A97960D35E}" type="datetimeFigureOut">
               <a:rPr lang="en-US" smtClean="0"/>
-              <a:t>5/20/2018</a:t>
+              <a:t>5/21/2018</a:t>
             </a:fld>
             <a:endParaRPr lang="en-US"/>
           </a:p>
@@ -7099,7 +7172,7 @@
         </p:nvSpPr>
         <p:spPr>
           <a:xfrm>
-            <a:off x="125652" y="273668"/>
+            <a:off x="125652" y="335660"/>
             <a:ext cx="11940696" cy="1569660"/>
           </a:xfrm>
           <a:prstGeom prst="rect">
@@ -7189,7 +7262,10 @@
           <a:lstStyle/>
           <a:p>
             <a:r>
-              <a:rPr lang="en-US" sz="3200" i="1" baseline="30000" dirty="0">
+              <a:rPr lang="en-US" sz="3200" b="1" i="1" baseline="30000" dirty="0">
+                <a:solidFill>
+                  <a:srgbClr val="00B050"/>
+                </a:solidFill>
                 <a:latin typeface="SansSerif" panose="00000400000000000000" pitchFamily="2" charset="2"/>
               </a:rPr>
               <a:t>By: Ahmed Mahmoud</a:t>
@@ -7197,18 +7273,28 @@
           </a:p>
           <a:p>
             <a:r>
-              <a:rPr lang="en-US" sz="3200" i="1" baseline="30000" dirty="0">
+              <a:rPr lang="en-US" sz="3200" b="1" i="1" baseline="30000" dirty="0">
+                <a:solidFill>
+                  <a:srgbClr val="00B050"/>
+                </a:solidFill>
                 <a:latin typeface="SansSerif" panose="00000400000000000000" pitchFamily="2" charset="2"/>
               </a:rPr>
               <a:t>	Muhammad </a:t>
             </a:r>
             <a:r>
-              <a:rPr lang="en-US" sz="3200" i="1" baseline="30000" dirty="0" err="1">
+              <a:rPr lang="en-US" sz="3200" b="1" i="1" baseline="30000" dirty="0" err="1">
+                <a:solidFill>
+                  <a:srgbClr val="00B050"/>
+                </a:solidFill>
                 <a:latin typeface="SansSerif" panose="00000400000000000000" pitchFamily="2" charset="2"/>
               </a:rPr>
               <a:t>Awad</a:t>
             </a:r>
-            <a:endParaRPr lang="en-US" sz="3200" i="1" dirty="0"/>
+            <a:endParaRPr lang="en-US" sz="3200" b="1" i="1" dirty="0">
+              <a:solidFill>
+                <a:srgbClr val="00B050"/>
+              </a:solidFill>
+            </a:endParaRPr>
           </a:p>
         </p:txBody>
       </p:sp>
@@ -10083,7 +10169,7 @@
         <p:spPr>
           <a:xfrm>
             <a:off x="523874" y="1104740"/>
-            <a:ext cx="11668126" cy="6370975"/>
+            <a:ext cx="11668126" cy="6309420"/>
           </a:xfrm>
           <a:prstGeom prst="rect">
             <a:avLst/>
@@ -10101,8 +10187,16 @@
               <a:buChar char="•"/>
             </a:pPr>
             <a:r>
-              <a:rPr lang="en-US" sz="3600" dirty="0"/>
-              <a:t>Introduces and evaluates Tensor Processing Unit (TPU)</a:t>
+              <a:rPr lang="en-US" sz="3200" dirty="0"/>
+              <a:t>Introduces and evaluates 1</a:t>
+            </a:r>
+            <a:r>
+              <a:rPr lang="en-US" sz="3200" baseline="30000" dirty="0"/>
+              <a:t>st</a:t>
+            </a:r>
+            <a:r>
+              <a:rPr lang="en-US" sz="3200" dirty="0"/>
+              <a:t>-gen Tensor Processing Unit (TPU)</a:t>
             </a:r>
           </a:p>
           <a:p>
@@ -10549,41 +10643,11 @@
                 <a:latin typeface="Arial" panose="020B0604020202020204" pitchFamily="34" charset="0"/>
                 <a:cs typeface="Arial" panose="020B0604020202020204" pitchFamily="34" charset="0"/>
               </a:rPr>
-              <a:t>Benchmarking</a:t>
-            </a:r>
-          </a:p>
-        </p:txBody>
-      </p:sp>
-      <p:pic>
-        <p:nvPicPr>
-          <p:cNvPr id="7" name="Picture 6">
-            <a:extLst>
-              <a:ext uri="{FF2B5EF4-FFF2-40B4-BE49-F238E27FC236}">
-                <a16:creationId xmlns:a16="http://schemas.microsoft.com/office/drawing/2014/main" id="{C2D8DCAF-E29E-4E54-AE7C-79906671077B}"/>
-              </a:ext>
-            </a:extLst>
-          </p:cNvPr>
-          <p:cNvPicPr>
-            <a:picLocks noChangeAspect="1"/>
-          </p:cNvPicPr>
-          <p:nvPr/>
-        </p:nvPicPr>
-        <p:blipFill>
-          <a:blip r:embed="rId3"/>
-          <a:stretch>
-            <a:fillRect/>
-          </a:stretch>
-        </p:blipFill>
-        <p:spPr>
-          <a:xfrm>
-            <a:off x="285750" y="2716078"/>
-            <a:ext cx="11620500" cy="2133600"/>
-          </a:xfrm>
-          <a:prstGeom prst="rect">
-            <a:avLst/>
-          </a:prstGeom>
-        </p:spPr>
-      </p:pic>
+              <a:t>Results </a:t>
+            </a:r>
+          </a:p>
+        </p:txBody>
+      </p:sp>
       <p:sp>
         <p:nvSpPr>
           <p:cNvPr id="10" name="TextBox 9">
@@ -10613,22 +10677,97 @@
           <a:lstStyle/>
           <a:p>
             <a:r>
-              <a:rPr lang="en-US" sz="3600" i="1" dirty="0"/>
-              <a:t>95%</a:t>
-            </a:r>
-            <a:r>
               <a:rPr lang="en-US" sz="3600" dirty="0"/>
-              <a:t> of The Inference Data Center Workload</a:t>
-            </a:r>
-          </a:p>
-        </p:txBody>
-      </p:sp>
-      <p:sp>
-        <p:nvSpPr>
-          <p:cNvPr id="4" name="TextBox 3">
+              <a:t>Roofline Model</a:t>
+            </a:r>
+          </a:p>
+        </p:txBody>
+      </p:sp>
+      <p:pic>
+        <p:nvPicPr>
+          <p:cNvPr id="6" name="Content Placeholder 3">
             <a:extLst>
               <a:ext uri="{FF2B5EF4-FFF2-40B4-BE49-F238E27FC236}">
-                <a16:creationId xmlns:a16="http://schemas.microsoft.com/office/drawing/2014/main" id="{D707C683-24C2-4AC9-BB05-4A1A9CD68BB2}"/>
+                <a16:creationId xmlns:a16="http://schemas.microsoft.com/office/drawing/2014/main" id="{462C8AF9-3385-4194-B60C-81A6B44750E4}"/>
+              </a:ext>
+            </a:extLst>
+          </p:cNvPr>
+          <p:cNvPicPr>
+            <a:picLocks noGrp="1" noChangeAspect="1"/>
+          </p:cNvPicPr>
+          <p:nvPr>
+            <p:ph idx="1"/>
+          </p:nvPr>
+        </p:nvPicPr>
+        <p:blipFill>
+          <a:blip r:embed="rId3"/>
+          <a:stretch>
+            <a:fillRect/>
+          </a:stretch>
+        </p:blipFill>
+        <p:spPr>
+          <a:xfrm>
+            <a:off x="4836582" y="1344978"/>
+            <a:ext cx="5961896" cy="5240887"/>
+          </a:xfrm>
+          <a:prstGeom prst="rect">
+            <a:avLst/>
+          </a:prstGeom>
+        </p:spPr>
+      </p:pic>
+      <p:cxnSp>
+        <p:nvCxnSpPr>
+          <p:cNvPr id="8" name="Straight Arrow Connector 7">
+            <a:extLst>
+              <a:ext uri="{FF2B5EF4-FFF2-40B4-BE49-F238E27FC236}">
+                <a16:creationId xmlns:a16="http://schemas.microsoft.com/office/drawing/2014/main" id="{4FA37304-5BB8-4DC6-9770-C9B650C10E64}"/>
+              </a:ext>
+            </a:extLst>
+          </p:cNvPr>
+          <p:cNvCxnSpPr>
+            <a:cxnSpLocks/>
+          </p:cNvCxnSpPr>
+          <p:nvPr/>
+        </p:nvCxnSpPr>
+        <p:spPr>
+          <a:xfrm>
+            <a:off x="6114377" y="5460727"/>
+            <a:ext cx="2973545" cy="0"/>
+          </a:xfrm>
+          <a:prstGeom prst="straightConnector1">
+            <a:avLst/>
+          </a:prstGeom>
+          <a:ln w="57150">
+            <a:solidFill>
+              <a:schemeClr val="accent2">
+                <a:lumMod val="50000"/>
+              </a:schemeClr>
+            </a:solidFill>
+            <a:headEnd type="triangle"/>
+            <a:tailEnd type="triangle"/>
+          </a:ln>
+        </p:spPr>
+        <p:style>
+          <a:lnRef idx="1">
+            <a:schemeClr val="accent1"/>
+          </a:lnRef>
+          <a:fillRef idx="0">
+            <a:schemeClr val="accent1"/>
+          </a:fillRef>
+          <a:effectRef idx="0">
+            <a:schemeClr val="accent1"/>
+          </a:effectRef>
+          <a:fontRef idx="minor">
+            <a:schemeClr val="tx1"/>
+          </a:fontRef>
+        </p:style>
+      </p:cxnSp>
+      <p:sp>
+        <p:nvSpPr>
+          <p:cNvPr id="11" name="TextBox 10">
+            <a:extLst>
+              <a:ext uri="{FF2B5EF4-FFF2-40B4-BE49-F238E27FC236}">
+                <a16:creationId xmlns:a16="http://schemas.microsoft.com/office/drawing/2014/main" id="{5392B586-FE41-4530-9366-FD2D6416C5F0}"/>
               </a:ext>
             </a:extLst>
           </p:cNvPr>
@@ -10637,8 +10776,8 @@
         </p:nvSpPr>
         <p:spPr>
           <a:xfrm>
-            <a:off x="4731524" y="3973264"/>
-            <a:ext cx="1364476" cy="2215991"/>
+            <a:off x="6602987" y="5067274"/>
+            <a:ext cx="2052165" cy="369332"/>
           </a:xfrm>
           <a:prstGeom prst="rect">
             <a:avLst/>
@@ -10646,32 +10785,155 @@
           <a:noFill/>
         </p:spPr>
         <p:txBody>
-          <a:bodyPr wrap="none" rtlCol="0">
+          <a:bodyPr wrap="square" rtlCol="0">
             <a:spAutoFit/>
           </a:bodyPr>
           <a:lstStyle/>
           <a:p>
             <a:r>
-              <a:rPr lang="en-US" sz="13800" b="1" dirty="0">
+              <a:rPr lang="en-US" b="1" dirty="0">
                 <a:solidFill>
-                  <a:srgbClr val="FFFF00"/>
+                  <a:schemeClr val="accent2">
+                    <a:lumMod val="50000"/>
+                  </a:schemeClr>
                 </a:solidFill>
-                <a:highlight>
-                  <a:srgbClr val="FF0000"/>
-                </a:highlight>
-                <a:latin typeface="Arial" panose="020B0604020202020204" pitchFamily="34" charset="0"/>
-                <a:cs typeface="Arial" panose="020B0604020202020204" pitchFamily="34" charset="0"/>
               </a:rPr>
-              <a:t>X</a:t>
-            </a:r>
-            <a:endParaRPr lang="en-US" sz="13800" dirty="0"/>
-          </a:p>
-        </p:txBody>
-      </p:sp>
+              <a:t>Compute Bounded </a:t>
+            </a:r>
+          </a:p>
+        </p:txBody>
+      </p:sp>
+      <p:cxnSp>
+        <p:nvCxnSpPr>
+          <p:cNvPr id="12" name="Straight Connector 11">
+            <a:extLst>
+              <a:ext uri="{FF2B5EF4-FFF2-40B4-BE49-F238E27FC236}">
+                <a16:creationId xmlns:a16="http://schemas.microsoft.com/office/drawing/2014/main" id="{572FE2E1-7137-46BF-9274-6958A1A0917F}"/>
+              </a:ext>
+            </a:extLst>
+          </p:cNvPr>
+          <p:cNvCxnSpPr>
+            <a:cxnSpLocks/>
+          </p:cNvCxnSpPr>
+          <p:nvPr/>
+        </p:nvCxnSpPr>
+        <p:spPr>
+          <a:xfrm flipH="1">
+            <a:off x="9077162" y="2247900"/>
+            <a:ext cx="48860" cy="3225527"/>
+          </a:xfrm>
+          <a:prstGeom prst="line">
+            <a:avLst/>
+          </a:prstGeom>
+          <a:ln w="38100">
+            <a:solidFill>
+              <a:srgbClr val="FF0000"/>
+            </a:solidFill>
+          </a:ln>
+        </p:spPr>
+        <p:style>
+          <a:lnRef idx="1">
+            <a:schemeClr val="accent1"/>
+          </a:lnRef>
+          <a:fillRef idx="0">
+            <a:schemeClr val="accent1"/>
+          </a:fillRef>
+          <a:effectRef idx="0">
+            <a:schemeClr val="accent1"/>
+          </a:effectRef>
+          <a:fontRef idx="minor">
+            <a:schemeClr val="tx1"/>
+          </a:fontRef>
+        </p:style>
+      </p:cxnSp>
+      <p:sp>
+        <p:nvSpPr>
+          <p:cNvPr id="13" name="TextBox 12">
+            <a:extLst>
+              <a:ext uri="{FF2B5EF4-FFF2-40B4-BE49-F238E27FC236}">
+                <a16:creationId xmlns:a16="http://schemas.microsoft.com/office/drawing/2014/main" id="{A8E191D2-61AA-4F8A-93A0-60D8B40C927E}"/>
+              </a:ext>
+            </a:extLst>
+          </p:cNvPr>
+          <p:cNvSpPr txBox="1"/>
+          <p:nvPr/>
+        </p:nvSpPr>
+        <p:spPr>
+          <a:xfrm>
+            <a:off x="8999881" y="5067274"/>
+            <a:ext cx="2052165" cy="369332"/>
+          </a:xfrm>
+          <a:prstGeom prst="rect">
+            <a:avLst/>
+          </a:prstGeom>
+          <a:noFill/>
+        </p:spPr>
+        <p:txBody>
+          <a:bodyPr wrap="square" rtlCol="0">
+            <a:spAutoFit/>
+          </a:bodyPr>
+          <a:lstStyle/>
+          <a:p>
+            <a:r>
+              <a:rPr lang="en-US" b="1" dirty="0">
+                <a:solidFill>
+                  <a:srgbClr val="00B050"/>
+                </a:solidFill>
+              </a:rPr>
+              <a:t>Memory Bounded </a:t>
+            </a:r>
+          </a:p>
+        </p:txBody>
+      </p:sp>
+      <p:cxnSp>
+        <p:nvCxnSpPr>
+          <p:cNvPr id="15" name="Straight Arrow Connector 14">
+            <a:extLst>
+              <a:ext uri="{FF2B5EF4-FFF2-40B4-BE49-F238E27FC236}">
+                <a16:creationId xmlns:a16="http://schemas.microsoft.com/office/drawing/2014/main" id="{491B34B3-8463-4139-9151-1064CF0E5F1B}"/>
+              </a:ext>
+            </a:extLst>
+          </p:cNvPr>
+          <p:cNvCxnSpPr>
+            <a:cxnSpLocks/>
+          </p:cNvCxnSpPr>
+          <p:nvPr/>
+        </p:nvCxnSpPr>
+        <p:spPr>
+          <a:xfrm>
+            <a:off x="9069542" y="5473427"/>
+            <a:ext cx="1721316" cy="0"/>
+          </a:xfrm>
+          <a:prstGeom prst="straightConnector1">
+            <a:avLst/>
+          </a:prstGeom>
+          <a:ln w="57150">
+            <a:solidFill>
+              <a:srgbClr val="00B050"/>
+            </a:solidFill>
+            <a:headEnd type="triangle"/>
+            <a:tailEnd type="triangle"/>
+          </a:ln>
+        </p:spPr>
+        <p:style>
+          <a:lnRef idx="1">
+            <a:schemeClr val="accent1"/>
+          </a:lnRef>
+          <a:fillRef idx="0">
+            <a:schemeClr val="accent1"/>
+          </a:fillRef>
+          <a:effectRef idx="0">
+            <a:schemeClr val="accent1"/>
+          </a:effectRef>
+          <a:fontRef idx="minor">
+            <a:schemeClr val="tx1"/>
+          </a:fontRef>
+        </p:style>
+      </p:cxnSp>
     </p:spTree>
     <p:extLst>
       <p:ext uri="{BB962C8B-B14F-4D97-AF65-F5344CB8AC3E}">
-        <p14:creationId xmlns:p14="http://schemas.microsoft.com/office/powerpoint/2010/main" val="1269076399"/>
+        <p14:creationId xmlns:p14="http://schemas.microsoft.com/office/powerpoint/2010/main" val="3752165221"/>
       </p:ext>
     </p:extLst>
   </p:cSld>
@@ -11048,10 +11310,93 @@
           </a:fontRef>
         </p:style>
       </p:cxnSp>
+      <p:cxnSp>
+        <p:nvCxnSpPr>
+          <p:cNvPr id="14" name="Straight Arrow Connector 13">
+            <a:extLst>
+              <a:ext uri="{FF2B5EF4-FFF2-40B4-BE49-F238E27FC236}">
+                <a16:creationId xmlns:a16="http://schemas.microsoft.com/office/drawing/2014/main" id="{ECEE7DEA-0691-43D9-975E-F8973D901110}"/>
+              </a:ext>
+            </a:extLst>
+          </p:cNvPr>
+          <p:cNvCxnSpPr/>
+          <p:nvPr/>
+        </p:nvCxnSpPr>
+        <p:spPr>
+          <a:xfrm flipH="1">
+            <a:off x="5798457" y="2241785"/>
+            <a:ext cx="3322552" cy="0"/>
+          </a:xfrm>
+          <a:prstGeom prst="straightConnector1">
+            <a:avLst/>
+          </a:prstGeom>
+          <a:ln w="57150">
+            <a:solidFill>
+              <a:schemeClr val="accent2">
+                <a:lumMod val="50000"/>
+              </a:schemeClr>
+            </a:solidFill>
+            <a:tailEnd type="triangle"/>
+          </a:ln>
+        </p:spPr>
+        <p:style>
+          <a:lnRef idx="1">
+            <a:schemeClr val="accent1"/>
+          </a:lnRef>
+          <a:fillRef idx="0">
+            <a:schemeClr val="accent1"/>
+          </a:fillRef>
+          <a:effectRef idx="0">
+            <a:schemeClr val="accent1"/>
+          </a:effectRef>
+          <a:fontRef idx="minor">
+            <a:schemeClr val="tx1"/>
+          </a:fontRef>
+        </p:style>
+      </p:cxnSp>
+      <p:sp>
+        <p:nvSpPr>
+          <p:cNvPr id="16" name="TextBox 15">
+            <a:extLst>
+              <a:ext uri="{FF2B5EF4-FFF2-40B4-BE49-F238E27FC236}">
+                <a16:creationId xmlns:a16="http://schemas.microsoft.com/office/drawing/2014/main" id="{31EA9B9C-77B8-4FA2-807B-A894E7153A1A}"/>
+              </a:ext>
+            </a:extLst>
+          </p:cNvPr>
+          <p:cNvSpPr txBox="1"/>
+          <p:nvPr/>
+        </p:nvSpPr>
+        <p:spPr>
+          <a:xfrm>
+            <a:off x="5407567" y="1983519"/>
+            <a:ext cx="586334" cy="369332"/>
+          </a:xfrm>
+          <a:prstGeom prst="rect">
+            <a:avLst/>
+          </a:prstGeom>
+          <a:noFill/>
+        </p:spPr>
+        <p:txBody>
+          <a:bodyPr wrap="square" rtlCol="0">
+            <a:spAutoFit/>
+          </a:bodyPr>
+          <a:lstStyle/>
+          <a:p>
+            <a:r>
+              <a:rPr lang="en-US" b="1" dirty="0">
+                <a:solidFill>
+                  <a:srgbClr val="C00000"/>
+                </a:solidFill>
+              </a:rPr>
+              <a:t>86</a:t>
+            </a:r>
+          </a:p>
+        </p:txBody>
+      </p:sp>
     </p:spTree>
     <p:extLst>
       <p:ext uri="{BB962C8B-B14F-4D97-AF65-F5344CB8AC3E}">
-        <p14:creationId xmlns:p14="http://schemas.microsoft.com/office/powerpoint/2010/main" val="3752165221"/>
+        <p14:creationId xmlns:p14="http://schemas.microsoft.com/office/powerpoint/2010/main" val="1740978443"/>
       </p:ext>
     </p:extLst>
   </p:cSld>
@@ -11183,10 +11528,10 @@
       </p:sp>
       <p:pic>
         <p:nvPicPr>
-          <p:cNvPr id="6" name="Content Placeholder 3">
+          <p:cNvPr id="17" name="Content Placeholder 3">
             <a:extLst>
               <a:ext uri="{FF2B5EF4-FFF2-40B4-BE49-F238E27FC236}">
-                <a16:creationId xmlns:a16="http://schemas.microsoft.com/office/drawing/2014/main" id="{462C8AF9-3385-4194-B60C-81A6B44750E4}"/>
+                <a16:creationId xmlns:a16="http://schemas.microsoft.com/office/drawing/2014/main" id="{D8838B86-0093-432E-B583-F92104021BF0}"/>
               </a:ext>
             </a:extLst>
           </p:cNvPr>
@@ -11205,8 +11550,8 @@
         </p:blipFill>
         <p:spPr>
           <a:xfrm>
-            <a:off x="4836582" y="1344978"/>
-            <a:ext cx="5961896" cy="5240887"/>
+            <a:off x="1347947" y="1825625"/>
+            <a:ext cx="9496106" cy="4351338"/>
           </a:xfrm>
           <a:prstGeom prst="rect">
             <a:avLst/>
@@ -11215,10 +11560,10 @@
       </p:pic>
       <p:cxnSp>
         <p:nvCxnSpPr>
-          <p:cNvPr id="8" name="Straight Arrow Connector 7">
+          <p:cNvPr id="18" name="Straight Arrow Connector 17">
             <a:extLst>
               <a:ext uri="{FF2B5EF4-FFF2-40B4-BE49-F238E27FC236}">
-                <a16:creationId xmlns:a16="http://schemas.microsoft.com/office/drawing/2014/main" id="{4FA37304-5BB8-4DC6-9770-C9B650C10E64}"/>
+                <a16:creationId xmlns:a16="http://schemas.microsoft.com/office/drawing/2014/main" id="{75E39D50-1628-4B0C-B571-FE495A7402E9}"/>
               </a:ext>
             </a:extLst>
           </p:cNvPr>
@@ -11228,9 +11573,9 @@
           <p:nvPr/>
         </p:nvCxnSpPr>
         <p:spPr>
-          <a:xfrm>
-            <a:off x="6114377" y="5460727"/>
-            <a:ext cx="2973545" cy="0"/>
+          <a:xfrm flipH="1">
+            <a:off x="3230088" y="3326840"/>
+            <a:ext cx="1980641" cy="0"/>
           </a:xfrm>
           <a:prstGeom prst="straightConnector1">
             <a:avLst/>
@@ -11241,7 +11586,6 @@
                 <a:lumMod val="50000"/>
               </a:schemeClr>
             </a:solidFill>
-            <a:headEnd type="triangle"/>
             <a:tailEnd type="triangle"/>
           </a:ln>
         </p:spPr>
@@ -11262,10 +11606,10 @@
       </p:cxnSp>
       <p:sp>
         <p:nvSpPr>
-          <p:cNvPr id="11" name="TextBox 10">
+          <p:cNvPr id="19" name="TextBox 18">
             <a:extLst>
               <a:ext uri="{FF2B5EF4-FFF2-40B4-BE49-F238E27FC236}">
-                <a16:creationId xmlns:a16="http://schemas.microsoft.com/office/drawing/2014/main" id="{5392B586-FE41-4530-9366-FD2D6416C5F0}"/>
+                <a16:creationId xmlns:a16="http://schemas.microsoft.com/office/drawing/2014/main" id="{CFB037F8-B47F-40DC-AD1D-AF6D1881830E}"/>
               </a:ext>
             </a:extLst>
           </p:cNvPr>
@@ -11274,219 +11618,7 @@
         </p:nvSpPr>
         <p:spPr>
           <a:xfrm>
-            <a:off x="6602987" y="5067274"/>
-            <a:ext cx="2052165" cy="369332"/>
-          </a:xfrm>
-          <a:prstGeom prst="rect">
-            <a:avLst/>
-          </a:prstGeom>
-          <a:noFill/>
-        </p:spPr>
-        <p:txBody>
-          <a:bodyPr wrap="square" rtlCol="0">
-            <a:spAutoFit/>
-          </a:bodyPr>
-          <a:lstStyle/>
-          <a:p>
-            <a:r>
-              <a:rPr lang="en-US" b="1" dirty="0">
-                <a:solidFill>
-                  <a:schemeClr val="accent2">
-                    <a:lumMod val="50000"/>
-                  </a:schemeClr>
-                </a:solidFill>
-              </a:rPr>
-              <a:t>Compute Bounded </a:t>
-            </a:r>
-          </a:p>
-        </p:txBody>
-      </p:sp>
-      <p:cxnSp>
-        <p:nvCxnSpPr>
-          <p:cNvPr id="12" name="Straight Connector 11">
-            <a:extLst>
-              <a:ext uri="{FF2B5EF4-FFF2-40B4-BE49-F238E27FC236}">
-                <a16:creationId xmlns:a16="http://schemas.microsoft.com/office/drawing/2014/main" id="{572FE2E1-7137-46BF-9274-6958A1A0917F}"/>
-              </a:ext>
-            </a:extLst>
-          </p:cNvPr>
-          <p:cNvCxnSpPr>
-            <a:cxnSpLocks/>
-          </p:cNvCxnSpPr>
-          <p:nvPr/>
-        </p:nvCxnSpPr>
-        <p:spPr>
-          <a:xfrm flipH="1">
-            <a:off x="9077162" y="2247900"/>
-            <a:ext cx="48860" cy="3225527"/>
-          </a:xfrm>
-          <a:prstGeom prst="line">
-            <a:avLst/>
-          </a:prstGeom>
-          <a:ln w="38100">
-            <a:solidFill>
-              <a:srgbClr val="FF0000"/>
-            </a:solidFill>
-          </a:ln>
-        </p:spPr>
-        <p:style>
-          <a:lnRef idx="1">
-            <a:schemeClr val="accent1"/>
-          </a:lnRef>
-          <a:fillRef idx="0">
-            <a:schemeClr val="accent1"/>
-          </a:fillRef>
-          <a:effectRef idx="0">
-            <a:schemeClr val="accent1"/>
-          </a:effectRef>
-          <a:fontRef idx="minor">
-            <a:schemeClr val="tx1"/>
-          </a:fontRef>
-        </p:style>
-      </p:cxnSp>
-      <p:sp>
-        <p:nvSpPr>
-          <p:cNvPr id="13" name="TextBox 12">
-            <a:extLst>
-              <a:ext uri="{FF2B5EF4-FFF2-40B4-BE49-F238E27FC236}">
-                <a16:creationId xmlns:a16="http://schemas.microsoft.com/office/drawing/2014/main" id="{A8E191D2-61AA-4F8A-93A0-60D8B40C927E}"/>
-              </a:ext>
-            </a:extLst>
-          </p:cNvPr>
-          <p:cNvSpPr txBox="1"/>
-          <p:nvPr/>
-        </p:nvSpPr>
-        <p:spPr>
-          <a:xfrm>
-            <a:off x="8999881" y="5067274"/>
-            <a:ext cx="2052165" cy="369332"/>
-          </a:xfrm>
-          <a:prstGeom prst="rect">
-            <a:avLst/>
-          </a:prstGeom>
-          <a:noFill/>
-        </p:spPr>
-        <p:txBody>
-          <a:bodyPr wrap="square" rtlCol="0">
-            <a:spAutoFit/>
-          </a:bodyPr>
-          <a:lstStyle/>
-          <a:p>
-            <a:r>
-              <a:rPr lang="en-US" b="1" dirty="0">
-                <a:solidFill>
-                  <a:srgbClr val="00B050"/>
-                </a:solidFill>
-              </a:rPr>
-              <a:t>Memory Bounded </a:t>
-            </a:r>
-          </a:p>
-        </p:txBody>
-      </p:sp>
-      <p:cxnSp>
-        <p:nvCxnSpPr>
-          <p:cNvPr id="15" name="Straight Arrow Connector 14">
-            <a:extLst>
-              <a:ext uri="{FF2B5EF4-FFF2-40B4-BE49-F238E27FC236}">
-                <a16:creationId xmlns:a16="http://schemas.microsoft.com/office/drawing/2014/main" id="{491B34B3-8463-4139-9151-1064CF0E5F1B}"/>
-              </a:ext>
-            </a:extLst>
-          </p:cNvPr>
-          <p:cNvCxnSpPr>
-            <a:cxnSpLocks/>
-          </p:cNvCxnSpPr>
-          <p:nvPr/>
-        </p:nvCxnSpPr>
-        <p:spPr>
-          <a:xfrm>
-            <a:off x="9069542" y="5473427"/>
-            <a:ext cx="1721316" cy="0"/>
-          </a:xfrm>
-          <a:prstGeom prst="straightConnector1">
-            <a:avLst/>
-          </a:prstGeom>
-          <a:ln w="57150">
-            <a:solidFill>
-              <a:srgbClr val="00B050"/>
-            </a:solidFill>
-            <a:headEnd type="triangle"/>
-            <a:tailEnd type="triangle"/>
-          </a:ln>
-        </p:spPr>
-        <p:style>
-          <a:lnRef idx="1">
-            <a:schemeClr val="accent1"/>
-          </a:lnRef>
-          <a:fillRef idx="0">
-            <a:schemeClr val="accent1"/>
-          </a:fillRef>
-          <a:effectRef idx="0">
-            <a:schemeClr val="accent1"/>
-          </a:effectRef>
-          <a:fontRef idx="minor">
-            <a:schemeClr val="tx1"/>
-          </a:fontRef>
-        </p:style>
-      </p:cxnSp>
-      <p:cxnSp>
-        <p:nvCxnSpPr>
-          <p:cNvPr id="14" name="Straight Arrow Connector 13">
-            <a:extLst>
-              <a:ext uri="{FF2B5EF4-FFF2-40B4-BE49-F238E27FC236}">
-                <a16:creationId xmlns:a16="http://schemas.microsoft.com/office/drawing/2014/main" id="{ECEE7DEA-0691-43D9-975E-F8973D901110}"/>
-              </a:ext>
-            </a:extLst>
-          </p:cNvPr>
-          <p:cNvCxnSpPr/>
-          <p:nvPr/>
-        </p:nvCxnSpPr>
-        <p:spPr>
-          <a:xfrm flipH="1">
-            <a:off x="5798457" y="2241785"/>
-            <a:ext cx="3322552" cy="0"/>
-          </a:xfrm>
-          <a:prstGeom prst="straightConnector1">
-            <a:avLst/>
-          </a:prstGeom>
-          <a:ln w="57150">
-            <a:solidFill>
-              <a:schemeClr val="accent2">
-                <a:lumMod val="50000"/>
-              </a:schemeClr>
-            </a:solidFill>
-            <a:tailEnd type="triangle"/>
-          </a:ln>
-        </p:spPr>
-        <p:style>
-          <a:lnRef idx="1">
-            <a:schemeClr val="accent1"/>
-          </a:lnRef>
-          <a:fillRef idx="0">
-            <a:schemeClr val="accent1"/>
-          </a:fillRef>
-          <a:effectRef idx="0">
-            <a:schemeClr val="accent1"/>
-          </a:effectRef>
-          <a:fontRef idx="minor">
-            <a:schemeClr val="tx1"/>
-          </a:fontRef>
-        </p:style>
-      </p:cxnSp>
-      <p:sp>
-        <p:nvSpPr>
-          <p:cNvPr id="16" name="TextBox 15">
-            <a:extLst>
-              <a:ext uri="{FF2B5EF4-FFF2-40B4-BE49-F238E27FC236}">
-                <a16:creationId xmlns:a16="http://schemas.microsoft.com/office/drawing/2014/main" id="{31EA9B9C-77B8-4FA2-807B-A894E7153A1A}"/>
-              </a:ext>
-            </a:extLst>
-          </p:cNvPr>
-          <p:cNvSpPr txBox="1"/>
-          <p:nvPr/>
-        </p:nvSpPr>
-        <p:spPr>
-          <a:xfrm>
-            <a:off x="5407567" y="1983519"/>
+            <a:off x="2839199" y="3142174"/>
             <a:ext cx="586334" cy="369332"/>
           </a:xfrm>
           <a:prstGeom prst="rect">
@@ -11506,7 +11638,7 @@
                   <a:srgbClr val="C00000"/>
                 </a:solidFill>
               </a:rPr>
-              <a:t>86</a:t>
+              <a:t>1.5</a:t>
             </a:r>
           </a:p>
         </p:txBody>
@@ -11514,7 +11646,7 @@
     </p:spTree>
     <p:extLst>
       <p:ext uri="{BB962C8B-B14F-4D97-AF65-F5344CB8AC3E}">
-        <p14:creationId xmlns:p14="http://schemas.microsoft.com/office/powerpoint/2010/main" val="1740978443"/>
+        <p14:creationId xmlns:p14="http://schemas.microsoft.com/office/powerpoint/2010/main" val="2411860379"/>
       </p:ext>
     </p:extLst>
   </p:cSld>
@@ -11646,19 +11778,17 @@
       </p:sp>
       <p:pic>
         <p:nvPicPr>
-          <p:cNvPr id="17" name="Content Placeholder 3">
+          <p:cNvPr id="14" name="Picture 13">
             <a:extLst>
               <a:ext uri="{FF2B5EF4-FFF2-40B4-BE49-F238E27FC236}">
-                <a16:creationId xmlns:a16="http://schemas.microsoft.com/office/drawing/2014/main" id="{D8838B86-0093-432E-B583-F92104021BF0}"/>
+                <a16:creationId xmlns:a16="http://schemas.microsoft.com/office/drawing/2014/main" id="{844C33B4-32BE-4068-8FFD-26BB9554C915}"/>
               </a:ext>
             </a:extLst>
           </p:cNvPr>
           <p:cNvPicPr>
-            <a:picLocks noGrp="1" noChangeAspect="1"/>
+            <a:picLocks noChangeAspect="1"/>
           </p:cNvPicPr>
-          <p:nvPr>
-            <p:ph idx="1"/>
-          </p:nvPr>
+          <p:nvPr/>
         </p:nvPicPr>
         <p:blipFill>
           <a:blip r:embed="rId3"/>
@@ -11668,8 +11798,8 @@
         </p:blipFill>
         <p:spPr>
           <a:xfrm>
-            <a:off x="1347947" y="1825625"/>
-            <a:ext cx="9496106" cy="4351338"/>
+            <a:off x="1365504" y="1876711"/>
+            <a:ext cx="9204960" cy="4183326"/>
           </a:xfrm>
           <a:prstGeom prst="rect">
             <a:avLst/>
@@ -11678,10 +11808,10 @@
       </p:pic>
       <p:cxnSp>
         <p:nvCxnSpPr>
-          <p:cNvPr id="18" name="Straight Arrow Connector 17">
+          <p:cNvPr id="15" name="Straight Arrow Connector 14">
             <a:extLst>
               <a:ext uri="{FF2B5EF4-FFF2-40B4-BE49-F238E27FC236}">
-                <a16:creationId xmlns:a16="http://schemas.microsoft.com/office/drawing/2014/main" id="{75E39D50-1628-4B0C-B571-FE495A7402E9}"/>
+                <a16:creationId xmlns:a16="http://schemas.microsoft.com/office/drawing/2014/main" id="{DBFFC196-2712-45D6-B845-81F293CCBFD0}"/>
               </a:ext>
             </a:extLst>
           </p:cNvPr>
@@ -11692,8 +11822,8 @@
         </p:nvCxnSpPr>
         <p:spPr>
           <a:xfrm flipH="1">
-            <a:off x="3230088" y="3326840"/>
-            <a:ext cx="1980641" cy="0"/>
+            <a:off x="2839199" y="2566819"/>
+            <a:ext cx="1576655" cy="0"/>
           </a:xfrm>
           <a:prstGeom prst="straightConnector1">
             <a:avLst/>
@@ -11724,10 +11854,10 @@
       </p:cxnSp>
       <p:sp>
         <p:nvSpPr>
-          <p:cNvPr id="19" name="TextBox 18">
+          <p:cNvPr id="16" name="TextBox 15">
             <a:extLst>
               <a:ext uri="{FF2B5EF4-FFF2-40B4-BE49-F238E27FC236}">
-                <a16:creationId xmlns:a16="http://schemas.microsoft.com/office/drawing/2014/main" id="{CFB037F8-B47F-40DC-AD1D-AF6D1881830E}"/>
+                <a16:creationId xmlns:a16="http://schemas.microsoft.com/office/drawing/2014/main" id="{7536D606-11B1-4B74-8B46-BB0EC1A3073C}"/>
               </a:ext>
             </a:extLst>
           </p:cNvPr>
@@ -11736,7 +11866,7 @@
         </p:nvSpPr>
         <p:spPr>
           <a:xfrm>
-            <a:off x="2839199" y="3142174"/>
+            <a:off x="2340436" y="2382153"/>
             <a:ext cx="586334" cy="369332"/>
           </a:xfrm>
           <a:prstGeom prst="rect">
@@ -11756,7 +11886,7 @@
                   <a:srgbClr val="C00000"/>
                 </a:solidFill>
               </a:rPr>
-              <a:t>1.5</a:t>
+              <a:t>2.5</a:t>
             </a:r>
           </a:p>
         </p:txBody>
@@ -11764,7 +11894,7 @@
     </p:spTree>
     <p:extLst>
       <p:ext uri="{BB962C8B-B14F-4D97-AF65-F5344CB8AC3E}">
-        <p14:creationId xmlns:p14="http://schemas.microsoft.com/office/powerpoint/2010/main" val="2411860379"/>
+        <p14:creationId xmlns:p14="http://schemas.microsoft.com/office/powerpoint/2010/main" val="1352013440"/>
       </p:ext>
     </p:extLst>
   </p:cSld>
@@ -11889,17 +12019,57 @@
           <a:p>
             <a:r>
               <a:rPr lang="en-US" sz="3600" dirty="0"/>
-              <a:t>Roofline Model</a:t>
-            </a:r>
+              <a:t>Response Time </a:t>
+            </a:r>
+          </a:p>
+        </p:txBody>
+      </p:sp>
+      <p:sp>
+        <p:nvSpPr>
+          <p:cNvPr id="11" name="TextBox 10">
+            <a:extLst>
+              <a:ext uri="{FF2B5EF4-FFF2-40B4-BE49-F238E27FC236}">
+                <a16:creationId xmlns:a16="http://schemas.microsoft.com/office/drawing/2014/main" id="{F0669C1E-8EE3-4D21-B7C3-378C6E195E56}"/>
+              </a:ext>
+            </a:extLst>
+          </p:cNvPr>
+          <p:cNvSpPr txBox="1"/>
+          <p:nvPr/>
+        </p:nvSpPr>
+        <p:spPr>
+          <a:xfrm>
+            <a:off x="1752515" y="5522427"/>
+            <a:ext cx="4868884" cy="461665"/>
+          </a:xfrm>
+          <a:prstGeom prst="rect">
+            <a:avLst/>
+          </a:prstGeom>
+          <a:noFill/>
+        </p:spPr>
+        <p:txBody>
+          <a:bodyPr wrap="square" rtlCol="0">
+            <a:spAutoFit/>
+          </a:bodyPr>
+          <a:lstStyle/>
+          <a:p>
+            <a:r>
+              <a:rPr lang="en-US" sz="2400" b="1" i="1" dirty="0"/>
+              <a:t>* Maximum Allowable is 7 </a:t>
+            </a:r>
+            <a:r>
+              <a:rPr lang="en-US" sz="2400" b="1" i="1" dirty="0" err="1"/>
+              <a:t>ms</a:t>
+            </a:r>
+            <a:endParaRPr lang="en-US" sz="2400" b="1" i="1" dirty="0"/>
           </a:p>
         </p:txBody>
       </p:sp>
       <p:pic>
         <p:nvPicPr>
-          <p:cNvPr id="14" name="Picture 13">
+          <p:cNvPr id="12" name="Content Placeholder 3">
             <a:extLst>
               <a:ext uri="{FF2B5EF4-FFF2-40B4-BE49-F238E27FC236}">
-                <a16:creationId xmlns:a16="http://schemas.microsoft.com/office/drawing/2014/main" id="{844C33B4-32BE-4068-8FFD-26BB9554C915}"/>
+                <a16:creationId xmlns:a16="http://schemas.microsoft.com/office/drawing/2014/main" id="{0E35A49D-13A6-4698-9C1C-EAC41B4180FD}"/>
               </a:ext>
             </a:extLst>
           </p:cNvPr>
@@ -11916,103 +12086,18 @@
         </p:blipFill>
         <p:spPr>
           <a:xfrm>
-            <a:off x="1365504" y="1876711"/>
-            <a:ext cx="9204960" cy="4183326"/>
+            <a:off x="1197292" y="2343721"/>
+            <a:ext cx="9338098" cy="3197543"/>
           </a:xfrm>
           <a:prstGeom prst="rect">
             <a:avLst/>
           </a:prstGeom>
         </p:spPr>
       </p:pic>
-      <p:cxnSp>
-        <p:nvCxnSpPr>
-          <p:cNvPr id="15" name="Straight Arrow Connector 14">
-            <a:extLst>
-              <a:ext uri="{FF2B5EF4-FFF2-40B4-BE49-F238E27FC236}">
-                <a16:creationId xmlns:a16="http://schemas.microsoft.com/office/drawing/2014/main" id="{DBFFC196-2712-45D6-B845-81F293CCBFD0}"/>
-              </a:ext>
-            </a:extLst>
-          </p:cNvPr>
-          <p:cNvCxnSpPr>
-            <a:cxnSpLocks/>
-          </p:cNvCxnSpPr>
-          <p:nvPr/>
-        </p:nvCxnSpPr>
-        <p:spPr>
-          <a:xfrm flipH="1">
-            <a:off x="2839199" y="2566819"/>
-            <a:ext cx="1576655" cy="0"/>
-          </a:xfrm>
-          <a:prstGeom prst="straightConnector1">
-            <a:avLst/>
-          </a:prstGeom>
-          <a:ln w="57150">
-            <a:solidFill>
-              <a:schemeClr val="accent2">
-                <a:lumMod val="50000"/>
-              </a:schemeClr>
-            </a:solidFill>
-            <a:tailEnd type="triangle"/>
-          </a:ln>
-        </p:spPr>
-        <p:style>
-          <a:lnRef idx="1">
-            <a:schemeClr val="accent1"/>
-          </a:lnRef>
-          <a:fillRef idx="0">
-            <a:schemeClr val="accent1"/>
-          </a:fillRef>
-          <a:effectRef idx="0">
-            <a:schemeClr val="accent1"/>
-          </a:effectRef>
-          <a:fontRef idx="minor">
-            <a:schemeClr val="tx1"/>
-          </a:fontRef>
-        </p:style>
-      </p:cxnSp>
-      <p:sp>
-        <p:nvSpPr>
-          <p:cNvPr id="16" name="TextBox 15">
-            <a:extLst>
-              <a:ext uri="{FF2B5EF4-FFF2-40B4-BE49-F238E27FC236}">
-                <a16:creationId xmlns:a16="http://schemas.microsoft.com/office/drawing/2014/main" id="{7536D606-11B1-4B74-8B46-BB0EC1A3073C}"/>
-              </a:ext>
-            </a:extLst>
-          </p:cNvPr>
-          <p:cNvSpPr txBox="1"/>
-          <p:nvPr/>
-        </p:nvSpPr>
-        <p:spPr>
-          <a:xfrm>
-            <a:off x="2340436" y="2382153"/>
-            <a:ext cx="586334" cy="369332"/>
-          </a:xfrm>
-          <a:prstGeom prst="rect">
-            <a:avLst/>
-          </a:prstGeom>
-          <a:noFill/>
-        </p:spPr>
-        <p:txBody>
-          <a:bodyPr wrap="square" rtlCol="0">
-            <a:spAutoFit/>
-          </a:bodyPr>
-          <a:lstStyle/>
-          <a:p>
-            <a:r>
-              <a:rPr lang="en-US" b="1" dirty="0">
-                <a:solidFill>
-                  <a:srgbClr val="C00000"/>
-                </a:solidFill>
-              </a:rPr>
-              <a:t>2.5</a:t>
-            </a:r>
-          </a:p>
-        </p:txBody>
-      </p:sp>
     </p:spTree>
     <p:extLst>
       <p:ext uri="{BB962C8B-B14F-4D97-AF65-F5344CB8AC3E}">
-        <p14:creationId xmlns:p14="http://schemas.microsoft.com/office/powerpoint/2010/main" val="1352013440"/>
+        <p14:creationId xmlns:p14="http://schemas.microsoft.com/office/powerpoint/2010/main" val="1287267492"/>
       </p:ext>
     </p:extLst>
   </p:cSld>
@@ -12187,7 +12272,7 @@
           <p:cNvPr id="12" name="Content Placeholder 3">
             <a:extLst>
               <a:ext uri="{FF2B5EF4-FFF2-40B4-BE49-F238E27FC236}">
-                <a16:creationId xmlns:a16="http://schemas.microsoft.com/office/drawing/2014/main" id="{0E35A49D-13A6-4698-9C1C-EAC41B4180FD}"/>
+                <a16:creationId xmlns:a16="http://schemas.microsoft.com/office/drawing/2014/main" id="{05354395-4337-4E72-95D2-A024BE0F3748}"/>
               </a:ext>
             </a:extLst>
           </p:cNvPr>
@@ -12212,10 +12297,154 @@
           </a:prstGeom>
         </p:spPr>
       </p:pic>
+      <p:sp>
+        <p:nvSpPr>
+          <p:cNvPr id="13" name="Rectangle 12">
+            <a:extLst>
+              <a:ext uri="{FF2B5EF4-FFF2-40B4-BE49-F238E27FC236}">
+                <a16:creationId xmlns:a16="http://schemas.microsoft.com/office/drawing/2014/main" id="{8DF61E9C-29B1-4ECA-9379-25A40B75CE29}"/>
+              </a:ext>
+            </a:extLst>
+          </p:cNvPr>
+          <p:cNvSpPr/>
+          <p:nvPr/>
+        </p:nvSpPr>
+        <p:spPr>
+          <a:xfrm>
+            <a:off x="1377536" y="2921330"/>
+            <a:ext cx="9072749" cy="380010"/>
+          </a:xfrm>
+          <a:prstGeom prst="rect">
+            <a:avLst/>
+          </a:prstGeom>
+          <a:noFill/>
+          <a:ln w="57150"/>
+        </p:spPr>
+        <p:style>
+          <a:lnRef idx="2">
+            <a:schemeClr val="accent6"/>
+          </a:lnRef>
+          <a:fillRef idx="1">
+            <a:schemeClr val="lt1"/>
+          </a:fillRef>
+          <a:effectRef idx="0">
+            <a:schemeClr val="accent6"/>
+          </a:effectRef>
+          <a:fontRef idx="minor">
+            <a:schemeClr val="dk1"/>
+          </a:fontRef>
+        </p:style>
+        <p:txBody>
+          <a:bodyPr rtlCol="0" anchor="ctr"/>
+          <a:lstStyle/>
+          <a:p>
+            <a:pPr algn="ctr"/>
+            <a:endParaRPr lang="en-US">
+              <a:noFill/>
+            </a:endParaRPr>
+          </a:p>
+        </p:txBody>
+      </p:sp>
+      <p:sp>
+        <p:nvSpPr>
+          <p:cNvPr id="14" name="Rectangle 13">
+            <a:extLst>
+              <a:ext uri="{FF2B5EF4-FFF2-40B4-BE49-F238E27FC236}">
+                <a16:creationId xmlns:a16="http://schemas.microsoft.com/office/drawing/2014/main" id="{0CC821F3-787F-4178-BBE6-6DFB1C25FCE1}"/>
+              </a:ext>
+            </a:extLst>
+          </p:cNvPr>
+          <p:cNvSpPr/>
+          <p:nvPr/>
+        </p:nvSpPr>
+        <p:spPr>
+          <a:xfrm>
+            <a:off x="1329966" y="3752487"/>
+            <a:ext cx="9072749" cy="380010"/>
+          </a:xfrm>
+          <a:prstGeom prst="rect">
+            <a:avLst/>
+          </a:prstGeom>
+          <a:noFill/>
+          <a:ln w="57150"/>
+        </p:spPr>
+        <p:style>
+          <a:lnRef idx="2">
+            <a:schemeClr val="accent6"/>
+          </a:lnRef>
+          <a:fillRef idx="1">
+            <a:schemeClr val="lt1"/>
+          </a:fillRef>
+          <a:effectRef idx="0">
+            <a:schemeClr val="accent6"/>
+          </a:effectRef>
+          <a:fontRef idx="minor">
+            <a:schemeClr val="dk1"/>
+          </a:fontRef>
+        </p:style>
+        <p:txBody>
+          <a:bodyPr rtlCol="0" anchor="ctr"/>
+          <a:lstStyle/>
+          <a:p>
+            <a:pPr algn="ctr"/>
+            <a:endParaRPr lang="en-US">
+              <a:noFill/>
+            </a:endParaRPr>
+          </a:p>
+        </p:txBody>
+      </p:sp>
+      <p:sp>
+        <p:nvSpPr>
+          <p:cNvPr id="15" name="Rectangle 14">
+            <a:extLst>
+              <a:ext uri="{FF2B5EF4-FFF2-40B4-BE49-F238E27FC236}">
+                <a16:creationId xmlns:a16="http://schemas.microsoft.com/office/drawing/2014/main" id="{B3CDCC0F-2B84-4B2D-9F45-A73A4BA5C52E}"/>
+              </a:ext>
+            </a:extLst>
+          </p:cNvPr>
+          <p:cNvSpPr/>
+          <p:nvPr/>
+        </p:nvSpPr>
+        <p:spPr>
+          <a:xfrm>
+            <a:off x="1377535" y="4595525"/>
+            <a:ext cx="9072749" cy="380010"/>
+          </a:xfrm>
+          <a:prstGeom prst="rect">
+            <a:avLst/>
+          </a:prstGeom>
+          <a:noFill/>
+          <a:ln w="57150"/>
+        </p:spPr>
+        <p:style>
+          <a:lnRef idx="2">
+            <a:schemeClr val="accent6"/>
+          </a:lnRef>
+          <a:fillRef idx="1">
+            <a:schemeClr val="lt1"/>
+          </a:fillRef>
+          <a:effectRef idx="0">
+            <a:schemeClr val="accent6"/>
+          </a:effectRef>
+          <a:fontRef idx="minor">
+            <a:schemeClr val="dk1"/>
+          </a:fontRef>
+        </p:style>
+        <p:txBody>
+          <a:bodyPr rtlCol="0" anchor="ctr"/>
+          <a:lstStyle/>
+          <a:p>
+            <a:pPr algn="ctr"/>
+            <a:endParaRPr lang="en-US">
+              <a:noFill/>
+            </a:endParaRPr>
+          </a:p>
+        </p:txBody>
+      </p:sp>
     </p:spTree>
     <p:extLst>
       <p:ext uri="{BB962C8B-B14F-4D97-AF65-F5344CB8AC3E}">
-        <p14:creationId xmlns:p14="http://schemas.microsoft.com/office/powerpoint/2010/main" val="1287267492"/>
+        <p14:creationId xmlns:p14="http://schemas.microsoft.com/office/powerpoint/2010/main" val="1378413269"/>
       </p:ext>
     </p:extLst>
   </p:cSld>
@@ -12340,64 +12569,26 @@
           <a:p>
             <a:r>
               <a:rPr lang="en-US" sz="3600" dirty="0"/>
-              <a:t>Response Time </a:t>
-            </a:r>
-          </a:p>
-        </p:txBody>
-      </p:sp>
-      <p:sp>
-        <p:nvSpPr>
-          <p:cNvPr id="11" name="TextBox 10">
+              <a:t>Power</a:t>
+            </a:r>
+          </a:p>
+        </p:txBody>
+      </p:sp>
+      <p:pic>
+        <p:nvPicPr>
+          <p:cNvPr id="16" name="Content Placeholder 3">
             <a:extLst>
               <a:ext uri="{FF2B5EF4-FFF2-40B4-BE49-F238E27FC236}">
-                <a16:creationId xmlns:a16="http://schemas.microsoft.com/office/drawing/2014/main" id="{F0669C1E-8EE3-4D21-B7C3-378C6E195E56}"/>
-              </a:ext>
-            </a:extLst>
-          </p:cNvPr>
-          <p:cNvSpPr txBox="1"/>
-          <p:nvPr/>
-        </p:nvSpPr>
-        <p:spPr>
-          <a:xfrm>
-            <a:off x="1752515" y="5522427"/>
-            <a:ext cx="4868884" cy="461665"/>
-          </a:xfrm>
-          <a:prstGeom prst="rect">
-            <a:avLst/>
-          </a:prstGeom>
-          <a:noFill/>
-        </p:spPr>
-        <p:txBody>
-          <a:bodyPr wrap="square" rtlCol="0">
-            <a:spAutoFit/>
-          </a:bodyPr>
-          <a:lstStyle/>
-          <a:p>
-            <a:r>
-              <a:rPr lang="en-US" sz="2400" b="1" i="1" dirty="0"/>
-              <a:t>* Maximum Allowable is 7 </a:t>
-            </a:r>
-            <a:r>
-              <a:rPr lang="en-US" sz="2400" b="1" i="1" dirty="0" err="1"/>
-              <a:t>ms</a:t>
-            </a:r>
-            <a:endParaRPr lang="en-US" sz="2400" b="1" i="1" dirty="0"/>
-          </a:p>
-        </p:txBody>
-      </p:sp>
-      <p:pic>
-        <p:nvPicPr>
-          <p:cNvPr id="12" name="Content Placeholder 3">
-            <a:extLst>
-              <a:ext uri="{FF2B5EF4-FFF2-40B4-BE49-F238E27FC236}">
-                <a16:creationId xmlns:a16="http://schemas.microsoft.com/office/drawing/2014/main" id="{05354395-4337-4E72-95D2-A024BE0F3748}"/>
+                <a16:creationId xmlns:a16="http://schemas.microsoft.com/office/drawing/2014/main" id="{990690D7-7D1A-4742-B305-ED2D89E8950B}"/>
               </a:ext>
             </a:extLst>
           </p:cNvPr>
           <p:cNvPicPr>
-            <a:picLocks noChangeAspect="1"/>
+            <a:picLocks noGrp="1" noChangeAspect="1"/>
           </p:cNvPicPr>
-          <p:nvPr/>
+          <p:nvPr>
+            <p:ph idx="1"/>
+          </p:nvPr>
         </p:nvPicPr>
         <p:blipFill>
           <a:blip r:embed="rId3"/>
@@ -12407,162 +12598,101 @@
         </p:blipFill>
         <p:spPr>
           <a:xfrm>
-            <a:off x="1197292" y="2343721"/>
-            <a:ext cx="9338098" cy="3197543"/>
+            <a:off x="2418517" y="1562672"/>
+            <a:ext cx="7354966" cy="4802187"/>
           </a:xfrm>
           <a:prstGeom prst="rect">
             <a:avLst/>
           </a:prstGeom>
         </p:spPr>
       </p:pic>
-      <p:sp>
-        <p:nvSpPr>
-          <p:cNvPr id="13" name="Rectangle 12">
+      <p:cxnSp>
+        <p:nvCxnSpPr>
+          <p:cNvPr id="17" name="Straight Arrow Connector 16">
             <a:extLst>
               <a:ext uri="{FF2B5EF4-FFF2-40B4-BE49-F238E27FC236}">
-                <a16:creationId xmlns:a16="http://schemas.microsoft.com/office/drawing/2014/main" id="{8DF61E9C-29B1-4ECA-9379-25A40B75CE29}"/>
+                <a16:creationId xmlns:a16="http://schemas.microsoft.com/office/drawing/2014/main" id="{C534516C-CB4F-419E-88C5-7CEAF8CAFE4C}"/>
               </a:ext>
             </a:extLst>
           </p:cNvPr>
-          <p:cNvSpPr/>
-          <p:nvPr/>
-        </p:nvSpPr>
-        <p:spPr>
-          <a:xfrm>
-            <a:off x="1377536" y="2921330"/>
-            <a:ext cx="9072749" cy="380010"/>
-          </a:xfrm>
-          <a:prstGeom prst="rect">
-            <a:avLst/>
-          </a:prstGeom>
-          <a:noFill/>
-          <a:ln w="57150"/>
+          <p:cNvCxnSpPr>
+            <a:cxnSpLocks/>
+          </p:cNvCxnSpPr>
+          <p:nvPr/>
+        </p:nvCxnSpPr>
+        <p:spPr>
+          <a:xfrm flipH="1">
+            <a:off x="8260080" y="4594860"/>
+            <a:ext cx="1066800" cy="350520"/>
+          </a:xfrm>
+          <a:prstGeom prst="straightConnector1">
+            <a:avLst/>
+          </a:prstGeom>
+          <a:ln w="38100">
+            <a:solidFill>
+              <a:srgbClr val="002060"/>
+            </a:solidFill>
+            <a:tailEnd type="triangle"/>
+          </a:ln>
         </p:spPr>
         <p:style>
-          <a:lnRef idx="2">
-            <a:schemeClr val="accent6"/>
+          <a:lnRef idx="1">
+            <a:schemeClr val="accent1"/>
           </a:lnRef>
-          <a:fillRef idx="1">
-            <a:schemeClr val="lt1"/>
+          <a:fillRef idx="0">
+            <a:schemeClr val="accent1"/>
           </a:fillRef>
           <a:effectRef idx="0">
-            <a:schemeClr val="accent6"/>
+            <a:schemeClr val="accent1"/>
           </a:effectRef>
           <a:fontRef idx="minor">
-            <a:schemeClr val="dk1"/>
+            <a:schemeClr val="tx1"/>
           </a:fontRef>
         </p:style>
-        <p:txBody>
-          <a:bodyPr rtlCol="0" anchor="ctr"/>
-          <a:lstStyle/>
-          <a:p>
-            <a:pPr algn="ctr"/>
-            <a:endParaRPr lang="en-US">
-              <a:noFill/>
-            </a:endParaRPr>
-          </a:p>
-        </p:txBody>
-      </p:sp>
-      <p:sp>
-        <p:nvSpPr>
-          <p:cNvPr id="14" name="Rectangle 13">
+      </p:cxnSp>
+      <p:sp>
+        <p:nvSpPr>
+          <p:cNvPr id="18" name="TextBox 17">
             <a:extLst>
               <a:ext uri="{FF2B5EF4-FFF2-40B4-BE49-F238E27FC236}">
-                <a16:creationId xmlns:a16="http://schemas.microsoft.com/office/drawing/2014/main" id="{0CC821F3-787F-4178-BBE6-6DFB1C25FCE1}"/>
+                <a16:creationId xmlns:a16="http://schemas.microsoft.com/office/drawing/2014/main" id="{A7C4B719-78EB-46D9-97D0-399BBC2DC435}"/>
               </a:ext>
             </a:extLst>
           </p:cNvPr>
-          <p:cNvSpPr/>
-          <p:nvPr/>
-        </p:nvSpPr>
-        <p:spPr>
-          <a:xfrm>
-            <a:off x="1329966" y="3752487"/>
-            <a:ext cx="9072749" cy="380010"/>
+          <p:cNvSpPr txBox="1"/>
+          <p:nvPr/>
+        </p:nvSpPr>
+        <p:spPr>
+          <a:xfrm>
+            <a:off x="8181373" y="4290571"/>
+            <a:ext cx="1687928" cy="369332"/>
           </a:xfrm>
           <a:prstGeom prst="rect">
             <a:avLst/>
           </a:prstGeom>
           <a:noFill/>
-          <a:ln w="57150"/>
-        </p:spPr>
-        <p:style>
-          <a:lnRef idx="2">
-            <a:schemeClr val="accent6"/>
-          </a:lnRef>
-          <a:fillRef idx="1">
-            <a:schemeClr val="lt1"/>
-          </a:fillRef>
-          <a:effectRef idx="0">
-            <a:schemeClr val="accent6"/>
-          </a:effectRef>
-          <a:fontRef idx="minor">
-            <a:schemeClr val="dk1"/>
-          </a:fontRef>
-        </p:style>
-        <p:txBody>
-          <a:bodyPr rtlCol="0" anchor="ctr"/>
-          <a:lstStyle/>
-          <a:p>
-            <a:pPr algn="ctr"/>
-            <a:endParaRPr lang="en-US">
-              <a:noFill/>
-            </a:endParaRPr>
-          </a:p>
-        </p:txBody>
-      </p:sp>
-      <p:sp>
-        <p:nvSpPr>
-          <p:cNvPr id="15" name="Rectangle 14">
-            <a:extLst>
-              <a:ext uri="{FF2B5EF4-FFF2-40B4-BE49-F238E27FC236}">
-                <a16:creationId xmlns:a16="http://schemas.microsoft.com/office/drawing/2014/main" id="{B3CDCC0F-2B84-4B2D-9F45-A73A4BA5C52E}"/>
-              </a:ext>
-            </a:extLst>
-          </p:cNvPr>
-          <p:cNvSpPr/>
-          <p:nvPr/>
-        </p:nvSpPr>
-        <p:spPr>
-          <a:xfrm>
-            <a:off x="1377535" y="4595525"/>
-            <a:ext cx="9072749" cy="380010"/>
-          </a:xfrm>
-          <a:prstGeom prst="rect">
-            <a:avLst/>
-          </a:prstGeom>
-          <a:noFill/>
-          <a:ln w="57150"/>
-        </p:spPr>
-        <p:style>
-          <a:lnRef idx="2">
-            <a:schemeClr val="accent6"/>
-          </a:lnRef>
-          <a:fillRef idx="1">
-            <a:schemeClr val="lt1"/>
-          </a:fillRef>
-          <a:effectRef idx="0">
-            <a:schemeClr val="accent6"/>
-          </a:effectRef>
-          <a:fontRef idx="minor">
-            <a:schemeClr val="dk1"/>
-          </a:fontRef>
-        </p:style>
-        <p:txBody>
-          <a:bodyPr rtlCol="0" anchor="ctr"/>
-          <a:lstStyle/>
-          <a:p>
-            <a:pPr algn="ctr"/>
-            <a:endParaRPr lang="en-US">
-              <a:noFill/>
-            </a:endParaRPr>
+        </p:spPr>
+        <p:txBody>
+          <a:bodyPr wrap="square" rtlCol="0">
+            <a:spAutoFit/>
+          </a:bodyPr>
+          <a:lstStyle/>
+          <a:p>
+            <a:r>
+              <a:rPr lang="en-US" b="1" dirty="0">
+                <a:solidFill>
+                  <a:schemeClr val="bg1"/>
+                </a:solidFill>
+              </a:rPr>
+              <a:t>Not Optimized!</a:t>
+            </a:r>
           </a:p>
         </p:txBody>
       </p:sp>
     </p:spTree>
     <p:extLst>
       <p:ext uri="{BB962C8B-B14F-4D97-AF65-F5344CB8AC3E}">
-        <p14:creationId xmlns:p14="http://schemas.microsoft.com/office/powerpoint/2010/main" val="1378413269"/>
+        <p14:creationId xmlns:p14="http://schemas.microsoft.com/office/powerpoint/2010/main" val="2204611984"/>
       </p:ext>
     </p:extLst>
   </p:cSld>
@@ -12652,52 +12782,17 @@
                 <a:latin typeface="Arial" panose="020B0604020202020204" pitchFamily="34" charset="0"/>
                 <a:cs typeface="Arial" panose="020B0604020202020204" pitchFamily="34" charset="0"/>
               </a:rPr>
-              <a:t>Results </a:t>
-            </a:r>
-          </a:p>
-        </p:txBody>
-      </p:sp>
-      <p:sp>
-        <p:nvSpPr>
-          <p:cNvPr id="10" name="TextBox 9">
+              <a:t>Scaling </a:t>
+            </a:r>
+          </a:p>
+        </p:txBody>
+      </p:sp>
+      <p:pic>
+        <p:nvPicPr>
+          <p:cNvPr id="11" name="Content Placeholder 3">
             <a:extLst>
               <a:ext uri="{FF2B5EF4-FFF2-40B4-BE49-F238E27FC236}">
-                <a16:creationId xmlns:a16="http://schemas.microsoft.com/office/drawing/2014/main" id="{B00C6EDB-2791-4C4F-9931-64F600869171}"/>
-              </a:ext>
-            </a:extLst>
-          </p:cNvPr>
-          <p:cNvSpPr txBox="1"/>
-          <p:nvPr/>
-        </p:nvSpPr>
-        <p:spPr>
-          <a:xfrm>
-            <a:off x="523874" y="1104740"/>
-            <a:ext cx="11668126" cy="646331"/>
-          </a:xfrm>
-          <a:prstGeom prst="rect">
-            <a:avLst/>
-          </a:prstGeom>
-          <a:noFill/>
-        </p:spPr>
-        <p:txBody>
-          <a:bodyPr wrap="square" rtlCol="0">
-            <a:spAutoFit/>
-          </a:bodyPr>
-          <a:lstStyle/>
-          <a:p>
-            <a:r>
-              <a:rPr lang="en-US" sz="3600" dirty="0"/>
-              <a:t>Power</a:t>
-            </a:r>
-          </a:p>
-        </p:txBody>
-      </p:sp>
-      <p:pic>
-        <p:nvPicPr>
-          <p:cNvPr id="16" name="Content Placeholder 3">
-            <a:extLst>
-              <a:ext uri="{FF2B5EF4-FFF2-40B4-BE49-F238E27FC236}">
-                <a16:creationId xmlns:a16="http://schemas.microsoft.com/office/drawing/2014/main" id="{990690D7-7D1A-4742-B305-ED2D89E8950B}"/>
+                <a16:creationId xmlns:a16="http://schemas.microsoft.com/office/drawing/2014/main" id="{FD10D282-1715-48C7-B51F-84D9063F2C75}"/>
               </a:ext>
             </a:extLst>
           </p:cNvPr>
@@ -12716,101 +12811,18 @@
         </p:blipFill>
         <p:spPr>
           <a:xfrm>
-            <a:off x="2418517" y="1562672"/>
-            <a:ext cx="7354966" cy="4802187"/>
+            <a:off x="2230034" y="1825625"/>
+            <a:ext cx="7219867" cy="4351338"/>
           </a:xfrm>
           <a:prstGeom prst="rect">
             <a:avLst/>
           </a:prstGeom>
         </p:spPr>
       </p:pic>
-      <p:cxnSp>
-        <p:nvCxnSpPr>
-          <p:cNvPr id="17" name="Straight Arrow Connector 16">
-            <a:extLst>
-              <a:ext uri="{FF2B5EF4-FFF2-40B4-BE49-F238E27FC236}">
-                <a16:creationId xmlns:a16="http://schemas.microsoft.com/office/drawing/2014/main" id="{C534516C-CB4F-419E-88C5-7CEAF8CAFE4C}"/>
-              </a:ext>
-            </a:extLst>
-          </p:cNvPr>
-          <p:cNvCxnSpPr>
-            <a:cxnSpLocks/>
-          </p:cNvCxnSpPr>
-          <p:nvPr/>
-        </p:nvCxnSpPr>
-        <p:spPr>
-          <a:xfrm flipH="1">
-            <a:off x="8260080" y="4594860"/>
-            <a:ext cx="1066800" cy="350520"/>
-          </a:xfrm>
-          <a:prstGeom prst="straightConnector1">
-            <a:avLst/>
-          </a:prstGeom>
-          <a:ln w="38100">
-            <a:solidFill>
-              <a:srgbClr val="002060"/>
-            </a:solidFill>
-            <a:tailEnd type="triangle"/>
-          </a:ln>
-        </p:spPr>
-        <p:style>
-          <a:lnRef idx="1">
-            <a:schemeClr val="accent1"/>
-          </a:lnRef>
-          <a:fillRef idx="0">
-            <a:schemeClr val="accent1"/>
-          </a:fillRef>
-          <a:effectRef idx="0">
-            <a:schemeClr val="accent1"/>
-          </a:effectRef>
-          <a:fontRef idx="minor">
-            <a:schemeClr val="tx1"/>
-          </a:fontRef>
-        </p:style>
-      </p:cxnSp>
-      <p:sp>
-        <p:nvSpPr>
-          <p:cNvPr id="18" name="TextBox 17">
-            <a:extLst>
-              <a:ext uri="{FF2B5EF4-FFF2-40B4-BE49-F238E27FC236}">
-                <a16:creationId xmlns:a16="http://schemas.microsoft.com/office/drawing/2014/main" id="{A7C4B719-78EB-46D9-97D0-399BBC2DC435}"/>
-              </a:ext>
-            </a:extLst>
-          </p:cNvPr>
-          <p:cNvSpPr txBox="1"/>
-          <p:nvPr/>
-        </p:nvSpPr>
-        <p:spPr>
-          <a:xfrm>
-            <a:off x="8181373" y="4290571"/>
-            <a:ext cx="1687928" cy="369332"/>
-          </a:xfrm>
-          <a:prstGeom prst="rect">
-            <a:avLst/>
-          </a:prstGeom>
-          <a:noFill/>
-        </p:spPr>
-        <p:txBody>
-          <a:bodyPr wrap="square" rtlCol="0">
-            <a:spAutoFit/>
-          </a:bodyPr>
-          <a:lstStyle/>
-          <a:p>
-            <a:r>
-              <a:rPr lang="en-US" b="1" dirty="0">
-                <a:solidFill>
-                  <a:schemeClr val="bg1"/>
-                </a:solidFill>
-              </a:rPr>
-              <a:t>Not Optimized!</a:t>
-            </a:r>
-          </a:p>
-        </p:txBody>
-      </p:sp>
     </p:spTree>
     <p:extLst>
       <p:ext uri="{BB962C8B-B14F-4D97-AF65-F5344CB8AC3E}">
-        <p14:creationId xmlns:p14="http://schemas.microsoft.com/office/powerpoint/2010/main" val="2204611984"/>
+        <p14:creationId xmlns:p14="http://schemas.microsoft.com/office/powerpoint/2010/main" val="3885882262"/>
       </p:ext>
     </p:extLst>
   </p:cSld>
@@ -12907,10 +12919,10 @@
       </p:sp>
       <p:pic>
         <p:nvPicPr>
-          <p:cNvPr id="11" name="Content Placeholder 3">
+          <p:cNvPr id="7" name="Content Placeholder 3">
             <a:extLst>
               <a:ext uri="{FF2B5EF4-FFF2-40B4-BE49-F238E27FC236}">
-                <a16:creationId xmlns:a16="http://schemas.microsoft.com/office/drawing/2014/main" id="{FD10D282-1715-48C7-B51F-84D9063F2C75}"/>
+                <a16:creationId xmlns:a16="http://schemas.microsoft.com/office/drawing/2014/main" id="{4DAAF3B4-2BBA-4F32-A57A-89C93E351029}"/>
               </a:ext>
             </a:extLst>
           </p:cNvPr>
@@ -12937,10 +12949,112 @@
           </a:prstGeom>
         </p:spPr>
       </p:pic>
+      <p:sp>
+        <p:nvSpPr>
+          <p:cNvPr id="8" name="Rectangle: Rounded Corners 7">
+            <a:extLst>
+              <a:ext uri="{FF2B5EF4-FFF2-40B4-BE49-F238E27FC236}">
+                <a16:creationId xmlns:a16="http://schemas.microsoft.com/office/drawing/2014/main" id="{294CD74F-D97E-415F-A1B5-D007DEEE53BF}"/>
+              </a:ext>
+            </a:extLst>
+          </p:cNvPr>
+          <p:cNvSpPr/>
+          <p:nvPr/>
+        </p:nvSpPr>
+        <p:spPr>
+          <a:xfrm>
+            <a:off x="3170058" y="4327694"/>
+            <a:ext cx="5339817" cy="593313"/>
+          </a:xfrm>
+          <a:prstGeom prst="roundRect">
+            <a:avLst/>
+          </a:prstGeom>
+          <a:noFill/>
+          <a:ln w="38100">
+            <a:solidFill>
+              <a:schemeClr val="bg2">
+                <a:lumMod val="10000"/>
+              </a:schemeClr>
+            </a:solidFill>
+          </a:ln>
+        </p:spPr>
+        <p:style>
+          <a:lnRef idx="2">
+            <a:schemeClr val="accent1">
+              <a:shade val="50000"/>
+            </a:schemeClr>
+          </a:lnRef>
+          <a:fillRef idx="1">
+            <a:schemeClr val="accent1"/>
+          </a:fillRef>
+          <a:effectRef idx="0">
+            <a:schemeClr val="accent1"/>
+          </a:effectRef>
+          <a:fontRef idx="minor">
+            <a:schemeClr val="lt1"/>
+          </a:fontRef>
+        </p:style>
+        <p:txBody>
+          <a:bodyPr rtlCol="0" anchor="ctr"/>
+          <a:lstStyle/>
+          <a:p>
+            <a:pPr algn="ctr"/>
+            <a:endParaRPr lang="en-US"/>
+          </a:p>
+        </p:txBody>
+      </p:sp>
+      <p:sp>
+        <p:nvSpPr>
+          <p:cNvPr id="10" name="Oval 9">
+            <a:extLst>
+              <a:ext uri="{FF2B5EF4-FFF2-40B4-BE49-F238E27FC236}">
+                <a16:creationId xmlns:a16="http://schemas.microsoft.com/office/drawing/2014/main" id="{96B1FBD5-87E0-43D7-BB67-4A1F4BDF1994}"/>
+              </a:ext>
+            </a:extLst>
+          </p:cNvPr>
+          <p:cNvSpPr/>
+          <p:nvPr/>
+        </p:nvSpPr>
+        <p:spPr>
+          <a:xfrm>
+            <a:off x="8509875" y="2282511"/>
+            <a:ext cx="1047637" cy="362968"/>
+          </a:xfrm>
+          <a:prstGeom prst="ellipse">
+            <a:avLst/>
+          </a:prstGeom>
+          <a:noFill/>
+          <a:ln w="57150"/>
+        </p:spPr>
+        <p:style>
+          <a:lnRef idx="2">
+            <a:schemeClr val="accent1">
+              <a:shade val="50000"/>
+            </a:schemeClr>
+          </a:lnRef>
+          <a:fillRef idx="1">
+            <a:schemeClr val="accent1"/>
+          </a:fillRef>
+          <a:effectRef idx="0">
+            <a:schemeClr val="accent1"/>
+          </a:effectRef>
+          <a:fontRef idx="minor">
+            <a:schemeClr val="lt1"/>
+          </a:fontRef>
+        </p:style>
+        <p:txBody>
+          <a:bodyPr rtlCol="0" anchor="ctr"/>
+          <a:lstStyle/>
+          <a:p>
+            <a:pPr algn="ctr"/>
+            <a:endParaRPr lang="en-US"/>
+          </a:p>
+        </p:txBody>
+      </p:sp>
     </p:spTree>
     <p:extLst>
       <p:ext uri="{BB962C8B-B14F-4D97-AF65-F5344CB8AC3E}">
-        <p14:creationId xmlns:p14="http://schemas.microsoft.com/office/powerpoint/2010/main" val="3885882262"/>
+        <p14:creationId xmlns:p14="http://schemas.microsoft.com/office/powerpoint/2010/main" val="1927264136"/>
       </p:ext>
     </p:extLst>
   </p:cSld>
@@ -13093,9 +13207,12 @@
             </a:r>
             <a:r>
               <a:rPr lang="en-US" sz="3600" b="1" dirty="0">
+                <a:solidFill>
+                  <a:srgbClr val="FFFF00"/>
+                </a:solidFill>
                 <a:sym typeface="Wingdings" panose="05000000000000000000" pitchFamily="2" charset="2"/>
               </a:rPr>
-              <a:t>60</a:t>
+              <a:t>70</a:t>
             </a:r>
             <a:r>
               <a:rPr lang="en-US" sz="3600" dirty="0">
@@ -13271,49 +13388,22 @@
           <a:chExt cx="0" cy="0"/>
         </a:xfrm>
       </p:grpSpPr>
-      <p:cxnSp>
-        <p:nvCxnSpPr>
-          <p:cNvPr id="5" name="Straight Connector 4"/>
-          <p:cNvCxnSpPr>
-            <a:cxnSpLocks/>
-          </p:cNvCxnSpPr>
-          <p:nvPr/>
-        </p:nvCxnSpPr>
-        <p:spPr>
-          <a:xfrm>
-            <a:off x="0" y="790910"/>
-            <a:ext cx="10420350" cy="0"/>
-          </a:xfrm>
-          <a:prstGeom prst="line">
-            <a:avLst/>
-          </a:prstGeom>
-          <a:ln w="76200"/>
-        </p:spPr>
-        <p:style>
-          <a:lnRef idx="3">
-            <a:schemeClr val="accent6"/>
-          </a:lnRef>
-          <a:fillRef idx="0">
-            <a:schemeClr val="accent6"/>
-          </a:fillRef>
-          <a:effectRef idx="2">
-            <a:schemeClr val="accent6"/>
-          </a:effectRef>
-          <a:fontRef idx="minor">
-            <a:schemeClr val="tx1"/>
-          </a:fontRef>
-        </p:style>
-      </p:cxnSp>
-      <p:sp>
-        <p:nvSpPr>
-          <p:cNvPr id="9" name="TextBox 8"/>
+      <p:sp>
+        <p:nvSpPr>
+          <p:cNvPr id="3" name="TextBox 2">
+            <a:extLst>
+              <a:ext uri="{FF2B5EF4-FFF2-40B4-BE49-F238E27FC236}">
+                <a16:creationId xmlns:a16="http://schemas.microsoft.com/office/drawing/2014/main" id="{195EC410-7D48-4F07-A531-48ABF9008BEF}"/>
+              </a:ext>
+            </a:extLst>
+          </p:cNvPr>
           <p:cNvSpPr txBox="1"/>
           <p:nvPr/>
         </p:nvSpPr>
         <p:spPr>
           <a:xfrm>
-            <a:off x="523874" y="-29577"/>
-            <a:ext cx="6964747" cy="923330"/>
+            <a:off x="2613626" y="1785054"/>
+            <a:ext cx="6964747" cy="3631763"/>
           </a:xfrm>
           <a:prstGeom prst="rect">
             <a:avLst/>
@@ -13326,57 +13416,26 @@
           </a:bodyPr>
           <a:lstStyle/>
           <a:p>
-            <a:r>
-              <a:rPr lang="en-US" sz="5400" b="1" dirty="0">
+            <a:pPr algn="ctr"/>
+            <a:r>
+              <a:rPr lang="en-US" sz="11500" b="1" dirty="0">
                 <a:solidFill>
-                  <a:srgbClr val="92D050"/>
+                  <a:srgbClr val="F414D9"/>
                 </a:solidFill>
                 <a:latin typeface="Arial" panose="020B0604020202020204" pitchFamily="34" charset="0"/>
                 <a:cs typeface="Arial" panose="020B0604020202020204" pitchFamily="34" charset="0"/>
               </a:rPr>
-              <a:t>Scaling </a:t>
-            </a:r>
-          </a:p>
-        </p:txBody>
-      </p:sp>
-      <p:pic>
-        <p:nvPicPr>
-          <p:cNvPr id="7" name="Content Placeholder 3">
+              <a:t>SWITCH BACK</a:t>
+            </a:r>
+          </a:p>
+        </p:txBody>
+      </p:sp>
+      <p:sp>
+        <p:nvSpPr>
+          <p:cNvPr id="4" name="Explosion: 14 Points 3">
             <a:extLst>
               <a:ext uri="{FF2B5EF4-FFF2-40B4-BE49-F238E27FC236}">
-                <a16:creationId xmlns:a16="http://schemas.microsoft.com/office/drawing/2014/main" id="{4DAAF3B4-2BBA-4F32-A57A-89C93E351029}"/>
-              </a:ext>
-            </a:extLst>
-          </p:cNvPr>
-          <p:cNvPicPr>
-            <a:picLocks noGrp="1" noChangeAspect="1"/>
-          </p:cNvPicPr>
-          <p:nvPr>
-            <p:ph idx="1"/>
-          </p:nvPr>
-        </p:nvPicPr>
-        <p:blipFill>
-          <a:blip r:embed="rId3"/>
-          <a:stretch>
-            <a:fillRect/>
-          </a:stretch>
-        </p:blipFill>
-        <p:spPr>
-          <a:xfrm>
-            <a:off x="2230034" y="1825625"/>
-            <a:ext cx="7219867" cy="4351338"/>
-          </a:xfrm>
-          <a:prstGeom prst="rect">
-            <a:avLst/>
-          </a:prstGeom>
-        </p:spPr>
-      </p:pic>
-      <p:sp>
-        <p:nvSpPr>
-          <p:cNvPr id="8" name="Rectangle: Rounded Corners 7">
-            <a:extLst>
-              <a:ext uri="{FF2B5EF4-FFF2-40B4-BE49-F238E27FC236}">
-                <a16:creationId xmlns:a16="http://schemas.microsoft.com/office/drawing/2014/main" id="{294CD74F-D97E-415F-A1B5-D007DEEE53BF}"/>
+                <a16:creationId xmlns:a16="http://schemas.microsoft.com/office/drawing/2014/main" id="{B019DF69-E91E-4EB7-B409-5276E2BDC748}"/>
               </a:ext>
             </a:extLst>
           </p:cNvPr>
@@ -13385,18 +13444,16 @@
         </p:nvSpPr>
         <p:spPr>
           <a:xfrm>
-            <a:off x="3170058" y="4327694"/>
-            <a:ext cx="5339817" cy="593313"/>
-          </a:xfrm>
-          <a:prstGeom prst="roundRect">
+            <a:off x="0" y="104775"/>
+            <a:ext cx="12192000" cy="6857999"/>
+          </a:xfrm>
+          <a:prstGeom prst="irregularSeal2">
             <a:avLst/>
           </a:prstGeom>
           <a:noFill/>
-          <a:ln w="38100">
+          <a:ln w="76200">
             <a:solidFill>
-              <a:schemeClr val="bg2">
-                <a:lumMod val="10000"/>
-              </a:schemeClr>
+              <a:srgbClr val="FFFF00"/>
             </a:solidFill>
           </a:ln>
         </p:spPr>
@@ -13425,58 +13482,10 @@
           </a:p>
         </p:txBody>
       </p:sp>
-      <p:sp>
-        <p:nvSpPr>
-          <p:cNvPr id="10" name="Oval 9">
-            <a:extLst>
-              <a:ext uri="{FF2B5EF4-FFF2-40B4-BE49-F238E27FC236}">
-                <a16:creationId xmlns:a16="http://schemas.microsoft.com/office/drawing/2014/main" id="{96B1FBD5-87E0-43D7-BB67-4A1F4BDF1994}"/>
-              </a:ext>
-            </a:extLst>
-          </p:cNvPr>
-          <p:cNvSpPr/>
-          <p:nvPr/>
-        </p:nvSpPr>
-        <p:spPr>
-          <a:xfrm>
-            <a:off x="8509875" y="2282511"/>
-            <a:ext cx="1047637" cy="362968"/>
-          </a:xfrm>
-          <a:prstGeom prst="ellipse">
-            <a:avLst/>
-          </a:prstGeom>
-          <a:noFill/>
-          <a:ln w="57150"/>
-        </p:spPr>
-        <p:style>
-          <a:lnRef idx="2">
-            <a:schemeClr val="accent1">
-              <a:shade val="50000"/>
-            </a:schemeClr>
-          </a:lnRef>
-          <a:fillRef idx="1">
-            <a:schemeClr val="accent1"/>
-          </a:fillRef>
-          <a:effectRef idx="0">
-            <a:schemeClr val="accent1"/>
-          </a:effectRef>
-          <a:fontRef idx="minor">
-            <a:schemeClr val="lt1"/>
-          </a:fontRef>
-        </p:style>
-        <p:txBody>
-          <a:bodyPr rtlCol="0" anchor="ctr"/>
-          <a:lstStyle/>
-          <a:p>
-            <a:pPr algn="ctr"/>
-            <a:endParaRPr lang="en-US"/>
-          </a:p>
-        </p:txBody>
-      </p:sp>
     </p:spTree>
     <p:extLst>
       <p:ext uri="{BB962C8B-B14F-4D97-AF65-F5344CB8AC3E}">
-        <p14:creationId xmlns:p14="http://schemas.microsoft.com/office/powerpoint/2010/main" val="1927264136"/>
+        <p14:creationId xmlns:p14="http://schemas.microsoft.com/office/powerpoint/2010/main" val="2452928498"/>
       </p:ext>
     </p:extLst>
   </p:cSld>
@@ -13503,12 +13512,45 @@
           <a:chExt cx="0" cy="0"/>
         </a:xfrm>
       </p:grpSpPr>
-      <p:sp>
-        <p:nvSpPr>
-          <p:cNvPr id="3" name="TextBox 2">
+      <p:cxnSp>
+        <p:nvCxnSpPr>
+          <p:cNvPr id="5" name="Straight Connector 4"/>
+          <p:cNvCxnSpPr>
+            <a:cxnSpLocks/>
+          </p:cNvCxnSpPr>
+          <p:nvPr/>
+        </p:nvCxnSpPr>
+        <p:spPr>
+          <a:xfrm>
+            <a:off x="0" y="790910"/>
+            <a:ext cx="10420350" cy="0"/>
+          </a:xfrm>
+          <a:prstGeom prst="line">
+            <a:avLst/>
+          </a:prstGeom>
+          <a:ln w="76200"/>
+        </p:spPr>
+        <p:style>
+          <a:lnRef idx="3">
+            <a:schemeClr val="accent6"/>
+          </a:lnRef>
+          <a:fillRef idx="0">
+            <a:schemeClr val="accent6"/>
+          </a:fillRef>
+          <a:effectRef idx="2">
+            <a:schemeClr val="accent6"/>
+          </a:effectRef>
+          <a:fontRef idx="minor">
+            <a:schemeClr val="tx1"/>
+          </a:fontRef>
+        </p:style>
+      </p:cxnSp>
+      <p:sp>
+        <p:nvSpPr>
+          <p:cNvPr id="6" name="TextBox 5">
             <a:extLst>
               <a:ext uri="{FF2B5EF4-FFF2-40B4-BE49-F238E27FC236}">
-                <a16:creationId xmlns:a16="http://schemas.microsoft.com/office/drawing/2014/main" id="{195EC410-7D48-4F07-A531-48ABF9008BEF}"/>
+                <a16:creationId xmlns:a16="http://schemas.microsoft.com/office/drawing/2014/main" id="{EDFA6E9E-EBD9-47A4-B817-97EF86115B0F}"/>
               </a:ext>
             </a:extLst>
           </p:cNvPr>
@@ -13517,8 +13559,8 @@
         </p:nvSpPr>
         <p:spPr>
           <a:xfrm>
-            <a:off x="2613626" y="1785054"/>
-            <a:ext cx="6964747" cy="3631763"/>
+            <a:off x="523874" y="-29577"/>
+            <a:ext cx="6964747" cy="923330"/>
           </a:xfrm>
           <a:prstGeom prst="rect">
             <a:avLst/>
@@ -13531,76 +13573,138 @@
           </a:bodyPr>
           <a:lstStyle/>
           <a:p>
-            <a:pPr algn="ctr"/>
-            <a:r>
-              <a:rPr lang="en-US" sz="11500" b="1" dirty="0">
+            <a:r>
+              <a:rPr lang="en-US" sz="5400" b="1" dirty="0">
                 <a:solidFill>
-                  <a:srgbClr val="F414D9"/>
+                  <a:srgbClr val="92D050"/>
                 </a:solidFill>
                 <a:latin typeface="Arial" panose="020B0604020202020204" pitchFamily="34" charset="0"/>
                 <a:cs typeface="Arial" panose="020B0604020202020204" pitchFamily="34" charset="0"/>
               </a:rPr>
-              <a:t>SWITCH BACK</a:t>
-            </a:r>
-          </a:p>
-        </p:txBody>
-      </p:sp>
-      <p:sp>
-        <p:nvSpPr>
-          <p:cNvPr id="4" name="Explosion: 14 Points 3">
+              <a:t>Discussion</a:t>
+            </a:r>
+          </a:p>
+        </p:txBody>
+      </p:sp>
+      <p:sp>
+        <p:nvSpPr>
+          <p:cNvPr id="7" name="TextBox 6">
             <a:extLst>
               <a:ext uri="{FF2B5EF4-FFF2-40B4-BE49-F238E27FC236}">
-                <a16:creationId xmlns:a16="http://schemas.microsoft.com/office/drawing/2014/main" id="{B019DF69-E91E-4EB7-B409-5276E2BDC748}"/>
+                <a16:creationId xmlns:a16="http://schemas.microsoft.com/office/drawing/2014/main" id="{53DC3FFF-98D0-48FF-94E0-9C3EA3829384}"/>
               </a:ext>
             </a:extLst>
           </p:cNvPr>
-          <p:cNvSpPr/>
-          <p:nvPr/>
-        </p:nvSpPr>
-        <p:spPr>
-          <a:xfrm>
-            <a:off x="0" y="104775"/>
-            <a:ext cx="12192000" cy="6857999"/>
-          </a:xfrm>
-          <a:prstGeom prst="irregularSeal2">
+          <p:cNvSpPr txBox="1"/>
+          <p:nvPr/>
+        </p:nvSpPr>
+        <p:spPr>
+          <a:xfrm>
+            <a:off x="0" y="1104740"/>
+            <a:ext cx="12192000" cy="4785926"/>
+          </a:xfrm>
+          <a:prstGeom prst="rect">
             <a:avLst/>
           </a:prstGeom>
           <a:noFill/>
-          <a:ln w="76200">
-            <a:solidFill>
-              <a:srgbClr val="FFFF00"/>
-            </a:solidFill>
-          </a:ln>
-        </p:spPr>
-        <p:style>
-          <a:lnRef idx="2">
-            <a:schemeClr val="accent1">
-              <a:shade val="50000"/>
-            </a:schemeClr>
-          </a:lnRef>
-          <a:fillRef idx="1">
-            <a:schemeClr val="accent1"/>
-          </a:fillRef>
-          <a:effectRef idx="0">
-            <a:schemeClr val="accent1"/>
-          </a:effectRef>
-          <a:fontRef idx="minor">
-            <a:schemeClr val="lt1"/>
-          </a:fontRef>
-        </p:style>
-        <p:txBody>
-          <a:bodyPr rtlCol="0" anchor="ctr"/>
-          <a:lstStyle/>
-          <a:p>
-            <a:pPr algn="ctr"/>
-            <a:endParaRPr lang="en-US"/>
+        </p:spPr>
+        <p:txBody>
+          <a:bodyPr wrap="square" rtlCol="0">
+            <a:spAutoFit/>
+          </a:bodyPr>
+          <a:lstStyle/>
+          <a:p>
+            <a:r>
+              <a:rPr lang="en-US" sz="3600" dirty="0">
+                <a:solidFill>
+                  <a:srgbClr val="FF99FF"/>
+                </a:solidFill>
+                <a:sym typeface="Wingdings" panose="05000000000000000000" pitchFamily="2" charset="2"/>
+              </a:rPr>
+              <a:t>	Fallacy: NN inference apps in datacenters value throughput as much as response time </a:t>
+            </a:r>
+          </a:p>
+          <a:p>
+            <a:endParaRPr lang="en-US" sz="3600" dirty="0">
+              <a:sym typeface="Wingdings" panose="05000000000000000000" pitchFamily="2" charset="2"/>
+            </a:endParaRPr>
+          </a:p>
+          <a:p>
+            <a:r>
+              <a:rPr lang="en-US" sz="3600" dirty="0">
+                <a:sym typeface="Wingdings" panose="05000000000000000000" pitchFamily="2" charset="2"/>
+              </a:rPr>
+              <a:t>	</a:t>
+            </a:r>
+            <a:r>
+              <a:rPr lang="en-US" sz="2500" dirty="0">
+                <a:sym typeface="Wingdings" panose="05000000000000000000" pitchFamily="2" charset="2"/>
+              </a:rPr>
+              <a:t>- Beforehand, some said large batch size would allow peak TPU performance</a:t>
+            </a:r>
+          </a:p>
+          <a:p>
+            <a:endParaRPr lang="en-US" sz="2500" dirty="0">
+              <a:sym typeface="Wingdings" panose="05000000000000000000" pitchFamily="2" charset="2"/>
+            </a:endParaRPr>
+          </a:p>
+          <a:p>
+            <a:r>
+              <a:rPr lang="en-US" sz="2500" dirty="0">
+                <a:sym typeface="Wingdings" panose="05000000000000000000" pitchFamily="2" charset="2"/>
+              </a:rPr>
+              <a:t>	- Cared more about response when ported to TPU (shrank from 10 </a:t>
+            </a:r>
+            <a:r>
+              <a:rPr lang="en-US" sz="2500" dirty="0" err="1">
+                <a:sym typeface="Wingdings" panose="05000000000000000000" pitchFamily="2" charset="2"/>
+              </a:rPr>
+              <a:t>ms</a:t>
+            </a:r>
+            <a:r>
+              <a:rPr lang="en-US" sz="2500" dirty="0">
+                <a:sym typeface="Wingdings" panose="05000000000000000000" pitchFamily="2" charset="2"/>
+              </a:rPr>
+              <a:t> to 7 </a:t>
+            </a:r>
+            <a:r>
+              <a:rPr lang="en-US" sz="2500" dirty="0" err="1">
+                <a:sym typeface="Wingdings" panose="05000000000000000000" pitchFamily="2" charset="2"/>
+              </a:rPr>
+              <a:t>ms</a:t>
+            </a:r>
+            <a:r>
+              <a:rPr lang="en-US" sz="2500" dirty="0">
+                <a:sym typeface="Wingdings" panose="05000000000000000000" pitchFamily="2" charset="2"/>
+              </a:rPr>
+              <a:t>) </a:t>
+            </a:r>
+          </a:p>
+          <a:p>
+            <a:endParaRPr lang="en-US" sz="2500" dirty="0">
+              <a:sym typeface="Wingdings" panose="05000000000000000000" pitchFamily="2" charset="2"/>
+            </a:endParaRPr>
+          </a:p>
+          <a:p>
+            <a:r>
+              <a:rPr lang="en-US" sz="2500" dirty="0">
+                <a:sym typeface="Wingdings" panose="05000000000000000000" pitchFamily="2" charset="2"/>
+              </a:rPr>
+              <a:t>	- Simple, deterministic execution model of TPU helped match 99th% response time limits </a:t>
+            </a:r>
+          </a:p>
+          <a:p>
+            <a:endParaRPr lang="en-US" sz="2500" dirty="0"/>
+          </a:p>
+          <a:p>
+            <a:endParaRPr lang="en-US" sz="3600" dirty="0"/>
           </a:p>
         </p:txBody>
       </p:sp>
     </p:spTree>
     <p:extLst>
       <p:ext uri="{BB962C8B-B14F-4D97-AF65-F5344CB8AC3E}">
-        <p14:creationId xmlns:p14="http://schemas.microsoft.com/office/powerpoint/2010/main" val="2452928498"/>
+        <p14:creationId xmlns:p14="http://schemas.microsoft.com/office/powerpoint/2010/main" val="2636897716"/>
       </p:ext>
     </p:extLst>
   </p:cSld>
@@ -13716,7 +13820,7 @@
         <p:spPr>
           <a:xfrm>
             <a:off x="0" y="1104740"/>
-            <a:ext cx="12192000" cy="4785926"/>
+            <a:ext cx="12192000" cy="4401205"/>
           </a:xfrm>
           <a:prstGeom prst="rect">
             <a:avLst/>
@@ -13736,7 +13840,7 @@
                 </a:solidFill>
                 <a:sym typeface="Wingdings" panose="05000000000000000000" pitchFamily="2" charset="2"/>
               </a:rPr>
-              <a:t>	Fallacy: NN inference apps in datacenters value throughput as much as response time </a:t>
+              <a:t>	Fallacy: The K80 GPU architecture is a good match to NN inference </a:t>
             </a:r>
           </a:p>
           <a:p>
@@ -13755,7 +13859,7 @@
               <a:rPr lang="en-US" sz="2500" dirty="0">
                 <a:sym typeface="Wingdings" panose="05000000000000000000" pitchFamily="2" charset="2"/>
               </a:rPr>
-              <a:t>- Beforehand, some said large batch size would allow peak TPU performance</a:t>
+              <a:t>- GPU is high-throughput architecture, meant for training </a:t>
             </a:r>
           </a:p>
           <a:p>
@@ -13765,51 +13869,18 @@
           </a:p>
           <a:p>
             <a:r>
-              <a:rPr lang="en-US" sz="2500" dirty="0">
-                <a:sym typeface="Wingdings" panose="05000000000000000000" pitchFamily="2" charset="2"/>
-              </a:rPr>
-              <a:t>	- Cared more about response when ported to TPU (shrank from 10 </a:t>
-            </a:r>
-            <a:r>
-              <a:rPr lang="en-US" sz="2500" dirty="0" err="1">
-                <a:sym typeface="Wingdings" panose="05000000000000000000" pitchFamily="2" charset="2"/>
-              </a:rPr>
-              <a:t>ms</a:t>
-            </a:r>
-            <a:r>
-              <a:rPr lang="en-US" sz="2500" dirty="0">
-                <a:sym typeface="Wingdings" panose="05000000000000000000" pitchFamily="2" charset="2"/>
-              </a:rPr>
-              <a:t> to 7 </a:t>
-            </a:r>
-            <a:r>
-              <a:rPr lang="en-US" sz="2500" dirty="0" err="1">
-                <a:sym typeface="Wingdings" panose="05000000000000000000" pitchFamily="2" charset="2"/>
-              </a:rPr>
-              <a:t>ms</a:t>
-            </a:r>
-            <a:r>
-              <a:rPr lang="en-US" sz="2500" dirty="0">
-                <a:sym typeface="Wingdings" panose="05000000000000000000" pitchFamily="2" charset="2"/>
-              </a:rPr>
-              <a:t>) </a:t>
-            </a:r>
-          </a:p>
-          <a:p>
-            <a:endParaRPr lang="en-US" sz="2500" dirty="0">
-              <a:sym typeface="Wingdings" panose="05000000000000000000" pitchFamily="2" charset="2"/>
-            </a:endParaRPr>
-          </a:p>
-          <a:p>
-            <a:r>
-              <a:rPr lang="en-US" sz="2500" dirty="0">
-                <a:sym typeface="Wingdings" panose="05000000000000000000" pitchFamily="2" charset="2"/>
-              </a:rPr>
-              <a:t>	- Simple, deterministic execution model of TPU helped match 99th% response time limits </a:t>
+              <a:rPr lang="en-US" sz="2500" dirty="0"/>
+              <a:t>	- The K80 is faster than Haswell but still slower then TPU</a:t>
             </a:r>
           </a:p>
           <a:p>
             <a:endParaRPr lang="en-US" sz="2500" dirty="0"/>
+          </a:p>
+          <a:p>
+            <a:r>
+              <a:rPr lang="en-US" sz="2500" dirty="0"/>
+              <a:t>	- Future GPU should will improve this but it is hard </a:t>
+            </a:r>
           </a:p>
           <a:p>
             <a:endParaRPr lang="en-US" sz="3600" dirty="0"/>
@@ -13819,7 +13890,7 @@
     </p:spTree>
     <p:extLst>
       <p:ext uri="{BB962C8B-B14F-4D97-AF65-F5344CB8AC3E}">
-        <p14:creationId xmlns:p14="http://schemas.microsoft.com/office/powerpoint/2010/main" val="2636897716"/>
+        <p14:creationId xmlns:p14="http://schemas.microsoft.com/office/powerpoint/2010/main" val="324493477"/>
       </p:ext>
     </p:extLst>
   </p:cSld>
@@ -13935,7 +14006,7 @@
         <p:spPr>
           <a:xfrm>
             <a:off x="0" y="1104740"/>
-            <a:ext cx="12192000" cy="4401205"/>
+            <a:ext cx="12192000" cy="4724370"/>
           </a:xfrm>
           <a:prstGeom prst="rect">
             <a:avLst/>
@@ -13955,11 +14026,11 @@
                 </a:solidFill>
                 <a:sym typeface="Wingdings" panose="05000000000000000000" pitchFamily="2" charset="2"/>
               </a:rPr>
-              <a:t>	Fallacy: The K80 GPU architecture is a good match to NN inference </a:t>
-            </a:r>
-          </a:p>
-          <a:p>
-            <a:endParaRPr lang="en-US" sz="3600" dirty="0">
+              <a:t>	Pitfall: CPU/GPU results would be comparable to TPU if used more efficiently or compared to newer versions </a:t>
+            </a:r>
+          </a:p>
+          <a:p>
+            <a:endParaRPr lang="en-US" dirty="0">
               <a:sym typeface="Wingdings" panose="05000000000000000000" pitchFamily="2" charset="2"/>
             </a:endParaRPr>
           </a:p>
@@ -13974,7 +14045,7 @@
               <a:rPr lang="en-US" sz="2500" dirty="0">
                 <a:sym typeface="Wingdings" panose="05000000000000000000" pitchFamily="2" charset="2"/>
               </a:rPr>
-              <a:t>- GPU is high-throughput architecture, meant for training </a:t>
+              <a:t>- Had 8-bit results for one DNN on CPU, since AVX2* integer support was hard to do</a:t>
             </a:r>
           </a:p>
           <a:p>
@@ -13984,28 +14055,102 @@
           </a:p>
           <a:p>
             <a:r>
-              <a:rPr lang="en-US" sz="2500" dirty="0"/>
-              <a:t>	- The K80 is faster than Haswell but still slower then TPU</a:t>
-            </a:r>
-          </a:p>
-          <a:p>
-            <a:endParaRPr lang="en-US" sz="2500" dirty="0"/>
-          </a:p>
-          <a:p>
-            <a:r>
-              <a:rPr lang="en-US" sz="2500" dirty="0"/>
-              <a:t>	- Future GPU should will improve this but it is hard </a:t>
-            </a:r>
-          </a:p>
-          <a:p>
-            <a:endParaRPr lang="en-US" sz="3600" dirty="0"/>
+              <a:rPr lang="en-US" sz="2500" dirty="0">
+                <a:sym typeface="Wingdings" panose="05000000000000000000" pitchFamily="2" charset="2"/>
+              </a:rPr>
+              <a:t>	- Less confusion to present all CPU results in floating point vs. one exception, with own roofline</a:t>
+            </a:r>
+          </a:p>
+          <a:p>
+            <a:endParaRPr lang="en-US" sz="2500" dirty="0">
+              <a:sym typeface="Wingdings" panose="05000000000000000000" pitchFamily="2" charset="2"/>
+            </a:endParaRPr>
+          </a:p>
+          <a:p>
+            <a:r>
+              <a:rPr lang="en-US" sz="2500" dirty="0">
+                <a:sym typeface="Wingdings" panose="05000000000000000000" pitchFamily="2" charset="2"/>
+              </a:rPr>
+              <a:t>	- The speedup was ~3.5X</a:t>
+            </a:r>
+          </a:p>
+          <a:p>
+            <a:endParaRPr lang="en-US" sz="2500" dirty="0">
+              <a:sym typeface="Wingdings" panose="05000000000000000000" pitchFamily="2" charset="2"/>
+            </a:endParaRPr>
+          </a:p>
+          <a:p>
+            <a:r>
+              <a:rPr lang="en-US" sz="2500" dirty="0">
+                <a:sym typeface="Wingdings" panose="05000000000000000000" pitchFamily="2" charset="2"/>
+              </a:rPr>
+              <a:t>	- If all DNNs had similar speedup, perf/Watt ratio would drop from </a:t>
+            </a:r>
+            <a:r>
+              <a:rPr lang="en-US" sz="2500" b="1" i="1" dirty="0">
+                <a:solidFill>
+                  <a:srgbClr val="FFFF00"/>
+                </a:solidFill>
+                <a:sym typeface="Wingdings" panose="05000000000000000000" pitchFamily="2" charset="2"/>
+              </a:rPr>
+              <a:t>41-83X to 12-24X</a:t>
+            </a:r>
+            <a:endParaRPr lang="en-US" sz="3600" b="1" i="1" dirty="0">
+              <a:solidFill>
+                <a:srgbClr val="FFFF00"/>
+              </a:solidFill>
+            </a:endParaRPr>
+          </a:p>
+        </p:txBody>
+      </p:sp>
+      <p:sp>
+        <p:nvSpPr>
+          <p:cNvPr id="8" name="TextBox 7">
+            <a:extLst>
+              <a:ext uri="{FF2B5EF4-FFF2-40B4-BE49-F238E27FC236}">
+                <a16:creationId xmlns:a16="http://schemas.microsoft.com/office/drawing/2014/main" id="{499C3E45-8E13-4647-9379-9DD8A3ABC179}"/>
+              </a:ext>
+            </a:extLst>
+          </p:cNvPr>
+          <p:cNvSpPr txBox="1"/>
+          <p:nvPr/>
+        </p:nvSpPr>
+        <p:spPr>
+          <a:xfrm>
+            <a:off x="0" y="6358383"/>
+            <a:ext cx="12192000" cy="400110"/>
+          </a:xfrm>
+          <a:prstGeom prst="rect">
+            <a:avLst/>
+          </a:prstGeom>
+          <a:noFill/>
+        </p:spPr>
+        <p:txBody>
+          <a:bodyPr wrap="square" rtlCol="0">
+            <a:spAutoFit/>
+          </a:bodyPr>
+          <a:lstStyle/>
+          <a:p>
+            <a:r>
+              <a:rPr lang="en-US" sz="2000" b="1" i="1" dirty="0">
+                <a:solidFill>
+                  <a:srgbClr val="00B0F0"/>
+                </a:solidFill>
+              </a:rPr>
+              <a:t>*AVX2 = Advanced Vector Extensions (extensions to the x86 instruction set architecture for microprocessors. AVX2)</a:t>
+            </a:r>
+            <a:endParaRPr lang="en-US" sz="2000" i="1" dirty="0">
+              <a:solidFill>
+                <a:srgbClr val="00B0F0"/>
+              </a:solidFill>
+            </a:endParaRPr>
           </a:p>
         </p:txBody>
       </p:sp>
     </p:spTree>
     <p:extLst>
       <p:ext uri="{BB962C8B-B14F-4D97-AF65-F5344CB8AC3E}">
-        <p14:creationId xmlns:p14="http://schemas.microsoft.com/office/powerpoint/2010/main" val="324493477"/>
+        <p14:creationId xmlns:p14="http://schemas.microsoft.com/office/powerpoint/2010/main" val="3024870430"/>
       </p:ext>
     </p:extLst>
   </p:cSld>
@@ -14121,7 +14266,7 @@
         <p:spPr>
           <a:xfrm>
             <a:off x="0" y="1104740"/>
-            <a:ext cx="12192000" cy="4724370"/>
+            <a:ext cx="12192000" cy="3570208"/>
           </a:xfrm>
           <a:prstGeom prst="rect">
             <a:avLst/>
@@ -14160,70 +14305,65 @@
               <a:rPr lang="en-US" sz="2500" dirty="0">
                 <a:sym typeface="Wingdings" panose="05000000000000000000" pitchFamily="2" charset="2"/>
               </a:rPr>
-              <a:t>- Had 8-bit results for one DNN on CPU, since AVX2* integer support was hard to do</a:t>
-            </a:r>
-          </a:p>
-          <a:p>
-            <a:endParaRPr lang="en-US" sz="2500" dirty="0">
-              <a:sym typeface="Wingdings" panose="05000000000000000000" pitchFamily="2" charset="2"/>
-            </a:endParaRPr>
-          </a:p>
-          <a:p>
-            <a:r>
-              <a:rPr lang="en-US" sz="2500" dirty="0">
-                <a:sym typeface="Wingdings" panose="05000000000000000000" pitchFamily="2" charset="2"/>
-              </a:rPr>
-              <a:t>	- Less confusion to present all CPU results in floating point vs. one exception, with own roofline</a:t>
-            </a:r>
-          </a:p>
-          <a:p>
-            <a:endParaRPr lang="en-US" sz="2500" dirty="0">
-              <a:sym typeface="Wingdings" panose="05000000000000000000" pitchFamily="2" charset="2"/>
-            </a:endParaRPr>
-          </a:p>
-          <a:p>
-            <a:r>
-              <a:rPr lang="en-US" sz="2500" dirty="0">
-                <a:sym typeface="Wingdings" panose="05000000000000000000" pitchFamily="2" charset="2"/>
-              </a:rPr>
-              <a:t>	- The speedup was ~3.5X</a:t>
-            </a:r>
-          </a:p>
-          <a:p>
-            <a:endParaRPr lang="en-US" sz="2500" dirty="0">
-              <a:sym typeface="Wingdings" panose="05000000000000000000" pitchFamily="2" charset="2"/>
-            </a:endParaRPr>
-          </a:p>
-          <a:p>
-            <a:r>
-              <a:rPr lang="en-US" sz="2500" dirty="0">
-                <a:sym typeface="Wingdings" panose="05000000000000000000" pitchFamily="2" charset="2"/>
-              </a:rPr>
-              <a:t>	- If all DNNs had similar speedup, perf/Watt ratio would drop from </a:t>
-            </a:r>
-            <a:r>
-              <a:rPr lang="en-US" sz="2500" b="1" i="1" dirty="0">
+              <a:t>- New 16-nm, 1.5GHz, 250W </a:t>
+            </a:r>
+            <a:r>
+              <a:rPr lang="en-US" sz="2500" i="1" dirty="0">
                 <a:solidFill>
                   <a:srgbClr val="FFFF00"/>
                 </a:solidFill>
                 <a:sym typeface="Wingdings" panose="05000000000000000000" pitchFamily="2" charset="2"/>
               </a:rPr>
-              <a:t>41-83X to 12-24X</a:t>
-            </a:r>
-            <a:endParaRPr lang="en-US" sz="3600" b="1" i="1" dirty="0">
-              <a:solidFill>
-                <a:srgbClr val="FFFF00"/>
-              </a:solidFill>
-            </a:endParaRPr>
-          </a:p>
-        </p:txBody>
-      </p:sp>
-      <p:sp>
-        <p:nvSpPr>
-          <p:cNvPr id="8" name="TextBox 7">
+              <a:t>Pascal P40 GPU </a:t>
+            </a:r>
+            <a:r>
+              <a:rPr lang="en-US" sz="2500" dirty="0">
+                <a:sym typeface="Wingdings" panose="05000000000000000000" pitchFamily="2" charset="2"/>
+              </a:rPr>
+              <a:t>peak performance 47 Tera 8-bit ops/sec</a:t>
+            </a:r>
+          </a:p>
+          <a:p>
+            <a:r>
+              <a:rPr lang="en-US" sz="2500" dirty="0">
+                <a:sym typeface="Wingdings" panose="05000000000000000000" pitchFamily="2" charset="2"/>
+              </a:rPr>
+              <a:t>		1) Unavailable  in early 2015</a:t>
+            </a:r>
+          </a:p>
+          <a:p>
+            <a:r>
+              <a:rPr lang="en-US" sz="2500" dirty="0">
+                <a:sym typeface="Wingdings" panose="05000000000000000000" pitchFamily="2" charset="2"/>
+              </a:rPr>
+              <a:t>		2) No SECDED* for P40 memory  not for datacenters</a:t>
+            </a:r>
+          </a:p>
+          <a:p>
+            <a:r>
+              <a:rPr lang="en-US" sz="2500" dirty="0">
+                <a:sym typeface="Wingdings" panose="05000000000000000000" pitchFamily="2" charset="2"/>
+              </a:rPr>
+              <a:t>   		3) 0.5 peak of TPU and 3X-6X more power </a:t>
+            </a:r>
+          </a:p>
+          <a:p>
+            <a:r>
+              <a:rPr lang="en-US" sz="2500" dirty="0">
+                <a:sym typeface="Wingdings" panose="05000000000000000000" pitchFamily="2" charset="2"/>
+              </a:rPr>
+              <a:t>		4) Fraction of P40 peak delivered in 7ms deadline??!</a:t>
+            </a:r>
+            <a:endParaRPr lang="en-US" sz="3600" dirty="0"/>
+          </a:p>
+        </p:txBody>
+      </p:sp>
+      <p:sp>
+        <p:nvSpPr>
+          <p:cNvPr id="9" name="TextBox 8">
             <a:extLst>
               <a:ext uri="{FF2B5EF4-FFF2-40B4-BE49-F238E27FC236}">
-                <a16:creationId xmlns:a16="http://schemas.microsoft.com/office/drawing/2014/main" id="{499C3E45-8E13-4647-9379-9DD8A3ABC179}"/>
+                <a16:creationId xmlns:a16="http://schemas.microsoft.com/office/drawing/2014/main" id="{61977F30-7AAE-4DE9-901D-1F94FF3CCEB1}"/>
               </a:ext>
             </a:extLst>
           </p:cNvPr>
@@ -14232,8 +14372,8 @@
         </p:nvSpPr>
         <p:spPr>
           <a:xfrm>
-            <a:off x="0" y="6358383"/>
-            <a:ext cx="12192000" cy="400110"/>
+            <a:off x="123986" y="6265394"/>
+            <a:ext cx="12192000" cy="461665"/>
           </a:xfrm>
           <a:prstGeom prst="rect">
             <a:avLst/>
@@ -14247,14 +14387,14 @@
           <a:lstStyle/>
           <a:p>
             <a:r>
-              <a:rPr lang="en-US" sz="2000" b="1" i="1" dirty="0">
+              <a:rPr lang="en-US" sz="2400" b="1" i="1" dirty="0">
                 <a:solidFill>
                   <a:srgbClr val="00B0F0"/>
                 </a:solidFill>
               </a:rPr>
-              <a:t>*AVX2 = Advanced Vector Extensions (extensions to the x86 instruction set architecture for microprocessors. AVX2)</a:t>
-            </a:r>
-            <a:endParaRPr lang="en-US" sz="2000" i="1" dirty="0">
+              <a:t>*SECDED =Single-Error Correcting and Double-Error Detecting </a:t>
+            </a:r>
+            <a:endParaRPr lang="en-US" sz="2400" i="1" dirty="0">
               <a:solidFill>
                 <a:srgbClr val="00B0F0"/>
               </a:solidFill>
@@ -14265,7 +14405,7 @@
     </p:spTree>
     <p:extLst>
       <p:ext uri="{BB962C8B-B14F-4D97-AF65-F5344CB8AC3E}">
-        <p14:creationId xmlns:p14="http://schemas.microsoft.com/office/powerpoint/2010/main" val="3024870430"/>
+        <p14:creationId xmlns:p14="http://schemas.microsoft.com/office/powerpoint/2010/main" val="1297726197"/>
       </p:ext>
     </p:extLst>
   </p:cSld>
@@ -14381,7 +14521,7 @@
         <p:spPr>
           <a:xfrm>
             <a:off x="0" y="1104740"/>
-            <a:ext cx="12192000" cy="3570208"/>
+            <a:ext cx="12192000" cy="3185487"/>
           </a:xfrm>
           <a:prstGeom prst="rect">
             <a:avLst/>
@@ -14401,7 +14541,7 @@
                 </a:solidFill>
                 <a:sym typeface="Wingdings" panose="05000000000000000000" pitchFamily="2" charset="2"/>
               </a:rPr>
-              <a:t>	Pitfall: CPU/GPU results would be comparable to TPU if used more efficiently or compared to newer versions </a:t>
+              <a:t>	Fallacy: The only path left to increase TPU performance is hardware upgrade </a:t>
             </a:r>
           </a:p>
           <a:p>
@@ -14420,107 +14560,24 @@
               <a:rPr lang="en-US" sz="2500" dirty="0">
                 <a:sym typeface="Wingdings" panose="05000000000000000000" pitchFamily="2" charset="2"/>
               </a:rPr>
-              <a:t>- New 16-nm, 1.5GHz, 250W </a:t>
-            </a:r>
-            <a:r>
-              <a:rPr lang="en-US" sz="2500" i="1" dirty="0">
-                <a:solidFill>
-                  <a:srgbClr val="FFFF00"/>
-                </a:solidFill>
-                <a:sym typeface="Wingdings" panose="05000000000000000000" pitchFamily="2" charset="2"/>
-              </a:rPr>
-              <a:t>Pascal P40 GPU </a:t>
-            </a:r>
+              <a:t>- CNN application can be improved if compiler writers tried to match CNN to TPU hardware</a:t>
+            </a:r>
+          </a:p>
+          <a:p>
             <a:r>
               <a:rPr lang="en-US" sz="2500" dirty="0">
                 <a:sym typeface="Wingdings" panose="05000000000000000000" pitchFamily="2" charset="2"/>
               </a:rPr>
-              <a:t>peak performance 47 Tera 8-bit ops/sec</a:t>
-            </a:r>
-          </a:p>
-          <a:p>
-            <a:r>
-              <a:rPr lang="en-US" sz="2500" dirty="0">
-                <a:sym typeface="Wingdings" panose="05000000000000000000" pitchFamily="2" charset="2"/>
-              </a:rPr>
-              <a:t>		1) Unavailable  in early 2015</a:t>
-            </a:r>
-          </a:p>
-          <a:p>
-            <a:r>
-              <a:rPr lang="en-US" sz="2500" dirty="0">
-                <a:sym typeface="Wingdings" panose="05000000000000000000" pitchFamily="2" charset="2"/>
-              </a:rPr>
-              <a:t>		2) No SECDED* for P40 memory  not for datacenters</a:t>
-            </a:r>
-          </a:p>
-          <a:p>
-            <a:r>
-              <a:rPr lang="en-US" sz="2500" dirty="0">
-                <a:sym typeface="Wingdings" panose="05000000000000000000" pitchFamily="2" charset="2"/>
-              </a:rPr>
-              <a:t>   		3) 0.5 peak of TPU and 3X-6X more power </a:t>
-            </a:r>
-          </a:p>
-          <a:p>
-            <a:r>
-              <a:rPr lang="en-US" sz="2500" dirty="0">
-                <a:sym typeface="Wingdings" panose="05000000000000000000" pitchFamily="2" charset="2"/>
-              </a:rPr>
-              <a:t>		4) Fraction of P40 peak delivered in 7ms deadline??!</a:t>
+              <a:t>	- Reorganize the application too aggregate multiple short batches out of the convolution layers in to a single, deeper batch (from 32 to 128). </a:t>
             </a:r>
             <a:endParaRPr lang="en-US" sz="3600" dirty="0"/>
-          </a:p>
-        </p:txBody>
-      </p:sp>
-      <p:sp>
-        <p:nvSpPr>
-          <p:cNvPr id="9" name="TextBox 8">
-            <a:extLst>
-              <a:ext uri="{FF2B5EF4-FFF2-40B4-BE49-F238E27FC236}">
-                <a16:creationId xmlns:a16="http://schemas.microsoft.com/office/drawing/2014/main" id="{61977F30-7AAE-4DE9-901D-1F94FF3CCEB1}"/>
-              </a:ext>
-            </a:extLst>
-          </p:cNvPr>
-          <p:cNvSpPr txBox="1"/>
-          <p:nvPr/>
-        </p:nvSpPr>
-        <p:spPr>
-          <a:xfrm>
-            <a:off x="123986" y="6265394"/>
-            <a:ext cx="12192000" cy="461665"/>
-          </a:xfrm>
-          <a:prstGeom prst="rect">
-            <a:avLst/>
-          </a:prstGeom>
-          <a:noFill/>
-        </p:spPr>
-        <p:txBody>
-          <a:bodyPr wrap="square" rtlCol="0">
-            <a:spAutoFit/>
-          </a:bodyPr>
-          <a:lstStyle/>
-          <a:p>
-            <a:r>
-              <a:rPr lang="en-US" sz="2400" b="1" i="1" dirty="0">
-                <a:solidFill>
-                  <a:srgbClr val="00B0F0"/>
-                </a:solidFill>
-              </a:rPr>
-              <a:t>*SECDED =Single-Error Correcting and Double-Error Detecting </a:t>
-            </a:r>
-            <a:endParaRPr lang="en-US" sz="2400" i="1" dirty="0">
-              <a:solidFill>
-                <a:srgbClr val="00B0F0"/>
-              </a:solidFill>
-            </a:endParaRPr>
           </a:p>
         </p:txBody>
       </p:sp>
     </p:spTree>
     <p:extLst>
       <p:ext uri="{BB962C8B-B14F-4D97-AF65-F5344CB8AC3E}">
-        <p14:creationId xmlns:p14="http://schemas.microsoft.com/office/powerpoint/2010/main" val="1297726197"/>
+        <p14:creationId xmlns:p14="http://schemas.microsoft.com/office/powerpoint/2010/main" val="1985586300"/>
       </p:ext>
     </p:extLst>
   </p:cSld>
@@ -14636,7 +14693,7 @@
         <p:spPr>
           <a:xfrm>
             <a:off x="0" y="1104740"/>
-            <a:ext cx="12192000" cy="3185487"/>
+            <a:ext cx="12192000" cy="4724370"/>
           </a:xfrm>
           <a:prstGeom prst="rect">
             <a:avLst/>
@@ -14656,7 +14713,7 @@
                 </a:solidFill>
                 <a:sym typeface="Wingdings" panose="05000000000000000000" pitchFamily="2" charset="2"/>
               </a:rPr>
-              <a:t>	Fallacy: The only path left to increase TPU performance is hardware upgrade </a:t>
+              <a:t>	Fallacy: For NN hardware, Inferences Per Seconds (IPS) is an inaccurate summary performance metric</a:t>
             </a:r>
           </a:p>
           <a:p>
@@ -14675,15 +14732,75 @@
               <a:rPr lang="en-US" sz="2500" dirty="0">
                 <a:sym typeface="Wingdings" panose="05000000000000000000" pitchFamily="2" charset="2"/>
               </a:rPr>
-              <a:t>- CNN application can be improved if compiler writers tried to match CNN to TPU hardware</a:t>
-            </a:r>
+              <a:t>- IPS is the inverse of the complexity of the typical of the typical inference in the application (e.g., number, size, and type of NN layers)</a:t>
+            </a:r>
+          </a:p>
+          <a:p>
+            <a:endParaRPr lang="en-US" sz="2500" dirty="0">
+              <a:sym typeface="Wingdings" panose="05000000000000000000" pitchFamily="2" charset="2"/>
+            </a:endParaRPr>
           </a:p>
           <a:p>
             <a:r>
               <a:rPr lang="en-US" sz="2500" dirty="0">
                 <a:sym typeface="Wingdings" panose="05000000000000000000" pitchFamily="2" charset="2"/>
               </a:rPr>
-              <a:t>	- Reorganize the application too aggregate multiple short batches out of the convolution layers in to a single, deeper batch (from 32 to 128). </a:t>
+              <a:t>	- Example: TPU runs the 4-layers MLP1 at </a:t>
+            </a:r>
+            <a:r>
+              <a:rPr lang="en-US" sz="2500" b="1" i="1" dirty="0">
+                <a:solidFill>
+                  <a:srgbClr val="FFFF00"/>
+                </a:solidFill>
+                <a:sym typeface="Wingdings" panose="05000000000000000000" pitchFamily="2" charset="2"/>
+              </a:rPr>
+              <a:t>360K </a:t>
+            </a:r>
+            <a:r>
+              <a:rPr lang="en-US" sz="2500" dirty="0">
+                <a:sym typeface="Wingdings" panose="05000000000000000000" pitchFamily="2" charset="2"/>
+              </a:rPr>
+              <a:t>IPS but the 89-layer CNN1 at only </a:t>
+            </a:r>
+            <a:r>
+              <a:rPr lang="en-US" sz="2500" b="1" i="1" dirty="0">
+                <a:solidFill>
+                  <a:srgbClr val="FFFF00"/>
+                </a:solidFill>
+                <a:sym typeface="Wingdings" panose="05000000000000000000" pitchFamily="2" charset="2"/>
+              </a:rPr>
+              <a:t>4K</a:t>
+            </a:r>
+            <a:r>
+              <a:rPr lang="en-US" sz="2500" dirty="0">
+                <a:sym typeface="Wingdings" panose="05000000000000000000" pitchFamily="2" charset="2"/>
+              </a:rPr>
+              <a:t>, so TPU IPS vary by </a:t>
+            </a:r>
+            <a:r>
+              <a:rPr lang="en-US" sz="2500" b="1" i="1" dirty="0">
+                <a:solidFill>
+                  <a:srgbClr val="FFFF00"/>
+                </a:solidFill>
+                <a:sym typeface="Wingdings" panose="05000000000000000000" pitchFamily="2" charset="2"/>
+              </a:rPr>
+              <a:t>75X</a:t>
+            </a:r>
+          </a:p>
+          <a:p>
+            <a:endParaRPr lang="en-US" sz="2500" b="1" i="1" dirty="0">
+              <a:solidFill>
+                <a:srgbClr val="FFFF00"/>
+              </a:solidFill>
+              <a:sym typeface="Wingdings" panose="05000000000000000000" pitchFamily="2" charset="2"/>
+            </a:endParaRPr>
+          </a:p>
+          <a:p>
+            <a:r>
+              <a:rPr lang="en-US" sz="2500" dirty="0">
+                <a:sym typeface="Wingdings" panose="05000000000000000000" pitchFamily="2" charset="2"/>
+              </a:rPr>
+              <a:t>	- To compare NN machines, benchmark suite is needed on a high-level to port in a wide variety of NN architectures  </a:t>
             </a:r>
             <a:endParaRPr lang="en-US" sz="3600" dirty="0"/>
           </a:p>
@@ -14692,7 +14809,7 @@
     </p:spTree>
     <p:extLst>
       <p:ext uri="{BB962C8B-B14F-4D97-AF65-F5344CB8AC3E}">
-        <p14:creationId xmlns:p14="http://schemas.microsoft.com/office/powerpoint/2010/main" val="1985586300"/>
+        <p14:creationId xmlns:p14="http://schemas.microsoft.com/office/powerpoint/2010/main" val="3314701309"/>
       </p:ext>
     </p:extLst>
   </p:cSld>
@@ -14754,13 +14871,7 @@
       </p:cxnSp>
       <p:sp>
         <p:nvSpPr>
-          <p:cNvPr id="6" name="TextBox 5">
-            <a:extLst>
-              <a:ext uri="{FF2B5EF4-FFF2-40B4-BE49-F238E27FC236}">
-                <a16:creationId xmlns:a16="http://schemas.microsoft.com/office/drawing/2014/main" id="{EDFA6E9E-EBD9-47A4-B817-97EF86115B0F}"/>
-              </a:ext>
-            </a:extLst>
-          </p:cNvPr>
+          <p:cNvPr id="9" name="TextBox 8"/>
           <p:cNvSpPr txBox="1"/>
           <p:nvPr/>
         </p:nvSpPr>
@@ -14788,17 +14899,17 @@
                 <a:latin typeface="Arial" panose="020B0604020202020204" pitchFamily="34" charset="0"/>
                 <a:cs typeface="Arial" panose="020B0604020202020204" pitchFamily="34" charset="0"/>
               </a:rPr>
-              <a:t>Discussion</a:t>
-            </a:r>
-          </a:p>
-        </p:txBody>
-      </p:sp>
-      <p:sp>
-        <p:nvSpPr>
-          <p:cNvPr id="7" name="TextBox 6">
+              <a:t>Beyond TPU</a:t>
+            </a:r>
+          </a:p>
+        </p:txBody>
+      </p:sp>
+      <p:sp>
+        <p:nvSpPr>
+          <p:cNvPr id="2" name="TextBox 1">
             <a:extLst>
               <a:ext uri="{FF2B5EF4-FFF2-40B4-BE49-F238E27FC236}">
-                <a16:creationId xmlns:a16="http://schemas.microsoft.com/office/drawing/2014/main" id="{53DC3FFF-98D0-48FF-94E0-9C3EA3829384}"/>
+                <a16:creationId xmlns:a16="http://schemas.microsoft.com/office/drawing/2014/main" id="{9BDB2CCB-CE08-4D4F-9B4A-297E1CE6D49E}"/>
               </a:ext>
             </a:extLst>
           </p:cNvPr>
@@ -14807,8 +14918,8 @@
         </p:nvSpPr>
         <p:spPr>
           <a:xfrm>
-            <a:off x="0" y="1104740"/>
-            <a:ext cx="12192000" cy="4724370"/>
+            <a:off x="523874" y="1104740"/>
+            <a:ext cx="11668126" cy="646331"/>
           </a:xfrm>
           <a:prstGeom prst="rect">
             <a:avLst/>
@@ -14821,102 +14932,109 @@
           </a:bodyPr>
           <a:lstStyle/>
           <a:p>
-            <a:r>
-              <a:rPr lang="en-US" sz="3600" dirty="0">
-                <a:solidFill>
-                  <a:srgbClr val="FF99FF"/>
-                </a:solidFill>
-                <a:sym typeface="Wingdings" panose="05000000000000000000" pitchFamily="2" charset="2"/>
-              </a:rPr>
-              <a:t>	Fallacy: For NN hardware, Inferences Per Seconds (IPS) is an inaccurate summary performance metric</a:t>
-            </a:r>
-          </a:p>
-          <a:p>
-            <a:endParaRPr lang="en-US" dirty="0">
-              <a:sym typeface="Wingdings" panose="05000000000000000000" pitchFamily="2" charset="2"/>
-            </a:endParaRPr>
-          </a:p>
-          <a:p>
-            <a:r>
-              <a:rPr lang="en-US" sz="3600" dirty="0">
-                <a:sym typeface="Wingdings" panose="05000000000000000000" pitchFamily="2" charset="2"/>
-              </a:rPr>
-              <a:t>	</a:t>
-            </a:r>
-            <a:r>
-              <a:rPr lang="en-US" sz="2500" dirty="0">
-                <a:sym typeface="Wingdings" panose="05000000000000000000" pitchFamily="2" charset="2"/>
-              </a:rPr>
-              <a:t>- IPS is the inverse of the complexity of the typical of the typical inference in the application (e.g., number, size, and type of NN layers)</a:t>
-            </a:r>
-          </a:p>
-          <a:p>
-            <a:endParaRPr lang="en-US" sz="2500" dirty="0">
-              <a:sym typeface="Wingdings" panose="05000000000000000000" pitchFamily="2" charset="2"/>
-            </a:endParaRPr>
-          </a:p>
-          <a:p>
-            <a:r>
-              <a:rPr lang="en-US" sz="2500" dirty="0">
-                <a:sym typeface="Wingdings" panose="05000000000000000000" pitchFamily="2" charset="2"/>
-              </a:rPr>
-              <a:t>	- Example: TPU runs the 4-layers MLP1 at </a:t>
-            </a:r>
-            <a:r>
-              <a:rPr lang="en-US" sz="2500" b="1" i="1" dirty="0">
-                <a:solidFill>
-                  <a:srgbClr val="FFFF00"/>
-                </a:solidFill>
-                <a:sym typeface="Wingdings" panose="05000000000000000000" pitchFamily="2" charset="2"/>
-              </a:rPr>
-              <a:t>360K </a:t>
-            </a:r>
-            <a:r>
-              <a:rPr lang="en-US" sz="2500" dirty="0">
-                <a:sym typeface="Wingdings" panose="05000000000000000000" pitchFamily="2" charset="2"/>
-              </a:rPr>
-              <a:t>IPS but the 89-layer CNN1 at only </a:t>
-            </a:r>
-            <a:r>
-              <a:rPr lang="en-US" sz="2500" b="1" i="1" dirty="0">
-                <a:solidFill>
-                  <a:srgbClr val="FFFF00"/>
-                </a:solidFill>
-                <a:sym typeface="Wingdings" panose="05000000000000000000" pitchFamily="2" charset="2"/>
-              </a:rPr>
-              <a:t>4K</a:t>
-            </a:r>
-            <a:r>
-              <a:rPr lang="en-US" sz="2500" dirty="0">
-                <a:sym typeface="Wingdings" panose="05000000000000000000" pitchFamily="2" charset="2"/>
-              </a:rPr>
-              <a:t>, so TPU IPS vary by </a:t>
-            </a:r>
-            <a:r>
-              <a:rPr lang="en-US" sz="2500" b="1" i="1" dirty="0">
-                <a:solidFill>
-                  <a:srgbClr val="FFFF00"/>
-                </a:solidFill>
-                <a:sym typeface="Wingdings" panose="05000000000000000000" pitchFamily="2" charset="2"/>
-              </a:rPr>
-              <a:t>75X</a:t>
-            </a:r>
-          </a:p>
-          <a:p>
-            <a:endParaRPr lang="en-US" sz="2500" b="1" i="1" dirty="0">
-              <a:solidFill>
-                <a:srgbClr val="FFFF00"/>
-              </a:solidFill>
-              <a:sym typeface="Wingdings" panose="05000000000000000000" pitchFamily="2" charset="2"/>
-            </a:endParaRPr>
-          </a:p>
-          <a:p>
-            <a:r>
-              <a:rPr lang="en-US" sz="2500" dirty="0">
-                <a:sym typeface="Wingdings" panose="05000000000000000000" pitchFamily="2" charset="2"/>
-              </a:rPr>
-              <a:t>	- To compare NN machines, benchmark suite is needed on a high-level to port in a wide variety of NN architectures  </a:t>
-            </a:r>
+            <a:pPr lvl="1"/>
+            <a:endParaRPr lang="en-US" sz="3600" dirty="0"/>
+          </a:p>
+        </p:txBody>
+      </p:sp>
+      <p:sp>
+        <p:nvSpPr>
+          <p:cNvPr id="6" name="TextBox 5">
+            <a:extLst>
+              <a:ext uri="{FF2B5EF4-FFF2-40B4-BE49-F238E27FC236}">
+                <a16:creationId xmlns:a16="http://schemas.microsoft.com/office/drawing/2014/main" id="{1DE76B85-2A68-40CB-B0A7-F361F15E7544}"/>
+              </a:ext>
+            </a:extLst>
+          </p:cNvPr>
+          <p:cNvSpPr txBox="1"/>
+          <p:nvPr/>
+        </p:nvSpPr>
+        <p:spPr>
+          <a:xfrm>
+            <a:off x="523874" y="1104740"/>
+            <a:ext cx="11668126" cy="4339650"/>
+          </a:xfrm>
+          <a:prstGeom prst="rect">
+            <a:avLst/>
+          </a:prstGeom>
+          <a:noFill/>
+        </p:spPr>
+        <p:txBody>
+          <a:bodyPr wrap="square" rtlCol="0">
+            <a:spAutoFit/>
+          </a:bodyPr>
+          <a:lstStyle/>
+          <a:p>
+            <a:pPr marL="571500" indent="-571500">
+              <a:buFont typeface="Arial" panose="020B0604020202020204" pitchFamily="34" charset="0"/>
+              <a:buChar char="•"/>
+            </a:pPr>
+            <a:r>
+              <a:rPr lang="en-US" sz="3200" dirty="0"/>
+              <a:t>Second-generation:</a:t>
+            </a:r>
+          </a:p>
+          <a:p>
+            <a:pPr marL="1028700" lvl="1" indent="-571500">
+              <a:buFont typeface="Arial" panose="020B0604020202020204" pitchFamily="34" charset="0"/>
+              <a:buChar char="•"/>
+            </a:pPr>
+            <a:r>
+              <a:rPr lang="en-US" sz="3200" dirty="0"/>
+              <a:t>Train + inference </a:t>
+            </a:r>
+          </a:p>
+          <a:p>
+            <a:pPr marL="1028700" lvl="1" indent="-571500">
+              <a:buFont typeface="Arial" panose="020B0604020202020204" pitchFamily="34" charset="0"/>
+              <a:buChar char="•"/>
+            </a:pPr>
+            <a:r>
+              <a:rPr lang="en-US" sz="3200" dirty="0"/>
+              <a:t>Up to 180 TOPS (floating-point) </a:t>
+            </a:r>
+          </a:p>
+          <a:p>
+            <a:pPr marL="1028700" lvl="1" indent="-571500">
+              <a:buFont typeface="Arial" panose="020B0604020202020204" pitchFamily="34" charset="0"/>
+              <a:buChar char="•"/>
+            </a:pPr>
+            <a:r>
+              <a:rPr lang="en-US" sz="3200" dirty="0"/>
+              <a:t>Custom high-speed network </a:t>
+            </a:r>
+          </a:p>
+          <a:p>
+            <a:pPr marL="1028700" lvl="1" indent="-571500">
+              <a:buFont typeface="Arial" panose="020B0604020202020204" pitchFamily="34" charset="0"/>
+              <a:buChar char="•"/>
+            </a:pPr>
+            <a:r>
+              <a:rPr lang="en-US" sz="3200" dirty="0"/>
+              <a:t>Able to connect 64 2nd-gen TPU to deliver 11.5 petaflops (“</a:t>
+            </a:r>
+            <a:r>
+              <a:rPr lang="en-US" sz="3200" i="1" dirty="0"/>
+              <a:t>TPU pod</a:t>
+            </a:r>
+            <a:r>
+              <a:rPr lang="en-US" sz="3200" dirty="0"/>
+              <a:t>”)</a:t>
+            </a:r>
+          </a:p>
+          <a:p>
+            <a:pPr marL="1028700" lvl="1" indent="-571500">
+              <a:buFont typeface="Arial" panose="020B0604020202020204" pitchFamily="34" charset="0"/>
+              <a:buChar char="•"/>
+            </a:pPr>
+            <a:endParaRPr lang="en-US" sz="3200" dirty="0"/>
+          </a:p>
+          <a:p>
+            <a:pPr lvl="1"/>
+            <a:endParaRPr lang="en-US" sz="1600" dirty="0"/>
+          </a:p>
+          <a:p>
+            <a:pPr lvl="1"/>
             <a:endParaRPr lang="en-US" sz="3600" dirty="0"/>
           </a:p>
         </p:txBody>
@@ -14924,7 +15042,7 @@
     </p:spTree>
     <p:extLst>
       <p:ext uri="{BB962C8B-B14F-4D97-AF65-F5344CB8AC3E}">
-        <p14:creationId xmlns:p14="http://schemas.microsoft.com/office/powerpoint/2010/main" val="3314701309"/>
+        <p14:creationId xmlns:p14="http://schemas.microsoft.com/office/powerpoint/2010/main" val="789106967"/>
       </p:ext>
     </p:extLst>
   </p:cSld>
@@ -15173,6 +15291,41 @@
       </p:cxnSp>
       <p:sp>
         <p:nvSpPr>
+          <p:cNvPr id="9" name="TextBox 8"/>
+          <p:cNvSpPr txBox="1"/>
+          <p:nvPr/>
+        </p:nvSpPr>
+        <p:spPr>
+          <a:xfrm>
+            <a:off x="523874" y="-29577"/>
+            <a:ext cx="7858126" cy="923330"/>
+          </a:xfrm>
+          <a:prstGeom prst="rect">
+            <a:avLst/>
+          </a:prstGeom>
+          <a:noFill/>
+        </p:spPr>
+        <p:txBody>
+          <a:bodyPr wrap="square" rtlCol="0">
+            <a:spAutoFit/>
+          </a:bodyPr>
+          <a:lstStyle/>
+          <a:p>
+            <a:r>
+              <a:rPr lang="en-US" sz="5400" b="1" dirty="0">
+                <a:solidFill>
+                  <a:srgbClr val="92D050"/>
+                </a:solidFill>
+                <a:latin typeface="Arial" panose="020B0604020202020204" pitchFamily="34" charset="0"/>
+                <a:cs typeface="Arial" panose="020B0604020202020204" pitchFamily="34" charset="0"/>
+              </a:rPr>
+              <a:t>TPU Origin Story</a:t>
+            </a:r>
+          </a:p>
+        </p:txBody>
+      </p:sp>
+      <p:sp>
+        <p:nvSpPr>
           <p:cNvPr id="2" name="TextBox 1">
             <a:extLst>
               <a:ext uri="{FF2B5EF4-FFF2-40B4-BE49-F238E27FC236}">
@@ -15186,7 +15339,7 @@
         <p:spPr>
           <a:xfrm>
             <a:off x="523874" y="1104740"/>
-            <a:ext cx="11668126" cy="3139321"/>
+            <a:ext cx="11668126" cy="5909310"/>
           </a:xfrm>
           <a:prstGeom prst="rect">
             <a:avLst/>
@@ -15200,82 +15353,141 @@
           <a:lstStyle/>
           <a:p>
             <a:r>
+              <a:rPr lang="en-US" b="1" dirty="0"/>
+              <a:t>2013: Prepare for success-disaster of new DNN apps</a:t>
+            </a:r>
+          </a:p>
+          <a:p>
+            <a:r>
+              <a:rPr lang="en-US" b="1" dirty="0"/>
+              <a:t>	</a:t>
+            </a:r>
+            <a:r>
               <a:rPr lang="en-US" dirty="0"/>
-              <a:t>Domain Specific Architecture </a:t>
+              <a:t>Scenario with users speaking to phones 3 minutes a day:</a:t>
             </a:r>
           </a:p>
           <a:p>
             <a:r>
               <a:rPr lang="en-US" dirty="0"/>
-              <a:t>Key NN Concepts for Architects:</a:t>
-            </a:r>
-          </a:p>
-          <a:p>
+              <a:t>	If only CPUs, need 2X whole datacenter fleet for speech DNNS</a:t>
+            </a:r>
+          </a:p>
+          <a:p>
+            <a:r>
+              <a:rPr lang="en-US" b="1" dirty="0"/>
+              <a:t>Custom HW to reduce the TCO of DNN inference phase by 10X vs. GPU</a:t>
+            </a:r>
+          </a:p>
+          <a:p>
+            <a:r>
+              <a:rPr lang="en-US" b="1" dirty="0"/>
+              <a:t>A very short development cycle </a:t>
+            </a:r>
+          </a:p>
+          <a:p>
+            <a:r>
+              <a:rPr lang="en-US" b="1" dirty="0"/>
+              <a:t>	</a:t>
+            </a:r>
             <a:r>
               <a:rPr lang="en-US" dirty="0"/>
-              <a:t>	- Training vs. inference </a:t>
-            </a:r>
-          </a:p>
-          <a:p>
+              <a:t>Started project 2014, running in datacenter 15 months later:</a:t>
+            </a:r>
+          </a:p>
+          <a:p>
+            <a:r>
+              <a:rPr lang="en-US" b="1" dirty="0"/>
+              <a:t>		</a:t>
+            </a:r>
             <a:r>
               <a:rPr lang="en-US" dirty="0"/>
-              <a:t>	- Batch size </a:t>
-            </a:r>
-          </a:p>
-          <a:p>
-            <a:r>
-              <a:rPr lang="en-US" dirty="0"/>
-              <a:t>		Problem: DNNs have millions of weights that take a long time to load from memory (DRAM)</a:t>
-            </a:r>
-          </a:p>
-          <a:p>
-            <a:r>
-              <a:rPr lang="en-US" dirty="0"/>
-              <a:t>		Solution: Large batch </a:t>
-            </a:r>
-            <a:r>
-              <a:rPr lang="en-US" dirty="0">
-                <a:sym typeface="Wingdings" panose="05000000000000000000" pitchFamily="2" charset="2"/>
-              </a:rPr>
-              <a:t> amortize weight-fetch time by inferring (or training) many input examples at a time</a:t>
-            </a:r>
-          </a:p>
-          <a:p>
-            <a:r>
-              <a:rPr lang="en-US" dirty="0">
-                <a:sym typeface="Wingdings" panose="05000000000000000000" pitchFamily="2" charset="2"/>
-              </a:rPr>
-              <a:t>	- Floating-point vs. Integer (“Quantization”)</a:t>
-            </a:r>
-          </a:p>
-          <a:p>
-            <a:r>
-              <a:rPr lang="en-US" dirty="0">
-                <a:sym typeface="Wingdings" panose="05000000000000000000" pitchFamily="2" charset="2"/>
-              </a:rPr>
-              <a:t>		Training in floating point on GPU </a:t>
-            </a:r>
-          </a:p>
-          <a:p>
-            <a:r>
-              <a:rPr lang="en-US" dirty="0">
-                <a:sym typeface="Wingdings" panose="05000000000000000000" pitchFamily="2" charset="2"/>
-              </a:rPr>
-              <a:t>		Inferring in Integers faster, lower energy, smaller </a:t>
-            </a:r>
-          </a:p>
-          <a:p>
-            <a:endParaRPr lang="en-US" dirty="0"/>
-          </a:p>
-          <a:p>
-            <a:endParaRPr lang="en-US" dirty="0"/>
+              <a:t>Architecture invention, compiler invention, hardware design, build, test and deploying </a:t>
+            </a:r>
+          </a:p>
+          <a:p>
+            <a:r>
+              <a:rPr lang="en-US" b="1" dirty="0"/>
+              <a:t>It was announced during Google I/O May 18, 2016 as ’10X performance/Watt’</a:t>
+            </a:r>
+          </a:p>
+          <a:p>
+            <a:endParaRPr lang="en-US" b="1" dirty="0"/>
+          </a:p>
+          <a:p>
+            <a:r>
+              <a:rPr lang="en-US" b="1" dirty="0"/>
+              <a:t>3 Types of NNS (represented 95% of the workload in Google data centers)</a:t>
+            </a:r>
+          </a:p>
+          <a:p>
+            <a:r>
+              <a:rPr lang="en-US" b="1" dirty="0"/>
+              <a:t>	1. Multilayer </a:t>
+            </a:r>
+            <a:r>
+              <a:rPr lang="en-US" b="1" dirty="0" err="1"/>
+              <a:t>Perceptrons</a:t>
+            </a:r>
+            <a:r>
+              <a:rPr lang="en-US" b="1" dirty="0"/>
+              <a:t> (MLP)</a:t>
+            </a:r>
+          </a:p>
+          <a:p>
+            <a:r>
+              <a:rPr lang="en-US" b="1" dirty="0"/>
+              <a:t>		Each new layer applied nonlinear function F to weighted sum of all output from prior layers (fully connected)</a:t>
+            </a:r>
+          </a:p>
+          <a:p>
+            <a:r>
+              <a:rPr lang="en-US" b="1" dirty="0"/>
+              <a:t>	2. Convolutional Neural Network</a:t>
+            </a:r>
+          </a:p>
+          <a:p>
+            <a:r>
+              <a:rPr lang="en-US" b="1" dirty="0"/>
+              <a:t>		Like MLP, but same weights reused on nearby subsets of outputs from prior layer</a:t>
+            </a:r>
+          </a:p>
+          <a:p>
+            <a:r>
+              <a:rPr lang="en-US" b="1" dirty="0"/>
+              <a:t>	3. Recurrent NN/”Long Short-Term Memory”</a:t>
+            </a:r>
+          </a:p>
+          <a:p>
+            <a:r>
+              <a:rPr lang="en-US" b="1" dirty="0"/>
+              <a:t>		Each new layer a NL function of weighted sums of paste state and prior outputs; same weights reused across time steps </a:t>
+            </a:r>
+          </a:p>
+          <a:p>
+            <a:r>
+              <a:rPr lang="en-US" b="1" dirty="0"/>
+              <a:t> Talks about Table 1: this is the benchmark they will use in the paper. Get an idea about the number of layers (4 up to 90),</a:t>
+            </a:r>
+          </a:p>
+          <a:p>
+            <a:r>
+              <a:rPr lang="en-US" b="1" dirty="0"/>
+              <a:t>number of weights from 5M to 100M, batch sizes varies from 8 up to 200. CNN is just about 5% of the workload, while MLP takes up to 60% of the workload. </a:t>
+            </a:r>
+          </a:p>
+          <a:p>
+            <a:r>
+              <a:rPr lang="en-US" b="1" dirty="0"/>
+              <a:t>	</a:t>
+            </a:r>
           </a:p>
         </p:txBody>
       </p:sp>
     </p:spTree>
     <p:extLst>
       <p:ext uri="{BB962C8B-B14F-4D97-AF65-F5344CB8AC3E}">
-        <p14:creationId xmlns:p14="http://schemas.microsoft.com/office/powerpoint/2010/main" val="3126596406"/>
+        <p14:creationId xmlns:p14="http://schemas.microsoft.com/office/powerpoint/2010/main" val="3776838933"/>
       </p:ext>
     </p:extLst>
   </p:cSld>
@@ -15444,7 +15656,15 @@
             </a:pPr>
             <a:r>
               <a:rPr lang="en-US" sz="3600" dirty="0"/>
-              <a:t>Custom HW to reduce the TCO of DNN inference phase by 10x vs. GPU</a:t>
+              <a:t>Custom HW to reduce the TCO</a:t>
+            </a:r>
+            <a:r>
+              <a:rPr lang="en-US" sz="3600" baseline="30000" dirty="0"/>
+              <a:t>*</a:t>
+            </a:r>
+            <a:r>
+              <a:rPr lang="en-US" sz="3600" dirty="0"/>
+              <a:t> of DNN inference phase by 10x vs. GPU</a:t>
             </a:r>
           </a:p>
           <a:p>
@@ -15490,6 +15710,50 @@
           </a:p>
           <a:p>
             <a:endParaRPr lang="en-US" sz="3600" dirty="0"/>
+          </a:p>
+        </p:txBody>
+      </p:sp>
+      <p:sp>
+        <p:nvSpPr>
+          <p:cNvPr id="6" name="TextBox 5">
+            <a:extLst>
+              <a:ext uri="{FF2B5EF4-FFF2-40B4-BE49-F238E27FC236}">
+                <a16:creationId xmlns:a16="http://schemas.microsoft.com/office/drawing/2014/main" id="{5702121C-A89C-4F57-ADB2-13E16F4D1A7C}"/>
+              </a:ext>
+            </a:extLst>
+          </p:cNvPr>
+          <p:cNvSpPr txBox="1"/>
+          <p:nvPr/>
+        </p:nvSpPr>
+        <p:spPr>
+          <a:xfrm>
+            <a:off x="135037" y="6250661"/>
+            <a:ext cx="8069056" cy="477054"/>
+          </a:xfrm>
+          <a:prstGeom prst="rect">
+            <a:avLst/>
+          </a:prstGeom>
+          <a:noFill/>
+        </p:spPr>
+        <p:txBody>
+          <a:bodyPr wrap="square" rtlCol="0">
+            <a:spAutoFit/>
+          </a:bodyPr>
+          <a:lstStyle/>
+          <a:p>
+            <a:r>
+              <a:rPr lang="en-US" sz="2500" b="1" i="1" dirty="0">
+                <a:solidFill>
+                  <a:srgbClr val="00B0F0"/>
+                </a:solidFill>
+              </a:rPr>
+              <a:t>*TCO = Total Cost of Ownership</a:t>
+            </a:r>
+            <a:endParaRPr lang="en-US" sz="2500" i="1" dirty="0">
+              <a:solidFill>
+                <a:srgbClr val="00B0F0"/>
+              </a:solidFill>
+            </a:endParaRPr>
           </a:p>
         </p:txBody>
       </p:sp>
@@ -15565,7 +15829,7 @@
         <p:spPr>
           <a:xfrm>
             <a:off x="523874" y="-29577"/>
-            <a:ext cx="7858126" cy="923330"/>
+            <a:ext cx="11144252" cy="830997"/>
           </a:xfrm>
           <a:prstGeom prst="rect">
             <a:avLst/>
@@ -15579,14 +15843,14 @@
           <a:lstStyle/>
           <a:p>
             <a:r>
-              <a:rPr lang="en-US" sz="5400" b="1" dirty="0">
+              <a:rPr lang="en-US" sz="4800" b="1" dirty="0">
                 <a:solidFill>
                   <a:srgbClr val="92D050"/>
                 </a:solidFill>
                 <a:latin typeface="Arial" panose="020B0604020202020204" pitchFamily="34" charset="0"/>
                 <a:cs typeface="Arial" panose="020B0604020202020204" pitchFamily="34" charset="0"/>
               </a:rPr>
-              <a:t>TPU Origin Story</a:t>
+              <a:t>TPU Architecture and Implementation </a:t>
             </a:r>
           </a:p>
         </p:txBody>
@@ -15606,7 +15870,7 @@
         <p:spPr>
           <a:xfrm>
             <a:off x="523874" y="1104740"/>
-            <a:ext cx="11668126" cy="5909310"/>
+            <a:ext cx="11668126" cy="369332"/>
           </a:xfrm>
           <a:prstGeom prst="rect">
             <a:avLst/>
@@ -15621,132 +15885,69 @@
           <a:p>
             <a:r>
               <a:rPr lang="en-US" b="1" dirty="0"/>
-              <a:t>2013: Prepare for success-disaster of new DNN apps</a:t>
-            </a:r>
-          </a:p>
+              <a:t>	</a:t>
+            </a:r>
+          </a:p>
+        </p:txBody>
+      </p:sp>
+      <p:sp>
+        <p:nvSpPr>
+          <p:cNvPr id="6" name="TextBox 5">
+            <a:extLst>
+              <a:ext uri="{FF2B5EF4-FFF2-40B4-BE49-F238E27FC236}">
+                <a16:creationId xmlns:a16="http://schemas.microsoft.com/office/drawing/2014/main" id="{8D4E8A61-7629-476A-928E-D7935CD00871}"/>
+              </a:ext>
+            </a:extLst>
+          </p:cNvPr>
+          <p:cNvSpPr txBox="1"/>
+          <p:nvPr/>
+        </p:nvSpPr>
+        <p:spPr>
+          <a:xfrm>
+            <a:off x="523874" y="1104740"/>
+            <a:ext cx="11668126" cy="1754326"/>
+          </a:xfrm>
+          <a:prstGeom prst="rect">
+            <a:avLst/>
+          </a:prstGeom>
+          <a:noFill/>
+        </p:spPr>
+        <p:txBody>
+          <a:bodyPr wrap="square" rtlCol="0">
+            <a:spAutoFit/>
+          </a:bodyPr>
+          <a:lstStyle/>
           <a:p>
             <a:r>
               <a:rPr lang="en-US" b="1" dirty="0"/>
-              <a:t>	</a:t>
-            </a:r>
-            <a:r>
-              <a:rPr lang="en-US" dirty="0"/>
-              <a:t>Scenario with users speaking to phones 3 minutes a day:</a:t>
-            </a:r>
-          </a:p>
-          <a:p>
-            <a:r>
-              <a:rPr lang="en-US" dirty="0"/>
-              <a:t>	If only CPUs, need 2X whole datacenter fleet for speech DNNS</a:t>
+              <a:t>Add as accelerators to existing servers </a:t>
             </a:r>
           </a:p>
           <a:p>
             <a:r>
               <a:rPr lang="en-US" b="1" dirty="0"/>
-              <a:t>Custom HW to reduce the TCO of DNN inference phase by 10X vs. GPU</a:t>
+              <a:t>	So connect over I/O bus (“PCIe”)</a:t>
             </a:r>
           </a:p>
           <a:p>
             <a:r>
               <a:rPr lang="en-US" b="1" dirty="0"/>
-              <a:t>A very short development cycle </a:t>
+              <a:t>	It can be described as a matrix accelerator on I/O bus </a:t>
             </a:r>
           </a:p>
           <a:p>
             <a:r>
               <a:rPr lang="en-US" b="1" dirty="0"/>
-              <a:t>	</a:t>
-            </a:r>
-            <a:r>
-              <a:rPr lang="en-US" dirty="0"/>
-              <a:t>Started project 2014, running in datacenter 15 months later:</a:t>
-            </a:r>
+              <a:t>	The host sends the instructions to it; it does not fetch the instruction on its own </a:t>
+            </a:r>
+          </a:p>
+          <a:p>
+            <a:endParaRPr lang="en-US" b="1" dirty="0"/>
           </a:p>
           <a:p>
             <a:r>
               <a:rPr lang="en-US" b="1" dirty="0"/>
-              <a:t>		</a:t>
-            </a:r>
-            <a:r>
-              <a:rPr lang="en-US" dirty="0"/>
-              <a:t>Architecture invention, compiler invention, hardware design, build, test and deploying </a:t>
-            </a:r>
-          </a:p>
-          <a:p>
-            <a:r>
-              <a:rPr lang="en-US" b="1" dirty="0"/>
-              <a:t>It was announced during Google I/O May 18, 2016 as ’10X performance/Watt’</a:t>
-            </a:r>
-          </a:p>
-          <a:p>
-            <a:endParaRPr lang="en-US" b="1" dirty="0"/>
-          </a:p>
-          <a:p>
-            <a:r>
-              <a:rPr lang="en-US" b="1" dirty="0"/>
-              <a:t>3 Types of NNS (represented 95% of the workload in Google data centers)</a:t>
-            </a:r>
-          </a:p>
-          <a:p>
-            <a:r>
-              <a:rPr lang="en-US" b="1" dirty="0"/>
-              <a:t>	1. Multilayer </a:t>
-            </a:r>
-            <a:r>
-              <a:rPr lang="en-US" b="1" dirty="0" err="1"/>
-              <a:t>Perceptrons</a:t>
-            </a:r>
-            <a:r>
-              <a:rPr lang="en-US" b="1" dirty="0"/>
-              <a:t> (MLP)</a:t>
-            </a:r>
-          </a:p>
-          <a:p>
-            <a:r>
-              <a:rPr lang="en-US" b="1" dirty="0"/>
-              <a:t>		Each new layer applied nonlinear function F to weighted sum of all output from prior layers (fully connected)</a:t>
-            </a:r>
-          </a:p>
-          <a:p>
-            <a:r>
-              <a:rPr lang="en-US" b="1" dirty="0"/>
-              <a:t>	2. Convolutional Neural Network</a:t>
-            </a:r>
-          </a:p>
-          <a:p>
-            <a:r>
-              <a:rPr lang="en-US" b="1" dirty="0"/>
-              <a:t>		Like MLP, but same weights reused on nearby subsets of outputs from prior layer</a:t>
-            </a:r>
-          </a:p>
-          <a:p>
-            <a:r>
-              <a:rPr lang="en-US" b="1" dirty="0"/>
-              <a:t>	3. Recurrent NN/”Long Short-Term Memory”</a:t>
-            </a:r>
-          </a:p>
-          <a:p>
-            <a:r>
-              <a:rPr lang="en-US" b="1" dirty="0"/>
-              <a:t>		Each new layer a NL function of weighted sums of paste state and prior outputs; same weights reused across time steps </a:t>
-            </a:r>
-          </a:p>
-          <a:p>
-            <a:r>
-              <a:rPr lang="en-US" b="1" dirty="0"/>
-              <a:t> Talks about Table 1: this is the benchmark they will use in the paper. Get an idea about the number of layers (4 up to 90),</a:t>
-            </a:r>
-          </a:p>
-          <a:p>
-            <a:r>
-              <a:rPr lang="en-US" b="1" dirty="0"/>
-              <a:t>number of weights from 5M to 100M, batch sizes varies from 8 up to 200. CNN is just about 5% of the workload, while MLP takes up to 60% of the workload. </a:t>
-            </a:r>
-          </a:p>
-          <a:p>
-            <a:r>
-              <a:rPr lang="en-US" b="1" dirty="0"/>
-              <a:t>	</a:t>
+              <a:t>TALK ABOUT THE ARCHTRUCE IN DETAILS </a:t>
             </a:r>
           </a:p>
         </p:txBody>
@@ -15754,7 +15955,7 @@
     </p:spTree>
     <p:extLst>
       <p:ext uri="{BB962C8B-B14F-4D97-AF65-F5344CB8AC3E}">
-        <p14:creationId xmlns:p14="http://schemas.microsoft.com/office/powerpoint/2010/main" val="3776838933"/>
+        <p14:creationId xmlns:p14="http://schemas.microsoft.com/office/powerpoint/2010/main" val="1859473429"/>
       </p:ext>
     </p:extLst>
   </p:cSld>
@@ -15844,7 +16045,7 @@
                 <a:latin typeface="Arial" panose="020B0604020202020204" pitchFamily="34" charset="0"/>
                 <a:cs typeface="Arial" panose="020B0604020202020204" pitchFamily="34" charset="0"/>
               </a:rPr>
-              <a:t>TPU Architecture and Implementation </a:t>
+              <a:t>Relative Performance:</a:t>
             </a:r>
           </a:p>
         </p:txBody>
@@ -15899,7 +16100,7 @@
         <p:spPr>
           <a:xfrm>
             <a:off x="523874" y="1104740"/>
-            <a:ext cx="11668126" cy="1754326"/>
+            <a:ext cx="11668126" cy="6740307"/>
           </a:xfrm>
           <a:prstGeom prst="rect">
             <a:avLst/>
@@ -15914,25 +16115,58 @@
           <a:p>
             <a:r>
               <a:rPr lang="en-US" b="1" dirty="0"/>
-              <a:t>Add as accelerators to existing servers </a:t>
+              <a:t>From Table 2</a:t>
             </a:r>
           </a:p>
           <a:p>
             <a:r>
               <a:rPr lang="en-US" b="1" dirty="0"/>
-              <a:t>	So connect over I/O bus (“PCIe”)</a:t>
-            </a:r>
+              <a:t>	Half the size and the power of Haswell </a:t>
+            </a:r>
+          </a:p>
+          <a:p>
+            <a:endParaRPr lang="en-US" b="1" dirty="0"/>
           </a:p>
           <a:p>
             <a:r>
               <a:rPr lang="en-US" b="1" dirty="0"/>
-              <a:t>	It can be described as a matrix accelerator on I/O bus </a:t>
+              <a:t>Roofline Visual Performance Model </a:t>
             </a:r>
           </a:p>
           <a:p>
             <a:r>
               <a:rPr lang="en-US" b="1" dirty="0"/>
-              <a:t>	The host sends the instructions to it; it does not fetch the instruction on its own </a:t>
+              <a:t>	Two Limits to performance</a:t>
+            </a:r>
+          </a:p>
+          <a:p>
+            <a:r>
+              <a:rPr lang="en-US" b="1" dirty="0"/>
+              <a:t>	1. Peak computation </a:t>
+            </a:r>
+          </a:p>
+          <a:p>
+            <a:r>
+              <a:rPr lang="en-US" b="1" dirty="0"/>
+              <a:t>	2. Peak Memory BW (for apps with large data that don’ fit in cache)</a:t>
+            </a:r>
+          </a:p>
+          <a:p>
+            <a:r>
+              <a:rPr lang="en-US" b="1" dirty="0"/>
+              <a:t>Y-axis the floating point operations per second (FLOPS) so the flat line indicates the speed of light or peak performance or maximum FLOPS you can get out of the chip</a:t>
+            </a:r>
+          </a:p>
+          <a:p>
+            <a:r>
+              <a:rPr lang="en-US" b="1" dirty="0"/>
+              <a:t>X-axis is the arithmetic intensity or how many operations per byte fetch. So you are doing many operations of every byte being fetch, you will be on the left side of the curve where you might be limited with the peak performance of the chip. If you are on the left side of the curve, then you are memory bounded since there is not enough operations to carry out for every byte being fetch and thus you will not reach the peak performance; slanted part of the curve. </a:t>
+            </a:r>
+          </a:p>
+          <a:p>
+            <a:r>
+              <a:rPr lang="en-US" b="1" dirty="0"/>
+              <a:t>For apps/ software: the gap between the point and the ceiling of the roofline tells how much room is left to improve what you are doing. So here we will use weight-reuse as the arithmetic intensity for DNN roofline. </a:t>
             </a:r>
           </a:p>
           <a:p>
@@ -15941,7 +16175,22 @@
           <a:p>
             <a:r>
               <a:rPr lang="en-US" b="1" dirty="0"/>
-              <a:t>TALK ABOUT THE ARCHTRUCE IN DETAILS </a:t>
+              <a:t>The roofline has a very high peak performance but it has a huge area that is memory bounded (compare it to the Haswell and GPU).  The six apps are all touching the roofline. Comparing it with CPU and GPU performance, the six apps are falling far below the roofline. That simply means that these devices are not well suited for these applications as they are not limited by the memory or by the compute capabilities. In other words, the GPU or CPU as a lot to offer but these application don’t or can't take advantage of it. </a:t>
+            </a:r>
+          </a:p>
+          <a:p>
+            <a:endParaRPr lang="en-US" b="1" dirty="0"/>
+          </a:p>
+          <a:p>
+            <a:r>
+              <a:rPr lang="en-US" b="1" dirty="0"/>
+              <a:t>	 </a:t>
+            </a:r>
+          </a:p>
+          <a:p>
+            <a:r>
+              <a:rPr lang="en-US" b="1" dirty="0"/>
+              <a:t>	</a:t>
             </a:r>
           </a:p>
         </p:txBody>
@@ -15949,7 +16198,7 @@
     </p:spTree>
     <p:extLst>
       <p:ext uri="{BB962C8B-B14F-4D97-AF65-F5344CB8AC3E}">
-        <p14:creationId xmlns:p14="http://schemas.microsoft.com/office/powerpoint/2010/main" val="1859473429"/>
+        <p14:creationId xmlns:p14="http://schemas.microsoft.com/office/powerpoint/2010/main" val="4123427815"/>
       </p:ext>
     </p:extLst>
   </p:cSld>
@@ -16094,7 +16343,7 @@
         <p:spPr>
           <a:xfrm>
             <a:off x="523874" y="1104740"/>
-            <a:ext cx="11668126" cy="6740307"/>
+            <a:ext cx="11668126" cy="4801314"/>
           </a:xfrm>
           <a:prstGeom prst="rect">
             <a:avLst/>
@@ -16109,13 +16358,15 @@
           <a:p>
             <a:r>
               <a:rPr lang="en-US" b="1" dirty="0"/>
-              <a:t>From Table 2</a:t>
-            </a:r>
-          </a:p>
-          <a:p>
+              <a:t>Table 4: The application cares a lot about the response time. The green ones are below 7 </a:t>
+            </a:r>
+            <a:r>
+              <a:rPr lang="en-US" b="1" dirty="0" err="1"/>
+              <a:t>ms</a:t>
+            </a:r>
             <a:r>
               <a:rPr lang="en-US" b="1" dirty="0"/>
-              <a:t>	Half the size and the power of Haswell </a:t>
+              <a:t> and the red ones is where you can get more performance but you missed the deadline. This is because in production you are dealing always with users  and the user does not want to set there waiting for a long for the application to respond. And it is not about just the average response time that we care about, but the 99%th percentile means that we only allow 1% of the customer to have a bad experience. </a:t>
             </a:r>
           </a:p>
           <a:p>
@@ -16124,75 +16375,103 @@
           <a:p>
             <a:r>
               <a:rPr lang="en-US" b="1" dirty="0"/>
-              <a:t>Roofline Visual Performance Model </a:t>
+              <a:t>Figure 8: put all the devices together to see how they behave. All stars are reaching up even above the log scale of the GPU and CPU. This is in a log-log scale. </a:t>
             </a:r>
           </a:p>
           <a:p>
             <a:r>
               <a:rPr lang="en-US" b="1" dirty="0"/>
-              <a:t>	Two Limits to performance</a:t>
-            </a:r>
+              <a:t>Figure 9. Comparing the perf/watt as a proxy of perf/$ </a:t>
+            </a:r>
+          </a:p>
+          <a:p>
+            <a:endParaRPr lang="en-US" b="1" dirty="0"/>
           </a:p>
           <a:p>
             <a:r>
               <a:rPr lang="en-US" b="1" dirty="0"/>
-              <a:t>	1. Peak computation </a:t>
+              <a:t>Since it is built in 15 months, what else has been left undone or can be improved? Memory system. To use a memory system as of the GPU to have the same BW </a:t>
             </a:r>
           </a:p>
           <a:p>
             <a:r>
               <a:rPr lang="en-US" b="1" dirty="0"/>
-              <a:t>	2. Peak Memory BW (for apps with large data that don’ fit in cache)</a:t>
-            </a:r>
-          </a:p>
-          <a:p>
-            <a:r>
-              <a:rPr lang="en-US" b="1" dirty="0"/>
-              <a:t>Y-axis the floating point operations per second (FLOPS) so the flat line indicates the speed of light or peak performance or maximum FLOPS you can get out of the chip</a:t>
-            </a:r>
-          </a:p>
-          <a:p>
-            <a:r>
-              <a:rPr lang="en-US" b="1" dirty="0"/>
-              <a:t>X-axis is the arithmetic intensity or how many operations per byte fetch. So you are doing many operations of every byte being fetch, you will be on the left side of the curve where you might be limited with the peak performance of the chip. If you are on the left side of the curve, then you are memory bounded since there is not enough operations to carry out for every byte being fetch and thus you will not reach the peak performance; slanted part of the curve. </a:t>
-            </a:r>
-          </a:p>
-          <a:p>
-            <a:r>
-              <a:rPr lang="en-US" b="1" dirty="0"/>
-              <a:t>For apps/ software: the gap between the point and the ceiling of the roofline tells how much room is left to improve what you are doing. So here we will use weight-reuse as the arithmetic intensity for DNN roofline. </a:t>
-            </a:r>
-          </a:p>
-          <a:p>
-            <a:endParaRPr lang="en-US" b="1" dirty="0"/>
-          </a:p>
-          <a:p>
-            <a:r>
-              <a:rPr lang="en-US" b="1" dirty="0"/>
-              <a:t>The roofline has a very high peak performance but it has a huge area that is memory bounded (compare it to the Haswell and GPU).  The six apps are all touching the roofline. Comparing it with CPU and GPU performance, the six apps are falling far below the roofline. That simply means that these devices are not well suited for these applications as they are not limited by the memory or by the compute capabilities. In other words, the GPU or CPU as a lot to offer but these application don’t or can't take advantage of it. </a:t>
-            </a:r>
-          </a:p>
-          <a:p>
-            <a:endParaRPr lang="en-US" b="1" dirty="0"/>
-          </a:p>
-          <a:p>
-            <a:r>
-              <a:rPr lang="en-US" b="1" dirty="0"/>
-              <a:t>	 </a:t>
-            </a:r>
-          </a:p>
-          <a:p>
-            <a:r>
-              <a:rPr lang="en-US" b="1" dirty="0"/>
-              <a:t>	</a:t>
-            </a:r>
-          </a:p>
-        </p:txBody>
-      </p:sp>
+              <a:t>	Current DRAM &gt; 2 DDR3 2133 </a:t>
+            </a:r>
+            <a:r>
+              <a:rPr lang="en-US" b="1" dirty="0">
+                <a:sym typeface="Wingdings" panose="05000000000000000000" pitchFamily="2" charset="2"/>
+              </a:rPr>
+              <a:t> 34 GB/s</a:t>
+            </a:r>
+          </a:p>
+          <a:p>
+            <a:r>
+              <a:rPr lang="en-US" b="1" dirty="0">
+                <a:sym typeface="Wingdings" panose="05000000000000000000" pitchFamily="2" charset="2"/>
+              </a:rPr>
+              <a:t>	Replace with GDDR5 like in K80  180 GB/s  </a:t>
+            </a:r>
+          </a:p>
+          <a:p>
+            <a:r>
+              <a:rPr lang="en-US" b="1" dirty="0">
+                <a:sym typeface="Wingdings" panose="05000000000000000000" pitchFamily="2" charset="2"/>
+              </a:rPr>
+              <a:t>The ridge point will move to the left. The app that are </a:t>
+            </a:r>
+          </a:p>
+          <a:p>
+            <a:r>
+              <a:rPr lang="en-US" b="1" dirty="0">
+                <a:sym typeface="Wingdings" panose="05000000000000000000" pitchFamily="2" charset="2"/>
+              </a:rPr>
+              <a:t>compute bounded won’t be affected, but those that </a:t>
+            </a:r>
+          </a:p>
+          <a:p>
+            <a:r>
+              <a:rPr lang="en-US" b="1" dirty="0">
+                <a:sym typeface="Wingdings" panose="05000000000000000000" pitchFamily="2" charset="2"/>
+              </a:rPr>
+              <a:t>are memory bounded will get some boost</a:t>
+            </a:r>
+          </a:p>
+        </p:txBody>
+      </p:sp>
+      <p:pic>
+        <p:nvPicPr>
+          <p:cNvPr id="3" name="Picture 2">
+            <a:extLst>
+              <a:ext uri="{FF2B5EF4-FFF2-40B4-BE49-F238E27FC236}">
+                <a16:creationId xmlns:a16="http://schemas.microsoft.com/office/drawing/2014/main" id="{B6D59652-133E-4C64-A582-CF455FB0B8BC}"/>
+              </a:ext>
+            </a:extLst>
+          </p:cNvPr>
+          <p:cNvPicPr>
+            <a:picLocks noChangeAspect="1"/>
+          </p:cNvPicPr>
+          <p:nvPr/>
+        </p:nvPicPr>
+        <p:blipFill rotWithShape="1">
+          <a:blip r:embed="rId3"/>
+          <a:srcRect l="6785" t="19894" r="45357" b="33969"/>
+          <a:stretch/>
+        </p:blipFill>
+        <p:spPr>
+          <a:xfrm>
+            <a:off x="5849257" y="4256315"/>
+            <a:ext cx="3019651" cy="1637486"/>
+          </a:xfrm>
+          <a:prstGeom prst="rect">
+            <a:avLst/>
+          </a:prstGeom>
+        </p:spPr>
+      </p:pic>
     </p:spTree>
     <p:extLst>
       <p:ext uri="{BB962C8B-B14F-4D97-AF65-F5344CB8AC3E}">
-        <p14:creationId xmlns:p14="http://schemas.microsoft.com/office/powerpoint/2010/main" val="4123427815"/>
+        <p14:creationId xmlns:p14="http://schemas.microsoft.com/office/powerpoint/2010/main" val="3523736162"/>
       </p:ext>
     </p:extLst>
   </p:cSld>
@@ -16261,7 +16540,7 @@
         <p:spPr>
           <a:xfrm>
             <a:off x="523874" y="-29577"/>
-            <a:ext cx="11144252" cy="830997"/>
+            <a:ext cx="9782499" cy="923330"/>
           </a:xfrm>
           <a:prstGeom prst="rect">
             <a:avLst/>
@@ -16275,14 +16554,14 @@
           <a:lstStyle/>
           <a:p>
             <a:r>
-              <a:rPr lang="en-US" sz="4800" b="1" dirty="0">
+              <a:rPr lang="en-US" sz="5400" b="1" dirty="0">
                 <a:solidFill>
                   <a:srgbClr val="92D050"/>
                 </a:solidFill>
                 <a:latin typeface="Arial" panose="020B0604020202020204" pitchFamily="34" charset="0"/>
                 <a:cs typeface="Arial" panose="020B0604020202020204" pitchFamily="34" charset="0"/>
               </a:rPr>
-              <a:t>Relative Performance:</a:t>
+              <a:t>Details not in the paper</a:t>
             </a:r>
           </a:p>
         </p:txBody>
@@ -16302,7 +16581,7 @@
         <p:spPr>
           <a:xfrm>
             <a:off x="523874" y="1104740"/>
-            <a:ext cx="11668126" cy="369332"/>
+            <a:ext cx="11668126" cy="2246769"/>
           </a:xfrm>
           <a:prstGeom prst="rect">
             <a:avLst/>
@@ -16315,10 +16594,33 @@
           </a:bodyPr>
           <a:lstStyle/>
           <a:p>
-            <a:r>
-              <a:rPr lang="en-US" b="1" dirty="0"/>
-              <a:t>	</a:t>
-            </a:r>
+            <a:pPr marL="571500" indent="-571500">
+              <a:buFont typeface="Arial" panose="020B0604020202020204" pitchFamily="34" charset="0"/>
+              <a:buChar char="•"/>
+            </a:pPr>
+            <a:r>
+              <a:rPr lang="en-US" sz="2000" dirty="0" err="1"/>
+              <a:t>Jouppi</a:t>
+            </a:r>
+            <a:r>
+              <a:rPr lang="en-US" sz="2000" dirty="0"/>
+              <a:t>: “The </a:t>
+            </a:r>
+            <a:r>
+              <a:rPr lang="en-US" sz="2000" dirty="0" err="1"/>
+              <a:t>fundemtnal</a:t>
+            </a:r>
+            <a:r>
+              <a:rPr lang="en-US" sz="2000" dirty="0"/>
+              <a:t> bargain people make with FPGAs is that they want something that is easy to change but because of the programmability and other hurdles, compared with an ASIC, there ends up being a big difference in performance and performance per watt.” “The TPU is programmable like a CPU or GPU. It is not designed for just one neural network model; it executes CISC instructions on many networks (convolutional, LSTM, fully connected models). So it is still programmable, but uses a matrix as a primitive instead of a vector or scalar.”</a:t>
+            </a:r>
+          </a:p>
+          <a:p>
+            <a:pPr marL="571500" indent="-571500">
+              <a:buFont typeface="Arial" panose="020B0604020202020204" pitchFamily="34" charset="0"/>
+              <a:buChar char="•"/>
+            </a:pPr>
+            <a:endParaRPr lang="en-US" sz="2000" dirty="0"/>
           </a:p>
         </p:txBody>
       </p:sp>
@@ -16327,7 +16629,7 @@
           <p:cNvPr id="6" name="TextBox 5">
             <a:extLst>
               <a:ext uri="{FF2B5EF4-FFF2-40B4-BE49-F238E27FC236}">
-                <a16:creationId xmlns:a16="http://schemas.microsoft.com/office/drawing/2014/main" id="{8D4E8A61-7629-476A-928E-D7935CD00871}"/>
+                <a16:creationId xmlns:a16="http://schemas.microsoft.com/office/drawing/2014/main" id="{FC9A7CD3-60C7-44F2-B1A1-AF2F2374D85F}"/>
               </a:ext>
             </a:extLst>
           </p:cNvPr>
@@ -16336,8 +16638,8 @@
         </p:nvSpPr>
         <p:spPr>
           <a:xfrm>
-            <a:off x="523874" y="1104740"/>
-            <a:ext cx="11668126" cy="4801314"/>
+            <a:off x="135036" y="6250661"/>
+            <a:ext cx="12056964" cy="477054"/>
           </a:xfrm>
           <a:prstGeom prst="rect">
             <a:avLst/>
@@ -16351,121 +16653,25 @@
           <a:lstStyle/>
           <a:p>
             <a:r>
-              <a:rPr lang="en-US" b="1" dirty="0"/>
-              <a:t>Table 4: The application cares a lot about the response time. The green ones are below 7 </a:t>
-            </a:r>
-            <a:r>
-              <a:rPr lang="en-US" b="1" dirty="0" err="1"/>
-              <a:t>ms</a:t>
-            </a:r>
-            <a:r>
-              <a:rPr lang="en-US" b="1" dirty="0"/>
-              <a:t> and the red ones is where you can get more performance but you missed the deadline. This is because in production you are dealing always with users  and the user does not want to set there waiting for a long for the application to respond. And it is not about just the average response time that we care about, but the 99%th percentile means that we only allow 1% of the customer to have a bad experience. </a:t>
-            </a:r>
-          </a:p>
-          <a:p>
-            <a:endParaRPr lang="en-US" b="1" dirty="0"/>
-          </a:p>
-          <a:p>
-            <a:r>
-              <a:rPr lang="en-US" b="1" dirty="0"/>
-              <a:t>Figure 8: put all the devices together to see how they behave. All stars are reaching up even above the log scale of the GPU and CPU. This is in a log-log scale. </a:t>
-            </a:r>
-          </a:p>
-          <a:p>
-            <a:r>
-              <a:rPr lang="en-US" b="1" dirty="0"/>
-              <a:t>Figure 9. Comparing the perf/watt as a proxy of perf/$ </a:t>
-            </a:r>
-          </a:p>
-          <a:p>
-            <a:endParaRPr lang="en-US" b="1" dirty="0"/>
-          </a:p>
-          <a:p>
-            <a:r>
-              <a:rPr lang="en-US" b="1" dirty="0"/>
-              <a:t>Since it is built in 15 months, what else has been left undone or can be improved? Memory system. To use a memory system as of the GPU to have the same BW </a:t>
-            </a:r>
-          </a:p>
-          <a:p>
-            <a:r>
-              <a:rPr lang="en-US" b="1" dirty="0"/>
-              <a:t>	Current DRAM &gt; 2 DDR3 2133 </a:t>
-            </a:r>
-            <a:r>
-              <a:rPr lang="en-US" b="1" dirty="0">
-                <a:sym typeface="Wingdings" panose="05000000000000000000" pitchFamily="2" charset="2"/>
+              <a:rPr lang="en-US" sz="2400" b="1" i="1" dirty="0">
+                <a:solidFill>
+                  <a:srgbClr val="00B0F0"/>
+                </a:solidFill>
               </a:rPr>
-              <a:t> 34 GB/s</a:t>
-            </a:r>
-          </a:p>
-          <a:p>
-            <a:r>
-              <a:rPr lang="en-US" b="1" dirty="0">
-                <a:sym typeface="Wingdings" panose="05000000000000000000" pitchFamily="2" charset="2"/>
-              </a:rPr>
-              <a:t>	Replace with GDDR5 like in K80  180 GB/s  </a:t>
-            </a:r>
-          </a:p>
-          <a:p>
-            <a:r>
-              <a:rPr lang="en-US" b="1" dirty="0">
-                <a:sym typeface="Wingdings" panose="05000000000000000000" pitchFamily="2" charset="2"/>
-              </a:rPr>
-              <a:t>The ridge point will move to the left. The app that are </a:t>
-            </a:r>
-          </a:p>
-          <a:p>
-            <a:r>
-              <a:rPr lang="en-US" b="1" dirty="0">
-                <a:sym typeface="Wingdings" panose="05000000000000000000" pitchFamily="2" charset="2"/>
-              </a:rPr>
-              <a:t>compute bounded won’t be affected, but those that </a:t>
-            </a:r>
-          </a:p>
-          <a:p>
-            <a:r>
-              <a:rPr lang="en-US" b="1" dirty="0">
-                <a:sym typeface="Wingdings" panose="05000000000000000000" pitchFamily="2" charset="2"/>
-              </a:rPr>
-              <a:t>are memory bounded will get some boost</a:t>
-            </a:r>
-          </a:p>
-        </p:txBody>
-      </p:sp>
-      <p:pic>
-        <p:nvPicPr>
-          <p:cNvPr id="3" name="Picture 2">
-            <a:extLst>
-              <a:ext uri="{FF2B5EF4-FFF2-40B4-BE49-F238E27FC236}">
-                <a16:creationId xmlns:a16="http://schemas.microsoft.com/office/drawing/2014/main" id="{B6D59652-133E-4C64-A582-CF455FB0B8BC}"/>
-              </a:ext>
-            </a:extLst>
-          </p:cNvPr>
-          <p:cNvPicPr>
-            <a:picLocks noChangeAspect="1"/>
-          </p:cNvPicPr>
-          <p:nvPr/>
-        </p:nvPicPr>
-        <p:blipFill rotWithShape="1">
-          <a:blip r:embed="rId3"/>
-          <a:srcRect l="6785" t="19894" r="45357" b="33969"/>
-          <a:stretch/>
-        </p:blipFill>
-        <p:spPr>
-          <a:xfrm>
-            <a:off x="5849257" y="4256315"/>
-            <a:ext cx="3019651" cy="1637486"/>
-          </a:xfrm>
-          <a:prstGeom prst="rect">
-            <a:avLst/>
-          </a:prstGeom>
-        </p:spPr>
-      </p:pic>
+              <a:t>https://www.nextplatform.com/2017/04/05/first-depth-look-googles-tpu-architecture/</a:t>
+            </a:r>
+            <a:endParaRPr lang="en-US" sz="2400" i="1" dirty="0">
+              <a:solidFill>
+                <a:srgbClr val="00B0F0"/>
+              </a:solidFill>
+            </a:endParaRPr>
+          </a:p>
+        </p:txBody>
+      </p:sp>
     </p:spTree>
     <p:extLst>
       <p:ext uri="{BB962C8B-B14F-4D97-AF65-F5344CB8AC3E}">
-        <p14:creationId xmlns:p14="http://schemas.microsoft.com/office/powerpoint/2010/main" val="3523736162"/>
+        <p14:creationId xmlns:p14="http://schemas.microsoft.com/office/powerpoint/2010/main" val="2412877723"/>
       </p:ext>
     </p:extLst>
   </p:cSld>
@@ -16476,7 +16682,7 @@
 </file>
 
 <file path=ppt/slides/slide5.xml><?xml version="1.0" encoding="utf-8"?>
-<p:sld xmlns:a="http://schemas.openxmlformats.org/drawingml/2006/main" xmlns:r="http://schemas.openxmlformats.org/officeDocument/2006/relationships" xmlns:p="http://schemas.openxmlformats.org/presentationml/2006/main">
+<p:sld xmlns:a="http://schemas.openxmlformats.org/drawingml/2006/main" xmlns:r="http://schemas.openxmlformats.org/officeDocument/2006/relationships" xmlns:p="http://schemas.openxmlformats.org/presentationml/2006/main" show="0">
   <p:cSld>
     <p:spTree>
       <p:nvGrpSpPr>
